--- a/docs/Nhom12_expressjs_nodejs.pptx
+++ b/docs/Nhom12_expressjs_nodejs.pptx
@@ -6,7 +6,7 @@
     <p:sldMasterId id="2147483661" r:id="rId2"/>
   </p:sldMasterIdLst>
   <p:notesMasterIdLst>
-    <p:notesMasterId r:id="rId55"/>
+    <p:notesMasterId r:id="rId56"/>
   </p:notesMasterIdLst>
   <p:sldIdLst>
     <p:sldId id="256" r:id="rId3"/>
@@ -20,47 +20,48 @@
     <p:sldId id="310" r:id="rId11"/>
     <p:sldId id="263" r:id="rId12"/>
     <p:sldId id="311" r:id="rId13"/>
-    <p:sldId id="266" r:id="rId14"/>
-    <p:sldId id="267" r:id="rId15"/>
-    <p:sldId id="268" r:id="rId16"/>
-    <p:sldId id="269" r:id="rId17"/>
-    <p:sldId id="270" r:id="rId18"/>
-    <p:sldId id="271" r:id="rId19"/>
-    <p:sldId id="272" r:id="rId20"/>
-    <p:sldId id="273" r:id="rId21"/>
-    <p:sldId id="274" r:id="rId22"/>
-    <p:sldId id="275" r:id="rId23"/>
-    <p:sldId id="276" r:id="rId24"/>
-    <p:sldId id="277" r:id="rId25"/>
-    <p:sldId id="278" r:id="rId26"/>
-    <p:sldId id="279" r:id="rId27"/>
-    <p:sldId id="280" r:id="rId28"/>
-    <p:sldId id="281" r:id="rId29"/>
-    <p:sldId id="282" r:id="rId30"/>
-    <p:sldId id="283" r:id="rId31"/>
-    <p:sldId id="284" r:id="rId32"/>
-    <p:sldId id="285" r:id="rId33"/>
-    <p:sldId id="286" r:id="rId34"/>
-    <p:sldId id="287" r:id="rId35"/>
-    <p:sldId id="288" r:id="rId36"/>
-    <p:sldId id="289" r:id="rId37"/>
-    <p:sldId id="290" r:id="rId38"/>
-    <p:sldId id="291" r:id="rId39"/>
-    <p:sldId id="292" r:id="rId40"/>
-    <p:sldId id="293" r:id="rId41"/>
-    <p:sldId id="294" r:id="rId42"/>
-    <p:sldId id="295" r:id="rId43"/>
-    <p:sldId id="296" r:id="rId44"/>
-    <p:sldId id="297" r:id="rId45"/>
-    <p:sldId id="298" r:id="rId46"/>
-    <p:sldId id="299" r:id="rId47"/>
-    <p:sldId id="300" r:id="rId48"/>
-    <p:sldId id="301" r:id="rId49"/>
-    <p:sldId id="302" r:id="rId50"/>
-    <p:sldId id="303" r:id="rId51"/>
-    <p:sldId id="304" r:id="rId52"/>
-    <p:sldId id="305" r:id="rId53"/>
-    <p:sldId id="306" r:id="rId54"/>
+    <p:sldId id="312" r:id="rId14"/>
+    <p:sldId id="266" r:id="rId15"/>
+    <p:sldId id="267" r:id="rId16"/>
+    <p:sldId id="268" r:id="rId17"/>
+    <p:sldId id="269" r:id="rId18"/>
+    <p:sldId id="270" r:id="rId19"/>
+    <p:sldId id="271" r:id="rId20"/>
+    <p:sldId id="272" r:id="rId21"/>
+    <p:sldId id="273" r:id="rId22"/>
+    <p:sldId id="274" r:id="rId23"/>
+    <p:sldId id="275" r:id="rId24"/>
+    <p:sldId id="276" r:id="rId25"/>
+    <p:sldId id="277" r:id="rId26"/>
+    <p:sldId id="278" r:id="rId27"/>
+    <p:sldId id="279" r:id="rId28"/>
+    <p:sldId id="280" r:id="rId29"/>
+    <p:sldId id="281" r:id="rId30"/>
+    <p:sldId id="282" r:id="rId31"/>
+    <p:sldId id="283" r:id="rId32"/>
+    <p:sldId id="284" r:id="rId33"/>
+    <p:sldId id="285" r:id="rId34"/>
+    <p:sldId id="286" r:id="rId35"/>
+    <p:sldId id="287" r:id="rId36"/>
+    <p:sldId id="288" r:id="rId37"/>
+    <p:sldId id="289" r:id="rId38"/>
+    <p:sldId id="290" r:id="rId39"/>
+    <p:sldId id="291" r:id="rId40"/>
+    <p:sldId id="292" r:id="rId41"/>
+    <p:sldId id="293" r:id="rId42"/>
+    <p:sldId id="294" r:id="rId43"/>
+    <p:sldId id="295" r:id="rId44"/>
+    <p:sldId id="296" r:id="rId45"/>
+    <p:sldId id="297" r:id="rId46"/>
+    <p:sldId id="298" r:id="rId47"/>
+    <p:sldId id="299" r:id="rId48"/>
+    <p:sldId id="300" r:id="rId49"/>
+    <p:sldId id="301" r:id="rId50"/>
+    <p:sldId id="302" r:id="rId51"/>
+    <p:sldId id="303" r:id="rId52"/>
+    <p:sldId id="304" r:id="rId53"/>
+    <p:sldId id="305" r:id="rId54"/>
+    <p:sldId id="306" r:id="rId55"/>
   </p:sldIdLst>
   <p:sldSz cx="12192000" cy="6858000"/>
   <p:notesSz cx="7559675" cy="10691813"/>
@@ -6693,7 +6694,7 @@
         <p:spPr>
           <a:xfrm>
             <a:off x="0" y="760800"/>
-            <a:ext cx="12191760" cy="5507746"/>
+            <a:ext cx="12191760" cy="2553091"/>
           </a:xfrm>
           <a:prstGeom prst="rect">
             <a:avLst/>
@@ -6790,9 +6791,53 @@
                 </a:solidFill>
                 <a:latin typeface="Times New Roman"/>
               </a:rPr>
-              <a:t>: Tìm hiểu về framework Expressjs của Nodejs, ứng dụng xây dựng website “Quản lý bán hàng quần áo”</a:t>
-            </a:r>
-            <a:endParaRPr lang="vi-VN" sz="2400" b="0" strike="noStrike" spc="-1" dirty="0">
+              <a:t>: </a:t>
+            </a:r>
+            <a:r>
+              <a:rPr lang="vi-VN" sz="2400" b="0" strike="noStrike" spc="-1" dirty="0">
+                <a:solidFill>
+                  <a:srgbClr val="FFFFFF"/>
+                </a:solidFill>
+              </a:rPr>
+              <a:t>Tìm hiểu về framework Expressjs của Nodejs, ứng dụng xây dựng </a:t>
+            </a:r>
+            <a:endParaRPr lang="en-US" sz="2400" b="0" strike="noStrike" spc="-1" dirty="0" smtClean="0">
+              <a:solidFill>
+                <a:srgbClr val="FFFFFF"/>
+              </a:solidFill>
+            </a:endParaRPr>
+          </a:p>
+          <a:p>
+            <a:pPr algn="ctr">
+              <a:lnSpc>
+                <a:spcPct val="100000"/>
+              </a:lnSpc>
+            </a:pPr>
+            <a:r>
+              <a:rPr lang="vi-VN" sz="2400" b="0" strike="noStrike" spc="-1" dirty="0" smtClean="0">
+                <a:solidFill>
+                  <a:srgbClr val="FFFFFF"/>
+                </a:solidFill>
+              </a:rPr>
+              <a:t>website “</a:t>
+            </a:r>
+            <a:r>
+              <a:rPr lang="vi-VN" sz="2400" b="0" strike="noStrike" spc="-1" dirty="0">
+                <a:solidFill>
+                  <a:srgbClr val="FFFFFF"/>
+                </a:solidFill>
+              </a:rPr>
+              <a:t>Quản lý bán hàng quần áo</a:t>
+            </a:r>
+            <a:r>
+              <a:rPr lang="vi-VN" sz="2400" b="0" strike="noStrike" spc="-1" dirty="0" smtClean="0">
+                <a:solidFill>
+                  <a:srgbClr val="FFFFFF"/>
+                </a:solidFill>
+              </a:rPr>
+              <a:t>”</a:t>
+            </a:r>
+            <a:endParaRPr lang="vi-VN" sz="2400" b="0" strike="noStrike" spc="-1" dirty="0" smtClean="0">
               <a:latin typeface="Arial"/>
             </a:endParaRPr>
           </a:p>
@@ -6802,10 +6847,42 @@
                 <a:spcPct val="100000"/>
               </a:lnSpc>
             </a:pPr>
+            <a:r>
+              <a:rPr lang="vi-VN" sz="2400" b="0" strike="noStrike" spc="-1" dirty="0" smtClean="0">
+                <a:solidFill>
+                  <a:srgbClr val="FFFFFF"/>
+                </a:solidFill>
+                <a:latin typeface="Times New Roman"/>
+              </a:rPr>
+              <a:t>						</a:t>
+            </a:r>
             <a:endParaRPr lang="vi-VN" sz="2400" b="0" strike="noStrike" spc="-1" dirty="0">
               <a:latin typeface="Arial"/>
             </a:endParaRPr>
           </a:p>
+        </p:txBody>
+      </p:sp>
+      <p:sp>
+        <p:nvSpPr>
+          <p:cNvPr id="2" name="TextBox 1"/>
+          <p:cNvSpPr txBox="1"/>
+          <p:nvPr/>
+        </p:nvSpPr>
+        <p:spPr>
+          <a:xfrm>
+            <a:off x="0" y="3002281"/>
+            <a:ext cx="12633960" cy="3323987"/>
+          </a:xfrm>
+          <a:prstGeom prst="rect">
+            <a:avLst/>
+          </a:prstGeom>
+          <a:noFill/>
+        </p:spPr>
+        <p:txBody>
+          <a:bodyPr wrap="square" rtlCol="0">
+            <a:spAutoFit/>
+          </a:bodyPr>
+          <a:lstStyle/>
           <a:p>
             <a:pPr>
               <a:lnSpc>
@@ -6813,17 +6890,33 @@
               </a:lnSpc>
             </a:pPr>
             <a:r>
-              <a:rPr lang="vi-VN" sz="2400" b="0" strike="noStrike" spc="-1" dirty="0">
+              <a:rPr lang="en-US" spc="-1" dirty="0" smtClean="0">
                 <a:solidFill>
                   <a:srgbClr val="FFFFFF"/>
                 </a:solidFill>
                 <a:latin typeface="Times New Roman"/>
               </a:rPr>
-              <a:t>						Giảng viên HD : Thạc sĩ Nguyễn Thái Cường</a:t>
-            </a:r>
-            <a:endParaRPr lang="vi-VN" sz="2400" b="0" strike="noStrike" spc="-1" dirty="0">
-              <a:latin typeface="Arial"/>
-            </a:endParaRPr>
+              <a:t>						</a:t>
+            </a:r>
+            <a:r>
+              <a:rPr lang="vi-VN" sz="2400" spc="-1" dirty="0" smtClean="0">
+                <a:solidFill>
+                  <a:srgbClr val="FFFFFF"/>
+                </a:solidFill>
+                <a:latin typeface="Times New Roman"/>
+              </a:rPr>
+              <a:t>Giảng </a:t>
+            </a:r>
+            <a:r>
+              <a:rPr lang="vi-VN" sz="2400" spc="-1" dirty="0">
+                <a:solidFill>
+                  <a:srgbClr val="FFFFFF"/>
+                </a:solidFill>
+                <a:latin typeface="Times New Roman"/>
+              </a:rPr>
+              <a:t>viên HD : Thạc sĩ Nguyễn Thái Cường</a:t>
+            </a:r>
+            <a:endParaRPr lang="vi-VN" sz="2400" spc="-1" dirty="0"/>
           </a:p>
           <a:p>
             <a:pPr>
@@ -6832,17 +6925,51 @@
               </a:lnSpc>
             </a:pPr>
             <a:r>
-              <a:rPr lang="vi-VN" sz="2400" b="0" strike="noStrike" spc="-1" dirty="0">
+              <a:rPr lang="vi-VN" sz="2400" spc="-1" dirty="0">
                 <a:solidFill>
                   <a:srgbClr val="FFFFFF"/>
                 </a:solidFill>
                 <a:latin typeface="Times New Roman"/>
               </a:rPr>
-              <a:t>						Lớp : CNTT2-K13</a:t>
-            </a:r>
-            <a:endParaRPr lang="vi-VN" sz="2400" b="0" strike="noStrike" spc="-1" dirty="0">
-              <a:latin typeface="Arial"/>
-            </a:endParaRPr>
+              <a:t>						</a:t>
+            </a:r>
+            <a:r>
+              <a:rPr lang="en-US" sz="2400" spc="-1" dirty="0" err="1" smtClean="0">
+                <a:solidFill>
+                  <a:srgbClr val="FFFFFF"/>
+                </a:solidFill>
+                <a:latin typeface="Times New Roman"/>
+              </a:rPr>
+              <a:t>Khóa</a:t>
+            </a:r>
+            <a:r>
+              <a:rPr lang="vi-VN" sz="2400" spc="-1" dirty="0" smtClean="0">
+                <a:solidFill>
+                  <a:srgbClr val="FFFFFF"/>
+                </a:solidFill>
+                <a:latin typeface="Times New Roman"/>
+              </a:rPr>
+              <a:t> :</a:t>
+            </a:r>
+            <a:r>
+              <a:rPr lang="en-US" sz="2400" spc="-1" dirty="0" smtClean="0">
+                <a:solidFill>
+                  <a:srgbClr val="FFFFFF"/>
+                </a:solidFill>
+                <a:latin typeface="Times New Roman"/>
+              </a:rPr>
+              <a:t> </a:t>
+            </a:r>
+            <a:r>
+              <a:rPr lang="vi-VN" sz="2400" spc="-1" dirty="0" smtClean="0">
+                <a:solidFill>
+                  <a:srgbClr val="FFFFFF"/>
+                </a:solidFill>
+                <a:latin typeface="Times New Roman"/>
+              </a:rPr>
+              <a:t>K13</a:t>
+            </a:r>
+            <a:endParaRPr lang="vi-VN" sz="2400" spc="-1" dirty="0"/>
           </a:p>
           <a:p>
             <a:pPr>
@@ -6851,17 +6978,33 @@
               </a:lnSpc>
             </a:pPr>
             <a:r>
-              <a:rPr lang="vi-VN" sz="2400" b="0" strike="noStrike" spc="-1" dirty="0">
+              <a:rPr lang="vi-VN" sz="2400" spc="-1" dirty="0">
                 <a:solidFill>
                   <a:srgbClr val="FFFFFF"/>
                 </a:solidFill>
                 <a:latin typeface="Times New Roman"/>
               </a:rPr>
-              <a:t>						Mã học phần : 202110503149003</a:t>
-            </a:r>
-            <a:endParaRPr lang="vi-VN" sz="2400" b="0" strike="noStrike" spc="-1" dirty="0">
-              <a:latin typeface="Arial"/>
-            </a:endParaRPr>
+              <a:t>						Mã học phần : </a:t>
+            </a:r>
+            <a:r>
+              <a:rPr lang="vi-VN" sz="2400" spc="-1" dirty="0" smtClean="0">
+                <a:solidFill>
+                  <a:srgbClr val="FFFFFF"/>
+                </a:solidFill>
+                <a:latin typeface="Times New Roman"/>
+              </a:rPr>
+              <a:t>202110503149003</a:t>
+            </a:r>
+            <a:r>
+              <a:rPr lang="en-US" sz="2400" spc="-1" dirty="0" smtClean="0">
+                <a:solidFill>
+                  <a:srgbClr val="FFFFFF"/>
+                </a:solidFill>
+                <a:latin typeface="Times New Roman"/>
+              </a:rPr>
+              <a:t>	</a:t>
+            </a:r>
+            <a:endParaRPr lang="vi-VN" sz="2400" spc="-1" dirty="0"/>
           </a:p>
           <a:p>
             <a:pPr>
@@ -6870,7 +7013,7 @@
               </a:lnSpc>
             </a:pPr>
             <a:r>
-              <a:rPr lang="vi-VN" sz="2400" b="0" strike="noStrike" spc="-1" dirty="0">
+              <a:rPr lang="vi-VN" sz="2400" spc="-1" dirty="0">
                 <a:solidFill>
                   <a:srgbClr val="FFFFFF"/>
                 </a:solidFill>
@@ -6878,9 +7021,7 @@
               </a:rPr>
               <a:t>						Sinh viên : Đỗ Viết Nam – 2018601815</a:t>
             </a:r>
-            <a:endParaRPr lang="vi-VN" sz="2400" b="0" strike="noStrike" spc="-1" dirty="0">
-              <a:latin typeface="Arial"/>
-            </a:endParaRPr>
+            <a:endParaRPr lang="vi-VN" sz="2400" spc="-1" dirty="0"/>
           </a:p>
           <a:p>
             <a:pPr>
@@ -6889,7 +7030,7 @@
               </a:lnSpc>
             </a:pPr>
             <a:r>
-              <a:rPr lang="vi-VN" sz="2400" b="0" strike="noStrike" spc="-1" dirty="0">
+              <a:rPr lang="vi-VN" sz="2400" spc="-1" dirty="0">
                 <a:solidFill>
                   <a:srgbClr val="FFFFFF"/>
                 </a:solidFill>
@@ -6904,38 +7045,18 @@
                 </a:solidFill>
                 <a:latin typeface="Times New Roman"/>
               </a:rPr>
-              <a:t>	 </a:t>
-            </a:r>
-            <a:r>
-              <a:rPr lang="en-US" sz="2400" spc="-1" dirty="0" smtClean="0">
+              <a:t>	      </a:t>
+            </a:r>
+            <a:r>
+              <a:rPr lang="vi-VN" sz="2400" spc="-1" dirty="0">
                 <a:solidFill>
                   <a:srgbClr val="FFFFFF"/>
                 </a:solidFill>
                 <a:latin typeface="Times New Roman"/>
               </a:rPr>
-              <a:t>     </a:t>
-            </a:r>
-            <a:r>
-              <a:rPr lang="vi-VN" sz="2400" b="0" strike="noStrike" spc="-1" dirty="0" smtClean="0">
-                <a:solidFill>
-                  <a:srgbClr val="FFFFFF"/>
-                </a:solidFill>
-                <a:latin typeface="Times New Roman"/>
-              </a:rPr>
-              <a:t>Lê </a:t>
-            </a:r>
-            <a:r>
-              <a:rPr lang="vi-VN" sz="2400" b="0" strike="noStrike" spc="-1" dirty="0">
-                <a:solidFill>
-                  <a:srgbClr val="FFFFFF"/>
-                </a:solidFill>
-                <a:latin typeface="Times New Roman"/>
-              </a:rPr>
-              <a:t>Văn Thành – 2018601811</a:t>
-            </a:r>
-            <a:endParaRPr lang="vi-VN" sz="2400" b="0" strike="noStrike" spc="-1" dirty="0">
-              <a:latin typeface="Arial"/>
-            </a:endParaRPr>
+              <a:t>Lê Văn Thành – 2018601811</a:t>
+            </a:r>
+            <a:endParaRPr lang="vi-VN" sz="2400" spc="-1" dirty="0"/>
           </a:p>
           <a:p>
             <a:pPr>
@@ -6944,7 +7065,7 @@
               </a:lnSpc>
             </a:pPr>
             <a:r>
-              <a:rPr lang="vi-VN" sz="2400" b="0" strike="noStrike" spc="-1" dirty="0">
+              <a:rPr lang="vi-VN" sz="2400" spc="-1" dirty="0">
                 <a:solidFill>
                   <a:srgbClr val="FFFFFF"/>
                 </a:solidFill>
@@ -6959,56 +7080,36 @@
                 </a:solidFill>
                 <a:latin typeface="Times New Roman"/>
               </a:rPr>
-              <a:t> </a:t>
-            </a:r>
-            <a:r>
-              <a:rPr lang="en-US" sz="2400" spc="-1" dirty="0" smtClean="0">
+              <a:t>   </a:t>
+            </a:r>
+            <a:r>
+              <a:rPr lang="vi-VN" sz="2400" spc="-1" dirty="0">
                 <a:solidFill>
                   <a:srgbClr val="FFFFFF"/>
                 </a:solidFill>
                 <a:latin typeface="Times New Roman"/>
               </a:rPr>
-              <a:t>  </a:t>
-            </a:r>
-            <a:r>
-              <a:rPr lang="vi-VN" sz="2400" b="0" strike="noStrike" spc="-1" dirty="0">
+              <a:t>		</a:t>
+            </a:r>
+            <a:r>
+              <a:rPr lang="en-US" sz="2400" spc="-1" dirty="0">
                 <a:solidFill>
                   <a:srgbClr val="FFFFFF"/>
                 </a:solidFill>
                 <a:latin typeface="Times New Roman"/>
               </a:rPr>
-              <a:t>		</a:t>
-            </a:r>
-            <a:r>
-              <a:rPr lang="en-US" sz="2400" b="0" strike="noStrike" spc="-1" dirty="0" smtClean="0">
+              <a:t>      </a:t>
+            </a:r>
+            <a:r>
+              <a:rPr lang="vi-VN" sz="2400" spc="-1" dirty="0">
                 <a:solidFill>
                   <a:srgbClr val="FFFFFF"/>
                 </a:solidFill>
                 <a:latin typeface="Times New Roman"/>
               </a:rPr>
-              <a:t>      </a:t>
-            </a:r>
-            <a:r>
-              <a:rPr lang="vi-VN" sz="2400" b="0" strike="noStrike" spc="-1" dirty="0" smtClean="0">
-                <a:solidFill>
-                  <a:srgbClr val="FFFFFF"/>
-                </a:solidFill>
-                <a:latin typeface="Times New Roman"/>
-              </a:rPr>
-              <a:t>Ngô </a:t>
-            </a:r>
-            <a:r>
-              <a:rPr lang="vi-VN" sz="2400" b="0" strike="noStrike" spc="-1" dirty="0">
-                <a:solidFill>
-                  <a:srgbClr val="FFFFFF"/>
-                </a:solidFill>
-                <a:latin typeface="Times New Roman"/>
-              </a:rPr>
-              <a:t>Phương Tân – 2018601059</a:t>
-            </a:r>
-            <a:endParaRPr lang="vi-VN" sz="2400" b="0" strike="noStrike" spc="-1" dirty="0">
-              <a:latin typeface="Arial"/>
-            </a:endParaRPr>
+              <a:t>Ngô Phương Tân – 2018601059</a:t>
+            </a:r>
+            <a:endParaRPr lang="vi-VN" sz="2400" spc="-1" dirty="0"/>
           </a:p>
           <a:p>
             <a:pPr>
@@ -7017,7 +7118,7 @@
               </a:lnSpc>
             </a:pPr>
             <a:r>
-              <a:rPr lang="vi-VN" sz="2400" b="0" strike="noStrike" spc="-1" dirty="0">
+              <a:rPr lang="vi-VN" sz="2400" spc="-1" dirty="0">
                 <a:solidFill>
                   <a:srgbClr val="FFFFFF"/>
                 </a:solidFill>
@@ -7035,7 +7136,7 @@
               <a:t> </a:t>
             </a:r>
             <a:r>
-              <a:rPr lang="vi-VN" sz="2400" b="0" strike="noStrike" spc="-1" dirty="0">
+              <a:rPr lang="vi-VN" sz="2400" spc="-1" dirty="0">
                 <a:solidFill>
                   <a:srgbClr val="FFFFFF"/>
                 </a:solidFill>
@@ -7044,7 +7145,7 @@
               <a:t>		</a:t>
             </a:r>
             <a:r>
-              <a:rPr lang="en-US" sz="2400" b="0" strike="noStrike" spc="-1" dirty="0" smtClean="0">
+              <a:rPr lang="en-US" sz="2400" spc="-1" dirty="0">
                 <a:solidFill>
                   <a:srgbClr val="FFFFFF"/>
                 </a:solidFill>
@@ -7053,26 +7154,15 @@
               <a:t>      </a:t>
             </a:r>
             <a:r>
-              <a:rPr lang="vi-VN" sz="2400" b="0" strike="noStrike" spc="-1" dirty="0" smtClean="0">
+              <a:rPr lang="vi-VN" sz="2400" spc="-1" dirty="0">
                 <a:solidFill>
                   <a:srgbClr val="FFFFFF"/>
                 </a:solidFill>
                 <a:latin typeface="Times New Roman"/>
               </a:rPr>
-              <a:t>Nguyễn </a:t>
-            </a:r>
-            <a:r>
-              <a:rPr lang="vi-VN" sz="2400" b="0" strike="noStrike" spc="-1" dirty="0">
-                <a:solidFill>
-                  <a:srgbClr val="FFFFFF"/>
-                </a:solidFill>
-                <a:latin typeface="Times New Roman"/>
-              </a:rPr>
-              <a:t>Đức Việt – 2018601977</a:t>
-            </a:r>
-            <a:endParaRPr lang="vi-VN" sz="2400" b="0" strike="noStrike" spc="-1" dirty="0">
-              <a:latin typeface="Arial"/>
-            </a:endParaRPr>
+              <a:t>Nguyễn Đức Việt – 2018601977</a:t>
+            </a:r>
+            <a:endParaRPr lang="vi-VN" sz="2400" spc="-1" dirty="0"/>
           </a:p>
           <a:p>
             <a:pPr>
@@ -7081,7 +7171,7 @@
               </a:lnSpc>
             </a:pPr>
             <a:r>
-              <a:rPr lang="vi-VN" sz="2400" b="0" strike="noStrike" spc="-1" dirty="0">
+              <a:rPr lang="vi-VN" sz="2400" spc="-1" dirty="0">
                 <a:solidFill>
                   <a:srgbClr val="FFFFFF"/>
                 </a:solidFill>
@@ -7096,38 +7186,21 @@
                 </a:solidFill>
                 <a:latin typeface="Times New Roman"/>
               </a:rPr>
-              <a:t> </a:t>
-            </a:r>
-            <a:r>
-              <a:rPr lang="en-US" sz="2400" spc="-1" dirty="0" smtClean="0">
+              <a:t>      </a:t>
+            </a:r>
+            <a:r>
+              <a:rPr lang="vi-VN" sz="2400" spc="-1" dirty="0">
                 <a:solidFill>
                   <a:srgbClr val="FFFFFF"/>
                 </a:solidFill>
                 <a:latin typeface="Times New Roman"/>
               </a:rPr>
-              <a:t>     </a:t>
-            </a:r>
-            <a:r>
-              <a:rPr lang="vi-VN" sz="2400" b="0" strike="noStrike" spc="-1" dirty="0" smtClean="0">
-                <a:solidFill>
-                  <a:srgbClr val="FFFFFF"/>
-                </a:solidFill>
-                <a:latin typeface="Times New Roman"/>
-              </a:rPr>
-              <a:t>Phạm </a:t>
-            </a:r>
-            <a:r>
-              <a:rPr lang="vi-VN" sz="2400" b="0" strike="noStrike" spc="-1" dirty="0">
-                <a:solidFill>
-                  <a:srgbClr val="FFFFFF"/>
-                </a:solidFill>
-                <a:latin typeface="Times New Roman"/>
-              </a:rPr>
-              <a:t>Quốc Vương - 2018601102</a:t>
-            </a:r>
-            <a:endParaRPr lang="vi-VN" sz="2400" b="0" strike="noStrike" spc="-1" dirty="0">
-              <a:latin typeface="Arial"/>
-            </a:endParaRPr>
+              <a:t>Phạm Quốc Vương - 2018601102</a:t>
+            </a:r>
+            <a:endParaRPr lang="vi-VN" sz="2400" spc="-1" dirty="0"/>
+          </a:p>
+          <a:p>
+            <a:endParaRPr lang="en-US" dirty="0"/>
           </a:p>
         </p:txBody>
       </p:sp>
@@ -7287,47 +7360,55 @@
           </a:bodyPr>
           <a:lstStyle/>
           <a:p>
-            <a:pPr>
+            <a:pPr marL="457200" indent="-457200">
               <a:lnSpc>
                 <a:spcPct val="120000"/>
               </a:lnSpc>
               <a:spcBef>
                 <a:spcPts val="1001"/>
               </a:spcBef>
+              <a:buFont typeface="+mj-lt"/>
+              <a:buAutoNum type="arabicPeriod" startAt="4"/>
               <a:tabLst>
                 <a:tab pos="0" algn="l"/>
               </a:tabLst>
             </a:pPr>
             <a:r>
+              <a:rPr lang="vi-VN" sz="2400" b="1" strike="noStrike" spc="-1" dirty="0" smtClean="0">
+                <a:solidFill>
+                  <a:srgbClr val="FFFFFF"/>
+                </a:solidFill>
+              </a:rPr>
+              <a:t>Ưu  </a:t>
+            </a:r>
+            <a:r>
               <a:rPr lang="vi-VN" sz="2400" b="1" strike="noStrike" spc="-1" dirty="0">
                 <a:solidFill>
                   <a:srgbClr val="FFFFFF"/>
                 </a:solidFill>
-                <a:latin typeface="Times New Roman"/>
-              </a:rPr>
-              <a:t>3. Ưu  nhược điểm của </a:t>
+              </a:rPr>
+              <a:t>nhược điểm của </a:t>
             </a:r>
             <a:r>
               <a:rPr lang="en-US" sz="2400" b="1" spc="-1" dirty="0" smtClean="0">
                 <a:solidFill>
                   <a:srgbClr val="FFFFFF"/>
                 </a:solidFill>
-                <a:latin typeface="Times New Roman"/>
               </a:rPr>
               <a:t>Expressjs</a:t>
             </a:r>
-            <a:endParaRPr lang="vi-VN" sz="2400" b="0" strike="noStrike" spc="-1" dirty="0">
-              <a:latin typeface="Arial"/>
-            </a:endParaRPr>
-          </a:p>
-          <a:p>
-            <a:pPr>
+            <a:endParaRPr lang="vi-VN" sz="2400" b="0" strike="noStrike" spc="-1" dirty="0"/>
+          </a:p>
+          <a:p>
+            <a:pPr marL="342900" indent="-342900">
               <a:lnSpc>
                 <a:spcPct val="120000"/>
               </a:lnSpc>
               <a:spcBef>
                 <a:spcPts val="1001"/>
               </a:spcBef>
+              <a:buFont typeface="Wingdings" panose="05000000000000000000" pitchFamily="2" charset="2"/>
+              <a:buChar char="v"/>
               <a:tabLst>
                 <a:tab pos="0" algn="l"/>
               </a:tabLst>
@@ -7342,13 +7423,22 @@
               <a:t> </a:t>
             </a:r>
             <a:r>
+              <a:rPr lang="vi-VN" sz="2400" b="0" strike="noStrike" spc="-1" dirty="0" smtClean="0">
+                <a:solidFill>
+                  <a:srgbClr val="FFFFFF"/>
+                </a:solidFill>
+                <a:latin typeface="Times New Roman"/>
+              </a:rPr>
+              <a:t>Ưu </a:t>
+            </a:r>
+            <a:r>
               <a:rPr lang="vi-VN" sz="2400" b="0" strike="noStrike" spc="-1" dirty="0">
                 <a:solidFill>
                   <a:srgbClr val="FFFFFF"/>
                 </a:solidFill>
                 <a:latin typeface="Times New Roman"/>
               </a:rPr>
-              <a:t>- Ưu điểm của </a:t>
+              <a:t>điểm của </a:t>
             </a:r>
             <a:r>
               <a:rPr lang="en-US" sz="2400" spc="-1" dirty="0" smtClean="0">
@@ -7364,19 +7454,18 @@
             </a:endParaRPr>
           </a:p>
           <a:p>
-            <a:pPr lvl="1">
-              <a:lnSpc>
-                <a:spcPct val="120000"/>
-              </a:lnSpc>
-              <a:spcBef>
-                <a:spcPts val="1001"/>
-              </a:spcBef>
+            <a:pPr marL="800100" lvl="1" indent="-342900">
+              <a:spcAft>
+                <a:spcPts val="600"/>
+              </a:spcAft>
+              <a:buFont typeface="Wingdings" panose="05000000000000000000" pitchFamily="2" charset="2"/>
+              <a:buChar char="Ø"/>
               <a:tabLst>
                 <a:tab pos="0" algn="l"/>
               </a:tabLst>
             </a:pPr>
             <a:r>
-              <a:rPr lang="vi-VN" sz="1600" spc="-1" dirty="0">
+              <a:rPr lang="vi-VN" sz="2000" spc="-1" dirty="0">
                 <a:solidFill>
                   <a:schemeClr val="bg1"/>
                 </a:solidFill>
@@ -7385,19 +7474,18 @@
             </a:r>
           </a:p>
           <a:p>
-            <a:pPr lvl="1">
-              <a:lnSpc>
-                <a:spcPct val="120000"/>
-              </a:lnSpc>
-              <a:spcBef>
-                <a:spcPts val="1001"/>
-              </a:spcBef>
+            <a:pPr marL="800100" lvl="1" indent="-342900">
+              <a:spcAft>
+                <a:spcPts val="600"/>
+              </a:spcAft>
+              <a:buFont typeface="Wingdings" panose="05000000000000000000" pitchFamily="2" charset="2"/>
+              <a:buChar char="Ø"/>
               <a:tabLst>
                 <a:tab pos="0" algn="l"/>
               </a:tabLst>
             </a:pPr>
             <a:r>
-              <a:rPr lang="vi-VN" sz="1600" spc="-1" dirty="0">
+              <a:rPr lang="vi-VN" sz="2000" spc="-1" dirty="0">
                 <a:solidFill>
                   <a:schemeClr val="bg1"/>
                 </a:solidFill>
@@ -7406,19 +7494,18 @@
             </a:r>
           </a:p>
           <a:p>
-            <a:pPr lvl="1">
-              <a:lnSpc>
-                <a:spcPct val="120000"/>
-              </a:lnSpc>
-              <a:spcBef>
-                <a:spcPts val="1001"/>
-              </a:spcBef>
+            <a:pPr marL="800100" lvl="1" indent="-342900">
+              <a:spcAft>
+                <a:spcPts val="600"/>
+              </a:spcAft>
+              <a:buFont typeface="Wingdings" panose="05000000000000000000" pitchFamily="2" charset="2"/>
+              <a:buChar char="Ø"/>
               <a:tabLst>
                 <a:tab pos="0" algn="l"/>
               </a:tabLst>
             </a:pPr>
             <a:r>
-              <a:rPr lang="vi-VN" sz="1600" spc="-1" dirty="0">
+              <a:rPr lang="vi-VN" sz="2000" spc="-1" dirty="0">
                 <a:solidFill>
                   <a:schemeClr val="bg1"/>
                 </a:solidFill>
@@ -7427,19 +7514,18 @@
             </a:r>
           </a:p>
           <a:p>
-            <a:pPr lvl="1">
-              <a:lnSpc>
-                <a:spcPct val="120000"/>
-              </a:lnSpc>
-              <a:spcBef>
-                <a:spcPts val="1001"/>
-              </a:spcBef>
+            <a:pPr marL="800100" lvl="1" indent="-342900">
+              <a:spcAft>
+                <a:spcPts val="600"/>
+              </a:spcAft>
+              <a:buFont typeface="Wingdings" panose="05000000000000000000" pitchFamily="2" charset="2"/>
+              <a:buChar char="Ø"/>
               <a:tabLst>
                 <a:tab pos="0" algn="l"/>
               </a:tabLst>
             </a:pPr>
             <a:r>
-              <a:rPr lang="vi-VN" sz="1600" spc="-1" dirty="0">
+              <a:rPr lang="vi-VN" sz="2000" spc="-1" dirty="0">
                 <a:solidFill>
                   <a:schemeClr val="bg1"/>
                 </a:solidFill>
@@ -7448,19 +7534,18 @@
             </a:r>
           </a:p>
           <a:p>
-            <a:pPr lvl="1">
-              <a:lnSpc>
-                <a:spcPct val="120000"/>
-              </a:lnSpc>
-              <a:spcBef>
-                <a:spcPts val="1001"/>
-              </a:spcBef>
+            <a:pPr marL="800100" lvl="1" indent="-342900">
+              <a:spcAft>
+                <a:spcPts val="600"/>
+              </a:spcAft>
+              <a:buFont typeface="Wingdings" panose="05000000000000000000" pitchFamily="2" charset="2"/>
+              <a:buChar char="Ø"/>
               <a:tabLst>
                 <a:tab pos="0" algn="l"/>
               </a:tabLst>
             </a:pPr>
             <a:r>
-              <a:rPr lang="vi-VN" sz="1600" spc="-1" dirty="0">
+              <a:rPr lang="vi-VN" sz="2000" spc="-1" dirty="0">
                 <a:solidFill>
                   <a:schemeClr val="bg1"/>
                 </a:solidFill>
@@ -7469,26 +7554,25 @@
             </a:r>
           </a:p>
           <a:p>
-            <a:pPr lvl="1">
-              <a:lnSpc>
-                <a:spcPct val="120000"/>
-              </a:lnSpc>
-              <a:spcBef>
-                <a:spcPts val="1001"/>
-              </a:spcBef>
+            <a:pPr marL="800100" lvl="1" indent="-342900">
+              <a:spcAft>
+                <a:spcPts val="600"/>
+              </a:spcAft>
+              <a:buFont typeface="Wingdings" panose="05000000000000000000" pitchFamily="2" charset="2"/>
+              <a:buChar char="Ø"/>
               <a:tabLst>
                 <a:tab pos="0" algn="l"/>
               </a:tabLst>
             </a:pPr>
             <a:r>
-              <a:rPr lang="vi-VN" sz="1600" spc="-1" dirty="0">
+              <a:rPr lang="vi-VN" sz="2000" spc="-1" dirty="0">
                 <a:solidFill>
                   <a:schemeClr val="bg1"/>
                 </a:solidFill>
               </a:rPr>
               <a:t>Hỗ trợ phát triển ứng dụng theo mô hình MVC, đây là mô hình phổ biến cho việc lập trình web hiện nay.</a:t>
             </a:r>
-            <a:endParaRPr lang="vi-VN" sz="1600" b="0" strike="noStrike" spc="-1" dirty="0">
+            <a:endParaRPr lang="vi-VN" sz="2000" b="0" strike="noStrike" spc="-1" dirty="0">
               <a:solidFill>
                 <a:schemeClr val="bg1"/>
               </a:solidFill>
@@ -7653,53 +7737,61 @@
           </a:bodyPr>
           <a:lstStyle/>
           <a:p>
-            <a:pPr>
+            <a:pPr marL="457200" indent="-457200">
               <a:lnSpc>
                 <a:spcPct val="120000"/>
               </a:lnSpc>
               <a:spcBef>
                 <a:spcPts val="1001"/>
               </a:spcBef>
+              <a:buFont typeface="+mj-lt"/>
+              <a:buAutoNum type="arabicPeriod" startAt="4"/>
               <a:tabLst>
                 <a:tab pos="0" algn="l"/>
               </a:tabLst>
             </a:pPr>
             <a:r>
-              <a:rPr lang="vi-VN" sz="2400" b="1" strike="noStrike" spc="-1" dirty="0">
-                <a:solidFill>
-                  <a:srgbClr val="FFFFFF"/>
-                </a:solidFill>
-                <a:latin typeface="Times New Roman"/>
-              </a:rPr>
-              <a:t>3. Ưu  nhược điểm của </a:t>
-            </a:r>
-            <a:r>
-              <a:rPr lang="en-US" sz="2400" b="1" spc="-1" dirty="0" smtClean="0">
-                <a:solidFill>
-                  <a:srgbClr val="FFFFFF"/>
-                </a:solidFill>
-                <a:latin typeface="Times New Roman"/>
+              <a:rPr lang="vi-VN" sz="2400" b="1" spc="-1" dirty="0" smtClean="0">
+                <a:solidFill>
+                  <a:srgbClr val="FFFFFF"/>
+                </a:solidFill>
+              </a:rPr>
+              <a:t>Ưu  </a:t>
+            </a:r>
+            <a:r>
+              <a:rPr lang="vi-VN" sz="2400" b="1" spc="-1" dirty="0">
+                <a:solidFill>
+                  <a:srgbClr val="FFFFFF"/>
+                </a:solidFill>
+              </a:rPr>
+              <a:t>nhược điểm của </a:t>
+            </a:r>
+            <a:r>
+              <a:rPr lang="en-US" sz="2400" b="1" spc="-1" dirty="0" err="1">
+                <a:solidFill>
+                  <a:srgbClr val="FFFFFF"/>
+                </a:solidFill>
               </a:rPr>
               <a:t>Expressjs</a:t>
             </a:r>
-            <a:endParaRPr lang="vi-VN" sz="2400" b="0" strike="noStrike" spc="-1" dirty="0">
-              <a:latin typeface="Arial"/>
-            </a:endParaRPr>
-          </a:p>
-          <a:p>
-            <a:pPr>
+            <a:endParaRPr lang="vi-VN" sz="2400" spc="-1" dirty="0"/>
+          </a:p>
+          <a:p>
+            <a:pPr marL="342900" indent="-342900">
               <a:lnSpc>
                 <a:spcPct val="120000"/>
               </a:lnSpc>
               <a:spcBef>
                 <a:spcPts val="1001"/>
               </a:spcBef>
+              <a:buFont typeface="Wingdings" panose="05000000000000000000" pitchFamily="2" charset="2"/>
+              <a:buChar char="v"/>
               <a:tabLst>
                 <a:tab pos="0" algn="l"/>
               </a:tabLst>
             </a:pPr>
             <a:r>
-              <a:rPr lang="vi-VN" sz="2000" b="0" strike="noStrike" spc="-1" dirty="0">
+              <a:rPr lang="vi-VN" sz="2000" b="0" strike="noStrike" spc="-1" dirty="0" smtClean="0">
                 <a:solidFill>
                   <a:srgbClr val="FFFFFF"/>
                 </a:solidFill>
@@ -7708,16 +7800,7 @@
               <a:t> </a:t>
             </a:r>
             <a:r>
-              <a:rPr lang="vi-VN" sz="2400" b="0" strike="noStrike" spc="-1" dirty="0">
-                <a:solidFill>
-                  <a:srgbClr val="FFFFFF"/>
-                </a:solidFill>
-                <a:latin typeface="Times New Roman"/>
-              </a:rPr>
-              <a:t>- </a:t>
-            </a:r>
-            <a:r>
-              <a:rPr lang="en-US" sz="2400" b="0" strike="noStrike" spc="-1" dirty="0" smtClean="0">
+              <a:rPr lang="en-US" sz="2400" b="0" strike="noStrike" spc="-1" dirty="0" err="1" smtClean="0">
                 <a:solidFill>
                   <a:srgbClr val="FFFFFF"/>
                 </a:solidFill>
@@ -7757,19 +7840,21 @@
             </a:endParaRPr>
           </a:p>
           <a:p>
-            <a:pPr lvl="1">
+            <a:pPr marL="800100" lvl="1" indent="-342900">
               <a:lnSpc>
                 <a:spcPct val="120000"/>
               </a:lnSpc>
               <a:spcBef>
                 <a:spcPts val="1001"/>
               </a:spcBef>
+              <a:buFont typeface="Wingdings" panose="05000000000000000000" pitchFamily="2" charset="2"/>
+              <a:buChar char="Ø"/>
               <a:tabLst>
                 <a:tab pos="0" algn="l"/>
               </a:tabLst>
             </a:pPr>
             <a:r>
-              <a:rPr lang="en-US" sz="1600" b="1" i="1" spc="-1" dirty="0" smtClean="0">
+              <a:rPr lang="en-US" sz="2000" b="1" i="1" spc="-1" dirty="0" smtClean="0">
                 <a:solidFill>
                   <a:schemeClr val="bg1"/>
                 </a:solidFill>
@@ -7777,7 +7862,7 @@
               <a:t>Nó không cố chấp </a:t>
             </a:r>
             <a:r>
-              <a:rPr lang="vi-VN" sz="1600" spc="-1" dirty="0">
+              <a:rPr lang="vi-VN" sz="2000" spc="-1" dirty="0">
                 <a:solidFill>
                   <a:schemeClr val="bg1"/>
                 </a:solidFill>
@@ -7785,7 +7870,7 @@
               <a:t>về cách nó được ưu tiên triển khai trong ứng dụng của bạn và sẽ không nhúng tay vào việc chỉ cho bạn cách cấu trúc một ứng dụng Express hiệu quả. </a:t>
             </a:r>
             <a:r>
-              <a:rPr lang="en-US" sz="1600" spc="-1" dirty="0" smtClean="0">
+              <a:rPr lang="en-US" sz="2000" spc="-1" dirty="0" smtClean="0">
                 <a:solidFill>
                   <a:schemeClr val="bg1"/>
                 </a:solidFill>
@@ -7793,7 +7878,7 @@
               <a:t>M</a:t>
             </a:r>
             <a:r>
-              <a:rPr lang="vi-VN" sz="1600" spc="-1" dirty="0" smtClean="0">
+              <a:rPr lang="vi-VN" sz="2000" spc="-1" dirty="0" smtClean="0">
                 <a:solidFill>
                   <a:schemeClr val="bg1"/>
                 </a:solidFill>
@@ -7801,68 +7886,21 @@
               <a:t>ột </a:t>
             </a:r>
             <a:r>
-              <a:rPr lang="vi-VN" sz="1600" spc="-1" dirty="0">
+              <a:rPr lang="vi-VN" sz="2000" spc="-1" dirty="0">
                 <a:solidFill>
                   <a:schemeClr val="bg1"/>
                 </a:solidFill>
               </a:rPr>
-              <a:t>người mới bắt đầu sẽ không biết cách tối ưu để cấu trúc mã máy chủ của họ và có thể dễ dàng viết mã làm chậm API REST của họ một cách không cần thiết, hoặc tệ hơn: để lộ các lỗ hổng mà những kẻ độc hại truy cập có thể tận dụng. Một vài nỗ lực đầu tiên của tôi khi viết ứng dụng Express đã dẫn đến mã spaghetti rất lộn xộn, khó theo dõi</a:t>
-            </a:r>
-            <a:endParaRPr lang="vi-VN" sz="1600" spc="-1" dirty="0">
-              <a:solidFill>
-                <a:schemeClr val="bg1"/>
-              </a:solidFill>
-            </a:endParaRPr>
-          </a:p>
-          <a:p>
-            <a:pPr lvl="1">
-              <a:lnSpc>
-                <a:spcPct val="120000"/>
-              </a:lnSpc>
-              <a:spcBef>
-                <a:spcPts val="1001"/>
-              </a:spcBef>
-              <a:tabLst>
-                <a:tab pos="0" algn="l"/>
-              </a:tabLst>
-            </a:pPr>
-            <a:r>
-              <a:rPr lang="en-US" sz="1600" b="1" i="1" spc="-1" dirty="0" smtClean="0">
+              <a:t>người mới bắt đầu sẽ không biết cách tối ưu để cấu trúc mã máy chủ của họ và có thể dễ dàng viết mã làm chậm API REST của họ một cách không cần thiết, hoặc tệ hơn: để lộ các lỗ hổng mà những kẻ độc hại truy cập có thể tận dụng. </a:t>
+            </a:r>
+            <a:r>
+              <a:rPr lang="vi-VN" sz="2000" spc="-1" dirty="0" smtClean="0">
                 <a:solidFill>
                   <a:schemeClr val="bg1"/>
                 </a:solidFill>
               </a:rPr>
-              <a:t>Nó không được bảo mật cao</a:t>
-            </a:r>
-            <a:r>
-              <a:rPr lang="vi-VN" sz="1600" spc="-1" dirty="0" smtClean="0">
-                <a:solidFill>
-                  <a:schemeClr val="bg1"/>
-                </a:solidFill>
-              </a:rPr>
-              <a:t>, </a:t>
-            </a:r>
-            <a:r>
-              <a:rPr lang="vi-VN" sz="1600" spc="-1" dirty="0">
-                <a:solidFill>
-                  <a:schemeClr val="bg1"/>
-                </a:solidFill>
-              </a:rPr>
-              <a:t>như vừa đề cập ở trên. Nhưng hơn thế nữa, Express cũng không chỉ định cách thức triển khai bảo mật - điều đó hoàn toàn phụ thuộc vào ứng dụng của bạn. Có thể cho rằng đó không phải là một trò lừa đảo vì Express về cơ bản chỉ là một thư viện và có thể được sử dụng theo bất kỳ cách nào khác nhau và tùy thuộc vào nhà phát triển trong tình huống cụ thể của họ mức độ bảo mật mà họ yêu cầu</a:t>
-            </a:r>
-            <a:r>
-              <a:rPr lang="vi-VN" sz="1600" spc="-1" dirty="0" smtClean="0">
-                <a:solidFill>
-                  <a:schemeClr val="bg1"/>
-                </a:solidFill>
-              </a:rPr>
-              <a:t>.</a:t>
-            </a:r>
-            <a:endParaRPr lang="en-US" sz="1600" spc="-1" dirty="0" smtClean="0">
-              <a:solidFill>
-                <a:schemeClr val="bg1"/>
-              </a:solidFill>
-            </a:endParaRPr>
+              <a:t>Một vài nỗ lực đầu tiên của tôi khi viết ứng dụng Express đã dẫn đến mã spaghetti rất lộn xộn, khó theo dõi</a:t>
+            </a:r>
           </a:p>
         </p:txBody>
       </p:sp>
@@ -7913,7 +7951,7 @@
       </p:grpSpPr>
       <p:pic>
         <p:nvPicPr>
-          <p:cNvPr id="136" name="Content Placeholder 4"/>
+          <p:cNvPr id="128" name="Content Placeholder 4"/>
           <p:cNvPicPr/>
           <p:nvPr/>
         </p:nvPicPr>
@@ -7936,7 +7974,7 @@
       </p:pic>
       <p:sp>
         <p:nvSpPr>
-          <p:cNvPr id="137" name="TextShape 1"/>
+          <p:cNvPr id="129" name="TextShape 1"/>
           <p:cNvSpPr txBox="1"/>
           <p:nvPr/>
         </p:nvSpPr>
@@ -7965,15 +8003,23 @@
               </a:lnSpc>
             </a:pPr>
             <a:r>
-              <a:rPr lang="vi-VN" sz="3200" b="1" strike="noStrike" cap="all" spc="-1">
+              <a:rPr lang="vi-VN" sz="3200" b="1" strike="noStrike" cap="all" spc="-1" dirty="0">
                 <a:solidFill>
                   <a:srgbClr val="FFFFFF"/>
                 </a:solidFill>
                 <a:latin typeface="Arial"/>
               </a:rPr>
-              <a:t>Phần I: tìm hiểu về Spring boot </a:t>
-            </a:r>
-            <a:endParaRPr lang="vi-VN" sz="3200" b="0" strike="noStrike" spc="-1">
+              <a:t>Phần I: </a:t>
+            </a:r>
+            <a:r>
+              <a:rPr lang="vi-VN" sz="3200" b="1" cap="all" spc="-1" dirty="0">
+                <a:solidFill>
+                  <a:srgbClr val="FFFFFF"/>
+                </a:solidFill>
+              </a:rPr>
+              <a:t>tìm hiểu về Expressjs</a:t>
+            </a:r>
+            <a:endParaRPr lang="vi-VN" sz="3200" b="0" strike="noStrike" spc="-1" dirty="0">
               <a:solidFill>
                 <a:srgbClr val="FFFFFF"/>
               </a:solidFill>
@@ -7984,14 +8030,14 @@
       </p:sp>
       <p:sp>
         <p:nvSpPr>
-          <p:cNvPr id="138" name="CustomShape 2"/>
+          <p:cNvPr id="130" name="CustomShape 2"/>
           <p:cNvSpPr/>
           <p:nvPr/>
         </p:nvSpPr>
         <p:spPr>
           <a:xfrm>
-            <a:off x="913680" y="2095920"/>
-            <a:ext cx="10353240" cy="3694680"/>
+            <a:off x="600480" y="1590840"/>
+            <a:ext cx="10990800" cy="4163400"/>
           </a:xfrm>
           <a:prstGeom prst="rect">
             <a:avLst/>
@@ -8015,182 +8061,228 @@
         </p:style>
         <p:txBody>
           <a:bodyPr>
-            <a:normAutofit/>
+            <a:noAutofit/>
           </a:bodyPr>
           <a:lstStyle/>
           <a:p>
-            <a:pPr>
+            <a:pPr marL="457200" indent="-457200">
               <a:lnSpc>
                 <a:spcPct val="120000"/>
               </a:lnSpc>
               <a:spcBef>
                 <a:spcPts val="1001"/>
               </a:spcBef>
+              <a:buFont typeface="+mj-lt"/>
+              <a:buAutoNum type="arabicPeriod" startAt="4"/>
               <a:tabLst>
                 <a:tab pos="0" algn="l"/>
               </a:tabLst>
             </a:pPr>
             <a:r>
-              <a:rPr lang="vi-VN" sz="2400" b="1" strike="noStrike" spc="-1" dirty="0">
-                <a:solidFill>
-                  <a:srgbClr val="FFFFFF"/>
-                </a:solidFill>
-                <a:latin typeface="Arial"/>
-              </a:rPr>
-              <a:t>4. Ứng dụng của Spring Boot</a:t>
-            </a:r>
-            <a:endParaRPr lang="vi-VN" sz="2400" b="0" strike="noStrike" spc="-1" dirty="0">
-              <a:latin typeface="Arial"/>
-            </a:endParaRPr>
-          </a:p>
-          <a:p>
-            <a:pPr>
+              <a:rPr lang="vi-VN" sz="2400" b="1" spc="-1" dirty="0">
+                <a:solidFill>
+                  <a:srgbClr val="FFFFFF"/>
+                </a:solidFill>
+              </a:rPr>
+              <a:t>Ưu  nhược điểm của </a:t>
+            </a:r>
+            <a:r>
+              <a:rPr lang="en-US" sz="2400" b="1" spc="-1" dirty="0" err="1">
+                <a:solidFill>
+                  <a:srgbClr val="FFFFFF"/>
+                </a:solidFill>
+              </a:rPr>
+              <a:t>Expressjs</a:t>
+            </a:r>
+            <a:endParaRPr lang="vi-VN" sz="2400" spc="-1" dirty="0"/>
+          </a:p>
+          <a:p>
+            <a:pPr marL="342900" indent="-342900">
               <a:lnSpc>
                 <a:spcPct val="120000"/>
               </a:lnSpc>
               <a:spcBef>
                 <a:spcPts val="1001"/>
               </a:spcBef>
+              <a:buFont typeface="Wingdings" panose="05000000000000000000" pitchFamily="2" charset="2"/>
+              <a:buChar char="v"/>
               <a:tabLst>
                 <a:tab pos="0" algn="l"/>
               </a:tabLst>
             </a:pPr>
             <a:r>
+              <a:rPr lang="vi-VN" sz="2000" b="0" strike="noStrike" spc="-1" dirty="0" smtClean="0">
+                <a:solidFill>
+                  <a:srgbClr val="FFFFFF"/>
+                </a:solidFill>
+                <a:latin typeface="Times New Roman"/>
+              </a:rPr>
+              <a:t> </a:t>
+            </a:r>
+            <a:r>
+              <a:rPr lang="en-US" sz="2400" b="0" strike="noStrike" spc="-1" dirty="0" err="1" smtClean="0">
+                <a:solidFill>
+                  <a:srgbClr val="FFFFFF"/>
+                </a:solidFill>
+                <a:latin typeface="Times New Roman"/>
+              </a:rPr>
+              <a:t>Nhược</a:t>
+            </a:r>
+            <a:r>
+              <a:rPr lang="vi-VN" sz="2400" b="0" strike="noStrike" spc="-1" dirty="0" smtClean="0">
+                <a:solidFill>
+                  <a:srgbClr val="FFFFFF"/>
+                </a:solidFill>
+                <a:latin typeface="Times New Roman"/>
+              </a:rPr>
+              <a:t> </a:t>
+            </a:r>
+            <a:r>
               <a:rPr lang="vi-VN" sz="2400" b="0" strike="noStrike" spc="-1" dirty="0">
                 <a:solidFill>
                   <a:srgbClr val="FFFFFF"/>
                 </a:solidFill>
-                <a:latin typeface="Arial"/>
-              </a:rPr>
-              <a:t>	</a:t>
-            </a:r>
-            <a:r>
-              <a:rPr lang="vi-VN" sz="2400" b="0" strike="noStrike" spc="-1" dirty="0" smtClean="0">
-                <a:solidFill>
-                  <a:srgbClr val="FFFFFF"/>
-                </a:solidFill>
-                <a:latin typeface="Arial"/>
-              </a:rPr>
-              <a:t>-</a:t>
-            </a:r>
-            <a:r>
-              <a:rPr lang="en-US" sz="2400" b="0" strike="noStrike" spc="-1" dirty="0" smtClean="0">
-                <a:solidFill>
-                  <a:srgbClr val="FFFFFF"/>
-                </a:solidFill>
-                <a:latin typeface="Arial"/>
-              </a:rPr>
-              <a:t> IBM</a:t>
-            </a:r>
-            <a:endParaRPr lang="vi-VN" sz="2400" b="0" strike="noStrike" spc="-1" dirty="0" smtClean="0">
+                <a:latin typeface="Times New Roman"/>
+              </a:rPr>
+              <a:t>điểm của </a:t>
+            </a:r>
+            <a:r>
+              <a:rPr lang="en-US" sz="2400" spc="-1" dirty="0" smtClean="0">
+                <a:solidFill>
+                  <a:srgbClr val="FFFFFF"/>
+                </a:solidFill>
+                <a:latin typeface="Times New Roman"/>
+              </a:rPr>
+              <a:t>Expressjs</a:t>
+            </a:r>
+            <a:endParaRPr lang="vi-VN" sz="2400" b="0" strike="noStrike" spc="-1" dirty="0">
               <a:latin typeface="Arial"/>
             </a:endParaRPr>
           </a:p>
           <a:p>
-            <a:pPr>
+            <a:pPr marL="800100" lvl="1" indent="-342900">
               <a:lnSpc>
                 <a:spcPct val="120000"/>
               </a:lnSpc>
               <a:spcBef>
                 <a:spcPts val="1001"/>
               </a:spcBef>
+              <a:buFont typeface="Wingdings" panose="05000000000000000000" pitchFamily="2" charset="2"/>
+              <a:buChar char="Ø"/>
               <a:tabLst>
                 <a:tab pos="0" algn="l"/>
               </a:tabLst>
             </a:pPr>
             <a:r>
-              <a:rPr lang="vi-VN" sz="2400" b="0" strike="noStrike" spc="-1" dirty="0" smtClean="0">
-                <a:solidFill>
-                  <a:srgbClr val="FFFFFF"/>
-                </a:solidFill>
-                <a:latin typeface="Arial"/>
-              </a:rPr>
-              <a:t>	- </a:t>
-            </a:r>
-            <a:r>
-              <a:rPr lang="en-US" sz="2400" b="0" strike="noStrike" spc="-1" dirty="0" smtClean="0">
-                <a:solidFill>
-                  <a:srgbClr val="FFFFFF"/>
-                </a:solidFill>
-                <a:latin typeface="Arial"/>
-              </a:rPr>
-              <a:t>PayPal</a:t>
-            </a:r>
-            <a:endParaRPr lang="vi-VN" sz="2400" b="0" strike="noStrike" spc="-1" dirty="0" smtClean="0">
-              <a:latin typeface="Arial"/>
-            </a:endParaRPr>
-          </a:p>
-          <a:p>
-            <a:pPr>
-              <a:lnSpc>
-                <a:spcPct val="120000"/>
-              </a:lnSpc>
-              <a:spcBef>
-                <a:spcPts val="1001"/>
-              </a:spcBef>
-              <a:tabLst>
-                <a:tab pos="0" algn="l"/>
-              </a:tabLst>
-            </a:pPr>
-            <a:r>
-              <a:rPr lang="vi-VN" sz="2400" b="0" strike="noStrike" spc="-1" dirty="0">
-                <a:solidFill>
-                  <a:srgbClr val="FFFFFF"/>
-                </a:solidFill>
-                <a:latin typeface="Arial"/>
-              </a:rPr>
-              <a:t>	</a:t>
-            </a:r>
-            <a:r>
-              <a:rPr lang="vi-VN" sz="2400" b="0" strike="noStrike" spc="-1" dirty="0" smtClean="0">
-                <a:solidFill>
-                  <a:srgbClr val="FFFFFF"/>
-                </a:solidFill>
-                <a:latin typeface="Arial"/>
-              </a:rPr>
-              <a:t>-</a:t>
-            </a:r>
-            <a:r>
-              <a:rPr lang="en-US" sz="2400" b="0" strike="noStrike" spc="-1" dirty="0" smtClean="0">
-                <a:solidFill>
-                  <a:srgbClr val="FFFFFF"/>
-                </a:solidFill>
-                <a:latin typeface="Arial"/>
-              </a:rPr>
-              <a:t> GoDaddy</a:t>
-            </a:r>
-            <a:endParaRPr lang="vi-VN" sz="2400" b="0" strike="noStrike" spc="-1" dirty="0" smtClean="0">
-              <a:latin typeface="Arial"/>
-            </a:endParaRPr>
-          </a:p>
-          <a:p>
-            <a:pPr>
-              <a:lnSpc>
-                <a:spcPct val="120000"/>
-              </a:lnSpc>
-              <a:spcBef>
-                <a:spcPts val="1001"/>
-              </a:spcBef>
-              <a:tabLst>
-                <a:tab pos="0" algn="l"/>
-              </a:tabLst>
-            </a:pPr>
-            <a:r>
-              <a:rPr lang="vi-VN" sz="2400" b="0" strike="noStrike" spc="-1" dirty="0" smtClean="0">
-                <a:solidFill>
-                  <a:srgbClr val="FFFFFF"/>
-                </a:solidFill>
-                <a:latin typeface="Arial"/>
-              </a:rPr>
-              <a:t>	- …….</a:t>
-            </a:r>
-            <a:endParaRPr lang="vi-VN" sz="2400" b="0" strike="noStrike" spc="-1" dirty="0">
-              <a:latin typeface="Arial"/>
+              <a:rPr lang="en-US" sz="2000" b="1" i="1" spc="-1" dirty="0" err="1" smtClean="0">
+                <a:solidFill>
+                  <a:schemeClr val="bg1"/>
+                </a:solidFill>
+              </a:rPr>
+              <a:t>Nó</a:t>
+            </a:r>
+            <a:r>
+              <a:rPr lang="en-US" sz="2000" b="1" i="1" spc="-1" dirty="0" smtClean="0">
+                <a:solidFill>
+                  <a:schemeClr val="bg1"/>
+                </a:solidFill>
+              </a:rPr>
+              <a:t> </a:t>
+            </a:r>
+            <a:r>
+              <a:rPr lang="en-US" sz="2000" b="1" i="1" spc="-1" dirty="0" err="1" smtClean="0">
+                <a:solidFill>
+                  <a:schemeClr val="bg1"/>
+                </a:solidFill>
+              </a:rPr>
+              <a:t>không</a:t>
+            </a:r>
+            <a:r>
+              <a:rPr lang="en-US" sz="2000" b="1" i="1" spc="-1" dirty="0" smtClean="0">
+                <a:solidFill>
+                  <a:schemeClr val="bg1"/>
+                </a:solidFill>
+              </a:rPr>
+              <a:t> </a:t>
+            </a:r>
+            <a:r>
+              <a:rPr lang="en-US" sz="2000" b="1" i="1" spc="-1" dirty="0" err="1" smtClean="0">
+                <a:solidFill>
+                  <a:schemeClr val="bg1"/>
+                </a:solidFill>
+              </a:rPr>
+              <a:t>được</a:t>
+            </a:r>
+            <a:r>
+              <a:rPr lang="en-US" sz="2000" b="1" i="1" spc="-1" dirty="0" smtClean="0">
+                <a:solidFill>
+                  <a:schemeClr val="bg1"/>
+                </a:solidFill>
+              </a:rPr>
+              <a:t> </a:t>
+            </a:r>
+            <a:r>
+              <a:rPr lang="en-US" sz="2000" b="1" i="1" spc="-1" dirty="0" err="1" smtClean="0">
+                <a:solidFill>
+                  <a:schemeClr val="bg1"/>
+                </a:solidFill>
+              </a:rPr>
+              <a:t>bảo</a:t>
+            </a:r>
+            <a:r>
+              <a:rPr lang="en-US" sz="2000" b="1" i="1" spc="-1" dirty="0" smtClean="0">
+                <a:solidFill>
+                  <a:schemeClr val="bg1"/>
+                </a:solidFill>
+              </a:rPr>
+              <a:t> </a:t>
+            </a:r>
+            <a:r>
+              <a:rPr lang="en-US" sz="2000" b="1" i="1" spc="-1" dirty="0" err="1" smtClean="0">
+                <a:solidFill>
+                  <a:schemeClr val="bg1"/>
+                </a:solidFill>
+              </a:rPr>
+              <a:t>mật</a:t>
+            </a:r>
+            <a:r>
+              <a:rPr lang="en-US" sz="2000" b="1" i="1" spc="-1" dirty="0" smtClean="0">
+                <a:solidFill>
+                  <a:schemeClr val="bg1"/>
+                </a:solidFill>
+              </a:rPr>
+              <a:t> </a:t>
+            </a:r>
+            <a:r>
+              <a:rPr lang="en-US" sz="2000" b="1" i="1" spc="-1" dirty="0" err="1" smtClean="0">
+                <a:solidFill>
+                  <a:schemeClr val="bg1"/>
+                </a:solidFill>
+              </a:rPr>
+              <a:t>cao</a:t>
+            </a:r>
+            <a:r>
+              <a:rPr lang="vi-VN" sz="2000" spc="-1" dirty="0" smtClean="0">
+                <a:solidFill>
+                  <a:schemeClr val="bg1"/>
+                </a:solidFill>
+              </a:rPr>
+              <a:t>, như vừa đề cập ở trên. Nhưng hơn thế nữa, Express cũng không chỉ định cách thức triển khai bảo mật - điều đó hoàn toàn phụ thuộc vào ứng dụng của bạn. Có thể cho rằng đó không phải là một trò lừa đảo vì Express về cơ bản chỉ là một thư viện và có thể được sử dụng theo bất kỳ cách nào khác nhau và tùy thuộc vào nhà phát triển trong tình huống cụ thể của họ mức độ bảo mật mà họ yêu cầu.</a:t>
+            </a:r>
+            <a:endParaRPr lang="en-US" sz="2000" spc="-1" dirty="0" smtClean="0">
+              <a:solidFill>
+                <a:schemeClr val="bg1"/>
+              </a:solidFill>
             </a:endParaRPr>
           </a:p>
         </p:txBody>
       </p:sp>
     </p:spTree>
+    <p:extLst>
+      <p:ext uri="{BB962C8B-B14F-4D97-AF65-F5344CB8AC3E}">
+        <p14:creationId xmlns:p14="http://schemas.microsoft.com/office/powerpoint/2010/main" val="2572284556"/>
+      </p:ext>
+    </p:extLst>
   </p:cSld>
   <p:clrMapOvr>
     <a:masterClrMapping/>
@@ -8232,7 +8324,7 @@
       </p:grpSpPr>
       <p:pic>
         <p:nvPicPr>
-          <p:cNvPr id="139" name="Content Placeholder 4"/>
+          <p:cNvPr id="136" name="Content Placeholder 4"/>
           <p:cNvPicPr/>
           <p:nvPr/>
         </p:nvPicPr>
@@ -8255,7 +8347,7 @@
       </p:pic>
       <p:sp>
         <p:nvSpPr>
-          <p:cNvPr id="140" name="TextShape 1"/>
+          <p:cNvPr id="137" name="TextShape 1"/>
           <p:cNvSpPr txBox="1"/>
           <p:nvPr/>
         </p:nvSpPr>
@@ -8284,15 +8376,23 @@
               </a:lnSpc>
             </a:pPr>
             <a:r>
-              <a:rPr lang="vi-VN" sz="3200" b="1" strike="noStrike" cap="all" spc="-1">
+              <a:rPr lang="vi-VN" sz="3200" b="1" strike="noStrike" cap="all" spc="-1" dirty="0">
                 <a:solidFill>
                   <a:srgbClr val="FFFFFF"/>
                 </a:solidFill>
                 <a:latin typeface="Arial"/>
               </a:rPr>
-              <a:t>Kết luận </a:t>
-            </a:r>
-            <a:endParaRPr lang="vi-VN" sz="3200" b="0" strike="noStrike" spc="-1">
+              <a:t>Phần I: tìm hiểu về </a:t>
+            </a:r>
+            <a:r>
+              <a:rPr lang="vi-VN" sz="3200" b="1" cap="all" spc="-1" dirty="0">
+                <a:solidFill>
+                  <a:srgbClr val="FFFFFF"/>
+                </a:solidFill>
+              </a:rPr>
+              <a:t>Express.js</a:t>
+            </a:r>
+            <a:endParaRPr lang="vi-VN" sz="3200" b="0" strike="noStrike" spc="-1" dirty="0">
               <a:solidFill>
                 <a:srgbClr val="FFFFFF"/>
               </a:solidFill>
@@ -8303,7 +8403,7 @@
       </p:sp>
       <p:sp>
         <p:nvSpPr>
-          <p:cNvPr id="141" name="CustomShape 2"/>
+          <p:cNvPr id="138" name="CustomShape 2"/>
           <p:cNvSpPr/>
           <p:nvPr/>
         </p:nvSpPr>
@@ -8338,51 +8438,192 @@
           </a:bodyPr>
           <a:lstStyle/>
           <a:p>
-            <a:pPr marL="228600" indent="-228240">
+            <a:pPr marL="457200" indent="-457200">
               <a:lnSpc>
                 <a:spcPct val="120000"/>
               </a:lnSpc>
               <a:spcBef>
                 <a:spcPts val="1001"/>
               </a:spcBef>
-              <a:buClr>
+              <a:buFont typeface="+mj-lt"/>
+              <a:buAutoNum type="arabicPeriod" startAt="5"/>
+              <a:tabLst>
+                <a:tab pos="0" algn="l"/>
+              </a:tabLst>
+            </a:pPr>
+            <a:r>
+              <a:rPr lang="vi-VN" sz="2400" b="1" strike="noStrike" spc="-1" dirty="0" smtClean="0">
+                <a:solidFill>
+                  <a:srgbClr val="FFFFFF"/>
+                </a:solidFill>
+                <a:latin typeface="Arial"/>
+              </a:rPr>
+              <a:t>Ứng </a:t>
+            </a:r>
+            <a:r>
+              <a:rPr lang="vi-VN" sz="2400" b="1" strike="noStrike" spc="-1" dirty="0">
+                <a:solidFill>
+                  <a:srgbClr val="FFFFFF"/>
+                </a:solidFill>
+                <a:latin typeface="Arial"/>
+              </a:rPr>
+              <a:t>dụng của </a:t>
+            </a:r>
+            <a:r>
+              <a:rPr lang="vi-VN" sz="2400" b="1" spc="-1" dirty="0">
+                <a:solidFill>
+                  <a:srgbClr val="FFFFFF"/>
+                </a:solidFill>
+              </a:rPr>
+              <a:t>Express.js</a:t>
+            </a:r>
+            <a:r>
+              <a:rPr lang="vi-VN" sz="2400" b="0" strike="noStrike" spc="-1" dirty="0" smtClean="0">
+                <a:solidFill>
+                  <a:srgbClr val="FFFFFF"/>
+                </a:solidFill>
+                <a:latin typeface="Arial"/>
+              </a:rPr>
+              <a:t>	</a:t>
+            </a:r>
+            <a:endParaRPr lang="en-US" sz="2400" b="0" strike="noStrike" spc="-1" dirty="0" smtClean="0">
+              <a:solidFill>
                 <a:srgbClr val="FFFFFF"/>
-              </a:buClr>
-              <a:buFont typeface="Arial"/>
-              <a:buChar char="-"/>
-            </a:pPr>
-            <a:r>
-              <a:rPr lang="vi-VN" sz="2400" b="0" strike="noStrike" spc="-1" dirty="0" smtClean="0">
-                <a:solidFill>
-                  <a:srgbClr val="FFFFFF"/>
-                </a:solidFill>
-                <a:latin typeface="Times New Roman"/>
-              </a:rPr>
-              <a:t>Lợi ích của framework luôn là giúp code dễ dàng hơn, cải thiện được chất lượng hiệu suất của ứng dụng.</a:t>
-            </a:r>
-          </a:p>
-          <a:p>
-            <a:pPr marL="228600" indent="-228240">
+              </a:solidFill>
+              <a:latin typeface="Arial"/>
+            </a:endParaRPr>
+          </a:p>
+          <a:p>
+            <a:pPr>
               <a:lnSpc>
                 <a:spcPct val="120000"/>
               </a:lnSpc>
               <a:spcBef>
                 <a:spcPts val="1001"/>
               </a:spcBef>
-              <a:buClr>
-                <a:srgbClr val="FFFFFF"/>
-              </a:buClr>
-              <a:buFont typeface="Arial"/>
-              <a:buChar char="-"/>
+              <a:tabLst>
+                <a:tab pos="0" algn="l"/>
+              </a:tabLst>
             </a:pPr>
             <a:r>
               <a:rPr lang="vi-VN" sz="2400" b="0" strike="noStrike" spc="-1" dirty="0" smtClean="0">
                 <a:solidFill>
                   <a:srgbClr val="FFFFFF"/>
                 </a:solidFill>
-                <a:latin typeface="Times New Roman"/>
-              </a:rPr>
-              <a:t>Framework Express đã đáp ứng được hết những điều người developer cần để có thể phát triển, mở rộng ứng dụng.</a:t>
+                <a:latin typeface="Arial"/>
+              </a:rPr>
+              <a:t>-</a:t>
+            </a:r>
+            <a:r>
+              <a:rPr lang="en-US" sz="2400" b="0" strike="noStrike" spc="-1" dirty="0" smtClean="0">
+                <a:solidFill>
+                  <a:srgbClr val="FFFFFF"/>
+                </a:solidFill>
+                <a:latin typeface="Arial"/>
+              </a:rPr>
+              <a:t> IBM</a:t>
+            </a:r>
+            <a:endParaRPr lang="vi-VN" sz="2400" b="0" strike="noStrike" spc="-1" dirty="0" smtClean="0">
+              <a:latin typeface="Arial"/>
+            </a:endParaRPr>
+          </a:p>
+          <a:p>
+            <a:pPr>
+              <a:lnSpc>
+                <a:spcPct val="120000"/>
+              </a:lnSpc>
+              <a:spcBef>
+                <a:spcPts val="1001"/>
+              </a:spcBef>
+              <a:tabLst>
+                <a:tab pos="0" algn="l"/>
+              </a:tabLst>
+            </a:pPr>
+            <a:r>
+              <a:rPr lang="vi-VN" sz="2400" b="0" strike="noStrike" spc="-1" dirty="0" smtClean="0">
+                <a:solidFill>
+                  <a:srgbClr val="FFFFFF"/>
+                </a:solidFill>
+                <a:latin typeface="Arial"/>
+              </a:rPr>
+              <a:t>	- </a:t>
+            </a:r>
+            <a:r>
+              <a:rPr lang="en-US" sz="2400" b="0" strike="noStrike" spc="-1" dirty="0" smtClean="0">
+                <a:solidFill>
+                  <a:srgbClr val="FFFFFF"/>
+                </a:solidFill>
+                <a:latin typeface="Arial"/>
+              </a:rPr>
+              <a:t>PayPal</a:t>
+            </a:r>
+            <a:endParaRPr lang="vi-VN" sz="2400" b="0" strike="noStrike" spc="-1" dirty="0" smtClean="0">
+              <a:latin typeface="Arial"/>
+            </a:endParaRPr>
+          </a:p>
+          <a:p>
+            <a:pPr>
+              <a:lnSpc>
+                <a:spcPct val="120000"/>
+              </a:lnSpc>
+              <a:spcBef>
+                <a:spcPts val="1001"/>
+              </a:spcBef>
+              <a:tabLst>
+                <a:tab pos="0" algn="l"/>
+              </a:tabLst>
+            </a:pPr>
+            <a:r>
+              <a:rPr lang="vi-VN" sz="2400" b="0" strike="noStrike" spc="-1" dirty="0">
+                <a:solidFill>
+                  <a:srgbClr val="FFFFFF"/>
+                </a:solidFill>
+                <a:latin typeface="Arial"/>
+              </a:rPr>
+              <a:t>	</a:t>
+            </a:r>
+            <a:r>
+              <a:rPr lang="vi-VN" sz="2400" b="0" strike="noStrike" spc="-1" dirty="0" smtClean="0">
+                <a:solidFill>
+                  <a:srgbClr val="FFFFFF"/>
+                </a:solidFill>
+                <a:latin typeface="Arial"/>
+              </a:rPr>
+              <a:t>-</a:t>
+            </a:r>
+            <a:r>
+              <a:rPr lang="en-US" sz="2400" b="0" strike="noStrike" spc="-1" dirty="0" smtClean="0">
+                <a:solidFill>
+                  <a:srgbClr val="FFFFFF"/>
+                </a:solidFill>
+                <a:latin typeface="Arial"/>
+              </a:rPr>
+              <a:t> GoDaddy</a:t>
+            </a:r>
+            <a:endParaRPr lang="vi-VN" sz="2400" b="0" strike="noStrike" spc="-1" dirty="0" smtClean="0">
+              <a:latin typeface="Arial"/>
+            </a:endParaRPr>
+          </a:p>
+          <a:p>
+            <a:pPr>
+              <a:lnSpc>
+                <a:spcPct val="120000"/>
+              </a:lnSpc>
+              <a:spcBef>
+                <a:spcPts val="1001"/>
+              </a:spcBef>
+              <a:tabLst>
+                <a:tab pos="0" algn="l"/>
+              </a:tabLst>
+            </a:pPr>
+            <a:r>
+              <a:rPr lang="vi-VN" sz="2400" b="0" strike="noStrike" spc="-1" dirty="0" smtClean="0">
+                <a:solidFill>
+                  <a:srgbClr val="FFFFFF"/>
+                </a:solidFill>
+                <a:latin typeface="Arial"/>
+              </a:rPr>
+              <a:t>	- …….</a:t>
             </a:r>
             <a:endParaRPr lang="vi-VN" sz="2400" b="0" strike="noStrike" spc="-1" dirty="0">
               <a:latin typeface="Arial"/>
@@ -8432,7 +8673,7 @@
       </p:grpSpPr>
       <p:pic>
         <p:nvPicPr>
-          <p:cNvPr id="142" name="Content Placeholder 4"/>
+          <p:cNvPr id="139" name="Content Placeholder 4"/>
           <p:cNvPicPr/>
           <p:nvPr/>
         </p:nvPicPr>
@@ -8455,14 +8696,62 @@
       </p:pic>
       <p:sp>
         <p:nvSpPr>
-          <p:cNvPr id="143" name="CustomShape 1"/>
+          <p:cNvPr id="140" name="TextShape 1"/>
+          <p:cNvSpPr txBox="1"/>
+          <p:nvPr/>
+        </p:nvSpPr>
+        <p:spPr>
+          <a:xfrm>
+            <a:off x="913680" y="609480"/>
+            <a:ext cx="10353240" cy="1325880"/>
+          </a:xfrm>
+          <a:prstGeom prst="rect">
+            <a:avLst/>
+          </a:prstGeom>
+          <a:noFill/>
+          <a:ln>
+            <a:noFill/>
+          </a:ln>
+        </p:spPr>
+        <p:txBody>
+          <a:bodyPr anchor="ctr">
+            <a:normAutofit/>
+          </a:bodyPr>
+          <a:lstStyle/>
+          <a:p>
+            <a:pPr algn="ctr">
+              <a:lnSpc>
+                <a:spcPct val="90000"/>
+              </a:lnSpc>
+            </a:pPr>
+            <a:r>
+              <a:rPr lang="vi-VN" sz="3200" b="1" strike="noStrike" cap="all" spc="-1">
+                <a:solidFill>
+                  <a:srgbClr val="FFFFFF"/>
+                </a:solidFill>
+                <a:latin typeface="Arial"/>
+              </a:rPr>
+              <a:t>Kết luận </a:t>
+            </a:r>
+            <a:endParaRPr lang="vi-VN" sz="3200" b="0" strike="noStrike" spc="-1">
+              <a:solidFill>
+                <a:srgbClr val="FFFFFF"/>
+              </a:solidFill>
+              <a:latin typeface="Rockwell"/>
+            </a:endParaRPr>
+          </a:p>
+        </p:txBody>
+      </p:sp>
+      <p:sp>
+        <p:nvSpPr>
+          <p:cNvPr id="141" name="CustomShape 2"/>
           <p:cNvSpPr/>
           <p:nvPr/>
         </p:nvSpPr>
         <p:spPr>
           <a:xfrm>
-            <a:off x="3230640" y="918000"/>
-            <a:ext cx="5388504" cy="583321"/>
+            <a:off x="913680" y="2095920"/>
+            <a:ext cx="10353240" cy="3694680"/>
           </a:xfrm>
           <a:prstGeom prst="rect">
             <a:avLst/>
@@ -8485,292 +8774,58 @@
           <a:fontRef idx="minor"/>
         </p:style>
         <p:txBody>
-          <a:bodyPr wrap="none" lIns="90000" tIns="45000" rIns="90000" bIns="45000">
-            <a:spAutoFit/>
+          <a:bodyPr>
+            <a:normAutofit/>
           </a:bodyPr>
           <a:lstStyle/>
           <a:p>
-            <a:pPr>
+            <a:pPr marL="228600" indent="-228240">
               <a:lnSpc>
-                <a:spcPct val="100000"/>
+                <a:spcPct val="120000"/>
               </a:lnSpc>
-            </a:pPr>
-            <a:r>
-              <a:rPr lang="vi-VN" sz="3200" b="1" strike="noStrike" spc="-1" dirty="0">
-                <a:solidFill>
-                  <a:srgbClr val="FFFFFF"/>
-                </a:solidFill>
-                <a:latin typeface="Times New Roman"/>
-              </a:rPr>
-              <a:t>Phần II : Ứng dụng </a:t>
-            </a:r>
-            <a:r>
-              <a:rPr lang="en-US" sz="3200" b="1" spc="-1" dirty="0" smtClean="0">
-                <a:solidFill>
-                  <a:srgbClr val="FFFFFF"/>
-                </a:solidFill>
-                <a:latin typeface="Times New Roman"/>
-              </a:rPr>
-              <a:t>Expressjs</a:t>
-            </a:r>
-            <a:endParaRPr lang="vi-VN" sz="3200" b="0" strike="noStrike" spc="-1" dirty="0">
-              <a:latin typeface="Arial"/>
-            </a:endParaRPr>
-          </a:p>
-        </p:txBody>
-      </p:sp>
-      <p:sp>
-        <p:nvSpPr>
-          <p:cNvPr id="144" name="CustomShape 2"/>
-          <p:cNvSpPr/>
-          <p:nvPr/>
-        </p:nvSpPr>
-        <p:spPr>
-          <a:xfrm>
-            <a:off x="507960" y="1659240"/>
-            <a:ext cx="11175480" cy="3661087"/>
-          </a:xfrm>
-          <a:prstGeom prst="rect">
-            <a:avLst/>
-          </a:prstGeom>
-          <a:noFill/>
-          <a:ln>
-            <a:noFill/>
-          </a:ln>
-        </p:spPr>
-        <p:style>
-          <a:lnRef idx="0">
-            <a:scrgbClr r="0" g="0" b="0"/>
-          </a:lnRef>
-          <a:fillRef idx="0">
-            <a:scrgbClr r="0" g="0" b="0"/>
-          </a:fillRef>
-          <a:effectRef idx="0">
-            <a:scrgbClr r="0" g="0" b="0"/>
-          </a:effectRef>
-          <a:fontRef idx="minor"/>
-        </p:style>
-        <p:txBody>
-          <a:bodyPr lIns="90000" tIns="45000" rIns="90000" bIns="45000">
-            <a:spAutoFit/>
-          </a:bodyPr>
-          <a:lstStyle/>
-          <a:p>
-            <a:pPr>
-              <a:lnSpc>
-                <a:spcPct val="100000"/>
-              </a:lnSpc>
-              <a:tabLst>
-                <a:tab pos="0" algn="l"/>
-              </a:tabLst>
-            </a:pPr>
-            <a:r>
-              <a:rPr lang="vi-VN" sz="3200" b="1" strike="noStrike" spc="-1" dirty="0">
-                <a:solidFill>
-                  <a:srgbClr val="FFFFFF"/>
-                </a:solidFill>
-                <a:latin typeface="Times New Roman"/>
-              </a:rPr>
-              <a:t>1.Phân tích thiết kế hệ thống Website</a:t>
-            </a:r>
-            <a:endParaRPr lang="vi-VN" sz="3200" b="0" strike="noStrike" spc="-1" dirty="0">
-              <a:latin typeface="Arial"/>
-            </a:endParaRPr>
-          </a:p>
-          <a:p>
-            <a:pPr marL="457200" indent="-456840">
-              <a:lnSpc>
-                <a:spcPct val="100000"/>
-              </a:lnSpc>
+              <a:spcBef>
+                <a:spcPts val="1001"/>
+              </a:spcBef>
               <a:buClr>
                 <a:srgbClr val="FFFFFF"/>
               </a:buClr>
-              <a:buFont typeface="Courier New"/>
-              <a:buChar char="o"/>
-              <a:tabLst>
-                <a:tab pos="0" algn="l"/>
-              </a:tabLst>
+              <a:buFont typeface="Arial"/>
+              <a:buChar char="-"/>
             </a:pPr>
             <a:r>
-              <a:rPr lang="vi-VN" sz="2800" b="0" strike="noStrike" spc="-1" dirty="0">
+              <a:rPr lang="vi-VN" sz="2400" b="0" strike="noStrike" spc="-1" dirty="0" smtClean="0">
                 <a:solidFill>
                   <a:srgbClr val="FFFFFF"/>
                 </a:solidFill>
                 <a:latin typeface="Times New Roman"/>
               </a:rPr>
-              <a:t>Đặc tả bài toán: </a:t>
-            </a:r>
-            <a:r>
-              <a:rPr lang="en-US" sz="2800" b="0" strike="noStrike" spc="-1" dirty="0" smtClean="0">
-                <a:solidFill>
-                  <a:srgbClr val="FFFFFF"/>
-                </a:solidFill>
-                <a:latin typeface="Times New Roman"/>
-              </a:rPr>
-              <a:t>Bán quần áo online</a:t>
-            </a:r>
-            <a:endParaRPr lang="vi-VN" sz="2800" b="0" strike="noStrike" spc="-1" dirty="0">
-              <a:latin typeface="Arial"/>
-            </a:endParaRPr>
-          </a:p>
-          <a:p>
-            <a:pPr>
+              <a:t>Lợi ích của framework luôn là giúp code dễ dàng hơn, cải thiện được chất lượng hiệu suất của ứng dụng.</a:t>
+            </a:r>
+          </a:p>
+          <a:p>
+            <a:pPr marL="228600" indent="-228240">
               <a:lnSpc>
-                <a:spcPct val="100000"/>
+                <a:spcPct val="120000"/>
               </a:lnSpc>
-              <a:tabLst>
-                <a:tab pos="0" algn="l"/>
-              </a:tabLst>
-            </a:pPr>
-            <a:endParaRPr lang="vi-VN" sz="2800" b="0" strike="noStrike" spc="-1" dirty="0">
-              <a:latin typeface="Arial"/>
-            </a:endParaRPr>
-          </a:p>
-          <a:p>
-            <a:pPr>
-              <a:lnSpc>
-                <a:spcPct val="100000"/>
-              </a:lnSpc>
-              <a:tabLst>
-                <a:tab pos="0" algn="l"/>
-              </a:tabLst>
-            </a:pPr>
-            <a:r>
-              <a:rPr lang="vi-VN" sz="3200" b="1" strike="noStrike" spc="-1" dirty="0">
-                <a:solidFill>
-                  <a:srgbClr val="FFFFFF"/>
-                </a:solidFill>
-                <a:latin typeface="Times New Roman"/>
-              </a:rPr>
-              <a:t>Chức năng cơ bản của website : </a:t>
-            </a:r>
-            <a:endParaRPr lang="vi-VN" sz="3200" b="0" strike="noStrike" spc="-1" dirty="0">
-              <a:latin typeface="Arial"/>
-            </a:endParaRPr>
-          </a:p>
-          <a:p>
-            <a:pPr marL="457200" indent="-456840">
-              <a:lnSpc>
-                <a:spcPct val="100000"/>
-              </a:lnSpc>
+              <a:spcBef>
+                <a:spcPts val="1001"/>
+              </a:spcBef>
               <a:buClr>
                 <a:srgbClr val="FFFFFF"/>
               </a:buClr>
-              <a:buFont typeface="Courier New"/>
-              <a:buChar char="o"/>
-              <a:tabLst>
-                <a:tab pos="0" algn="l"/>
-              </a:tabLst>
+              <a:buFont typeface="Arial"/>
+              <a:buChar char="-"/>
             </a:pPr>
             <a:r>
-              <a:rPr lang="en-US" sz="2800" b="0" strike="noStrike" spc="-1" smtClean="0">
+              <a:rPr lang="vi-VN" sz="2400" b="0" strike="noStrike" spc="-1" dirty="0" smtClean="0">
                 <a:solidFill>
                   <a:srgbClr val="FFFFFF"/>
                 </a:solidFill>
                 <a:latin typeface="Times New Roman"/>
               </a:rPr>
-              <a:t>Xem sản phẩm, sản phẩm yêu thích</a:t>
-            </a:r>
-            <a:endParaRPr lang="vi-VN" sz="2800" b="0" strike="noStrike" spc="-1" dirty="0">
-              <a:latin typeface="Arial"/>
-            </a:endParaRPr>
-          </a:p>
-          <a:p>
-            <a:pPr marL="457200" indent="-456840">
-              <a:lnSpc>
-                <a:spcPct val="100000"/>
-              </a:lnSpc>
-              <a:buClr>
-                <a:srgbClr val="FFFFFF"/>
-              </a:buClr>
-              <a:buFont typeface="Courier New"/>
-              <a:buChar char="o"/>
-              <a:tabLst>
-                <a:tab pos="0" algn="l"/>
-              </a:tabLst>
-            </a:pPr>
-            <a:r>
-              <a:rPr lang="vi-VN" sz="2800" spc="-1" dirty="0">
-                <a:solidFill>
-                  <a:srgbClr val="FFFFFF"/>
-                </a:solidFill>
-                <a:latin typeface="Times New Roman"/>
-              </a:rPr>
-              <a:t>Tìm kiếm sản phẩm,</a:t>
-            </a:r>
-            <a:r>
-              <a:rPr lang="en-US" sz="2800" spc="-1" dirty="0">
-                <a:solidFill>
-                  <a:srgbClr val="FFFFFF"/>
-                </a:solidFill>
-                <a:latin typeface="Times New Roman"/>
-              </a:rPr>
-              <a:t> </a:t>
-            </a:r>
-            <a:r>
-              <a:rPr lang="vi-VN" sz="2800" spc="-1" dirty="0">
-                <a:solidFill>
-                  <a:srgbClr val="FFFFFF"/>
-                </a:solidFill>
-                <a:latin typeface="Times New Roman"/>
-              </a:rPr>
-              <a:t>giỏ hàng</a:t>
-            </a:r>
-            <a:endParaRPr lang="vi-VN" sz="2800" b="0" strike="noStrike" spc="-1" dirty="0">
-              <a:latin typeface="Arial"/>
-            </a:endParaRPr>
-          </a:p>
-          <a:p>
-            <a:pPr marL="457200" indent="-456840">
-              <a:lnSpc>
-                <a:spcPct val="100000"/>
-              </a:lnSpc>
-              <a:buClr>
-                <a:srgbClr val="FFFFFF"/>
-              </a:buClr>
-              <a:buFont typeface="Courier New"/>
-              <a:buChar char="o"/>
-              <a:tabLst>
-                <a:tab pos="0" algn="l"/>
-              </a:tabLst>
-            </a:pPr>
-            <a:r>
-              <a:rPr lang="vi-VN" sz="2800" b="0" strike="noStrike" spc="-1" dirty="0">
-                <a:solidFill>
-                  <a:srgbClr val="FFFFFF"/>
-                </a:solidFill>
-                <a:latin typeface="Times New Roman"/>
-              </a:rPr>
-              <a:t>Đăng kí đăng nhập tài khoản, đặt hàng online</a:t>
-            </a:r>
-            <a:endParaRPr lang="vi-VN" sz="2800" b="0" strike="noStrike" spc="-1" dirty="0">
-              <a:latin typeface="Arial"/>
-            </a:endParaRPr>
-          </a:p>
-          <a:p>
-            <a:pPr marL="457200" indent="-456840">
-              <a:lnSpc>
-                <a:spcPct val="100000"/>
-              </a:lnSpc>
-              <a:buClr>
-                <a:srgbClr val="FFFFFF"/>
-              </a:buClr>
-              <a:buFont typeface="Courier New"/>
-              <a:buChar char="o"/>
-              <a:tabLst>
-                <a:tab pos="0" algn="l"/>
-              </a:tabLst>
-            </a:pPr>
-            <a:r>
-              <a:rPr lang="vi-VN" sz="2800" b="0" strike="noStrike" spc="-1" dirty="0">
-                <a:solidFill>
-                  <a:srgbClr val="FFFFFF"/>
-                </a:solidFill>
-                <a:latin typeface="Times New Roman"/>
-              </a:rPr>
-              <a:t>Quản lý website </a:t>
-            </a:r>
-            <a:endParaRPr lang="vi-VN" sz="2800" b="0" strike="noStrike" spc="-1" dirty="0">
+              <a:t>Framework Express đã đáp ứng được hết những điều người developer cần để có thể phát triển, mở rộng ứng dụng.</a:t>
+            </a:r>
+            <a:endParaRPr lang="vi-VN" sz="2400" b="0" strike="noStrike" spc="-1" dirty="0">
               <a:latin typeface="Arial"/>
             </a:endParaRPr>
           </a:p>
@@ -8818,7 +8873,7 @@
       </p:grpSpPr>
       <p:pic>
         <p:nvPicPr>
-          <p:cNvPr id="145" name="Content Placeholder 4"/>
+          <p:cNvPr id="142" name="Content Placeholder 4"/>
           <p:cNvPicPr/>
           <p:nvPr/>
         </p:nvPicPr>
@@ -8841,14 +8896,14 @@
       </p:pic>
       <p:sp>
         <p:nvSpPr>
-          <p:cNvPr id="146" name="CustomShape 1"/>
+          <p:cNvPr id="143" name="CustomShape 1"/>
           <p:cNvSpPr/>
           <p:nvPr/>
         </p:nvSpPr>
         <p:spPr>
           <a:xfrm>
-            <a:off x="1103760" y="1500840"/>
-            <a:ext cx="2605680" cy="1309320"/>
+            <a:off x="3230640" y="918000"/>
+            <a:ext cx="5388504" cy="583321"/>
           </a:xfrm>
           <a:prstGeom prst="rect">
             <a:avLst/>
@@ -8882,15 +8937,84 @@
               </a:lnSpc>
             </a:pPr>
             <a:r>
-              <a:rPr lang="vi-VN" sz="3200" b="0" strike="noStrike" spc="-1">
+              <a:rPr lang="vi-VN" sz="3200" b="1" strike="noStrike" spc="-1" dirty="0">
                 <a:solidFill>
                   <a:srgbClr val="FFFFFF"/>
                 </a:solidFill>
                 <a:latin typeface="Times New Roman"/>
               </a:rPr>
-              <a:t>Các tác nhân : </a:t>
-            </a:r>
-            <a:endParaRPr lang="vi-VN" sz="3200" b="0" strike="noStrike" spc="-1">
+              <a:t>Phần II : Ứng dụng </a:t>
+            </a:r>
+            <a:r>
+              <a:rPr lang="en-US" sz="3200" b="1" spc="-1" dirty="0" smtClean="0">
+                <a:solidFill>
+                  <a:srgbClr val="FFFFFF"/>
+                </a:solidFill>
+                <a:latin typeface="Times New Roman"/>
+              </a:rPr>
+              <a:t>Expressjs</a:t>
+            </a:r>
+            <a:endParaRPr lang="vi-VN" sz="3200" b="0" strike="noStrike" spc="-1" dirty="0">
+              <a:latin typeface="Arial"/>
+            </a:endParaRPr>
+          </a:p>
+        </p:txBody>
+      </p:sp>
+      <p:sp>
+        <p:nvSpPr>
+          <p:cNvPr id="144" name="CustomShape 2"/>
+          <p:cNvSpPr/>
+          <p:nvPr/>
+        </p:nvSpPr>
+        <p:spPr>
+          <a:xfrm>
+            <a:off x="507960" y="1659240"/>
+            <a:ext cx="11175480" cy="3661087"/>
+          </a:xfrm>
+          <a:prstGeom prst="rect">
+            <a:avLst/>
+          </a:prstGeom>
+          <a:noFill/>
+          <a:ln>
+            <a:noFill/>
+          </a:ln>
+        </p:spPr>
+        <p:style>
+          <a:lnRef idx="0">
+            <a:scrgbClr r="0" g="0" b="0"/>
+          </a:lnRef>
+          <a:fillRef idx="0">
+            <a:scrgbClr r="0" g="0" b="0"/>
+          </a:fillRef>
+          <a:effectRef idx="0">
+            <a:scrgbClr r="0" g="0" b="0"/>
+          </a:effectRef>
+          <a:fontRef idx="minor"/>
+        </p:style>
+        <p:txBody>
+          <a:bodyPr lIns="90000" tIns="45000" rIns="90000" bIns="45000">
+            <a:spAutoFit/>
+          </a:bodyPr>
+          <a:lstStyle/>
+          <a:p>
+            <a:pPr>
+              <a:lnSpc>
+                <a:spcPct val="100000"/>
+              </a:lnSpc>
+              <a:tabLst>
+                <a:tab pos="0" algn="l"/>
+              </a:tabLst>
+            </a:pPr>
+            <a:r>
+              <a:rPr lang="vi-VN" sz="3200" b="1" strike="noStrike" spc="-1" dirty="0">
+                <a:solidFill>
+                  <a:srgbClr val="FFFFFF"/>
+                </a:solidFill>
+                <a:latin typeface="Times New Roman"/>
+              </a:rPr>
+              <a:t>1.Phân tích thiết kế hệ thống Website</a:t>
+            </a:r>
+            <a:endParaRPr lang="vi-VN" sz="3200" b="0" strike="noStrike" spc="-1" dirty="0">
               <a:latin typeface="Arial"/>
             </a:endParaRPr>
           </a:p>
@@ -8904,17 +9028,64 @@
               </a:buClr>
               <a:buFont typeface="Courier New"/>
               <a:buChar char="o"/>
+              <a:tabLst>
+                <a:tab pos="0" algn="l"/>
+              </a:tabLst>
             </a:pPr>
             <a:r>
-              <a:rPr lang="vi-VN" sz="2400" b="0" strike="noStrike" spc="-1">
+              <a:rPr lang="vi-VN" sz="2800" b="0" strike="noStrike" spc="-1" dirty="0">
                 <a:solidFill>
                   <a:srgbClr val="FFFFFF"/>
                 </a:solidFill>
                 <a:latin typeface="Times New Roman"/>
               </a:rPr>
-              <a:t>Quản lý</a:t>
-            </a:r>
-            <a:endParaRPr lang="vi-VN" sz="2400" b="0" strike="noStrike" spc="-1">
+              <a:t>Đặc tả bài toán: </a:t>
+            </a:r>
+            <a:r>
+              <a:rPr lang="en-US" sz="2800" b="0" strike="noStrike" spc="-1" dirty="0" smtClean="0">
+                <a:solidFill>
+                  <a:srgbClr val="FFFFFF"/>
+                </a:solidFill>
+                <a:latin typeface="Times New Roman"/>
+              </a:rPr>
+              <a:t>Bán quần áo online</a:t>
+            </a:r>
+            <a:endParaRPr lang="vi-VN" sz="2800" b="0" strike="noStrike" spc="-1" dirty="0">
+              <a:latin typeface="Arial"/>
+            </a:endParaRPr>
+          </a:p>
+          <a:p>
+            <a:pPr>
+              <a:lnSpc>
+                <a:spcPct val="100000"/>
+              </a:lnSpc>
+              <a:tabLst>
+                <a:tab pos="0" algn="l"/>
+              </a:tabLst>
+            </a:pPr>
+            <a:endParaRPr lang="vi-VN" sz="2800" b="0" strike="noStrike" spc="-1" dirty="0">
+              <a:latin typeface="Arial"/>
+            </a:endParaRPr>
+          </a:p>
+          <a:p>
+            <a:pPr>
+              <a:lnSpc>
+                <a:spcPct val="100000"/>
+              </a:lnSpc>
+              <a:tabLst>
+                <a:tab pos="0" algn="l"/>
+              </a:tabLst>
+            </a:pPr>
+            <a:r>
+              <a:rPr lang="vi-VN" sz="3200" b="1" strike="noStrike" spc="-1" dirty="0">
+                <a:solidFill>
+                  <a:srgbClr val="FFFFFF"/>
+                </a:solidFill>
+                <a:latin typeface="Times New Roman"/>
+              </a:rPr>
+              <a:t>Chức năng cơ bản của website : </a:t>
+            </a:r>
+            <a:endParaRPr lang="vi-VN" sz="3200" b="0" strike="noStrike" spc="-1" dirty="0">
               <a:latin typeface="Arial"/>
             </a:endParaRPr>
           </a:p>
@@ -8928,120 +9099,119 @@
               </a:buClr>
               <a:buFont typeface="Courier New"/>
               <a:buChar char="o"/>
+              <a:tabLst>
+                <a:tab pos="0" algn="l"/>
+              </a:tabLst>
             </a:pPr>
             <a:r>
-              <a:rPr lang="vi-VN" sz="2400" b="0" strike="noStrike" spc="-1">
+              <a:rPr lang="en-US" sz="2800" b="0" strike="noStrike" spc="-1" smtClean="0">
                 <a:solidFill>
                   <a:srgbClr val="FFFFFF"/>
                 </a:solidFill>
                 <a:latin typeface="Times New Roman"/>
               </a:rPr>
-              <a:t>Khách hàng</a:t>
-            </a:r>
-            <a:endParaRPr lang="vi-VN" sz="2400" b="0" strike="noStrike" spc="-1">
+              <a:t>Xem sản phẩm, sản phẩm yêu thích</a:t>
+            </a:r>
+            <a:endParaRPr lang="vi-VN" sz="2800" b="0" strike="noStrike" spc="-1" dirty="0">
               <a:latin typeface="Arial"/>
             </a:endParaRPr>
           </a:p>
-        </p:txBody>
-      </p:sp>
-      <p:pic>
-        <p:nvPicPr>
-          <p:cNvPr id="147" name="Picture 5"/>
-          <p:cNvPicPr/>
-          <p:nvPr/>
-        </p:nvPicPr>
-        <p:blipFill>
-          <a:blip r:embed="rId3"/>
-          <a:srcRect l="4445" r="24258" b="30750"/>
-          <a:stretch/>
-        </p:blipFill>
-        <p:spPr>
-          <a:xfrm>
-            <a:off x="3165120" y="3373200"/>
-            <a:ext cx="5196600" cy="2148840"/>
-          </a:xfrm>
-          <a:prstGeom prst="rect">
-            <a:avLst/>
-          </a:prstGeom>
-          <a:ln w="88920" cap="sq">
-            <a:solidFill>
-              <a:srgbClr val="FFFFFF"/>
-            </a:solidFill>
-            <a:miter/>
-          </a:ln>
-          <a:effectLst>
-            <a:outerShdw blurRad="55000" dist="18000" dir="5400000" algn="tl" rotWithShape="0">
-              <a:srgbClr val="000000">
-                <a:alpha val="40000"/>
-              </a:srgbClr>
-            </a:outerShdw>
-          </a:effectLst>
-          <a:scene3d>
-            <a:camera prst="orthographicFront"/>
-            <a:lightRig rig="twoPt" dir="t">
-              <a:rot lat="0" lon="0" rev="7200000"/>
-            </a:lightRig>
-          </a:scene3d>
-          <a:sp3d>
-            <a:bevelT w="25400" h="19050"/>
-            <a:contourClr>
-              <a:srgbClr val="FFFFFF"/>
-            </a:contourClr>
-          </a:sp3d>
-        </p:spPr>
-      </p:pic>
-      <p:sp>
-        <p:nvSpPr>
-          <p:cNvPr id="148" name="CustomShape 2"/>
-          <p:cNvSpPr/>
-          <p:nvPr/>
-        </p:nvSpPr>
-        <p:spPr>
-          <a:xfrm>
-            <a:off x="3497760" y="848520"/>
-            <a:ext cx="5196600" cy="516960"/>
-          </a:xfrm>
-          <a:prstGeom prst="rect">
-            <a:avLst/>
-          </a:prstGeom>
-          <a:noFill/>
-          <a:ln>
-            <a:noFill/>
-          </a:ln>
-        </p:spPr>
-        <p:style>
-          <a:lnRef idx="0">
-            <a:scrgbClr r="0" g="0" b="0"/>
-          </a:lnRef>
-          <a:fillRef idx="0">
-            <a:scrgbClr r="0" g="0" b="0"/>
-          </a:fillRef>
-          <a:effectRef idx="0">
-            <a:scrgbClr r="0" g="0" b="0"/>
-          </a:effectRef>
-          <a:fontRef idx="minor"/>
-        </p:style>
-        <p:txBody>
-          <a:bodyPr lIns="90000" tIns="45000" rIns="90000" bIns="45000">
-            <a:spAutoFit/>
-          </a:bodyPr>
-          <a:lstStyle/>
-          <a:p>
-            <a:pPr>
+          <a:p>
+            <a:pPr marL="457200" indent="-456840">
               <a:lnSpc>
                 <a:spcPct val="100000"/>
               </a:lnSpc>
+              <a:buClr>
+                <a:srgbClr val="FFFFFF"/>
+              </a:buClr>
+              <a:buFont typeface="Courier New"/>
+              <a:buChar char="o"/>
+              <a:tabLst>
+                <a:tab pos="0" algn="l"/>
+              </a:tabLst>
             </a:pPr>
             <a:r>
-              <a:rPr lang="vi-VN" sz="2800" b="1" strike="noStrike" spc="-1">
+              <a:rPr lang="vi-VN" sz="2800" spc="-1" dirty="0">
                 <a:solidFill>
                   <a:srgbClr val="FFFFFF"/>
                 </a:solidFill>
                 <a:latin typeface="Times New Roman"/>
               </a:rPr>
-              <a:t>Phần II : Ứng dụng Spring boot</a:t>
-            </a:r>
-            <a:endParaRPr lang="vi-VN" sz="2800" b="0" strike="noStrike" spc="-1">
+              <a:t>Tìm kiếm sản phẩm,</a:t>
+            </a:r>
+            <a:r>
+              <a:rPr lang="en-US" sz="2800" spc="-1" dirty="0">
+                <a:solidFill>
+                  <a:srgbClr val="FFFFFF"/>
+                </a:solidFill>
+                <a:latin typeface="Times New Roman"/>
+              </a:rPr>
+              <a:t> </a:t>
+            </a:r>
+            <a:r>
+              <a:rPr lang="vi-VN" sz="2800" spc="-1" dirty="0">
+                <a:solidFill>
+                  <a:srgbClr val="FFFFFF"/>
+                </a:solidFill>
+                <a:latin typeface="Times New Roman"/>
+              </a:rPr>
+              <a:t>giỏ hàng</a:t>
+            </a:r>
+            <a:endParaRPr lang="vi-VN" sz="2800" b="0" strike="noStrike" spc="-1" dirty="0">
+              <a:latin typeface="Arial"/>
+            </a:endParaRPr>
+          </a:p>
+          <a:p>
+            <a:pPr marL="457200" indent="-456840">
+              <a:lnSpc>
+                <a:spcPct val="100000"/>
+              </a:lnSpc>
+              <a:buClr>
+                <a:srgbClr val="FFFFFF"/>
+              </a:buClr>
+              <a:buFont typeface="Courier New"/>
+              <a:buChar char="o"/>
+              <a:tabLst>
+                <a:tab pos="0" algn="l"/>
+              </a:tabLst>
+            </a:pPr>
+            <a:r>
+              <a:rPr lang="vi-VN" sz="2800" b="0" strike="noStrike" spc="-1" dirty="0">
+                <a:solidFill>
+                  <a:srgbClr val="FFFFFF"/>
+                </a:solidFill>
+                <a:latin typeface="Times New Roman"/>
+              </a:rPr>
+              <a:t>Đăng kí đăng nhập tài khoản, đặt hàng online</a:t>
+            </a:r>
+            <a:endParaRPr lang="vi-VN" sz="2800" b="0" strike="noStrike" spc="-1" dirty="0">
+              <a:latin typeface="Arial"/>
+            </a:endParaRPr>
+          </a:p>
+          <a:p>
+            <a:pPr marL="457200" indent="-456840">
+              <a:lnSpc>
+                <a:spcPct val="100000"/>
+              </a:lnSpc>
+              <a:buClr>
+                <a:srgbClr val="FFFFFF"/>
+              </a:buClr>
+              <a:buFont typeface="Courier New"/>
+              <a:buChar char="o"/>
+              <a:tabLst>
+                <a:tab pos="0" algn="l"/>
+              </a:tabLst>
+            </a:pPr>
+            <a:r>
+              <a:rPr lang="vi-VN" sz="2800" b="0" strike="noStrike" spc="-1" dirty="0">
+                <a:solidFill>
+                  <a:srgbClr val="FFFFFF"/>
+                </a:solidFill>
+                <a:latin typeface="Times New Roman"/>
+              </a:rPr>
+              <a:t>Quản lý website </a:t>
+            </a:r>
+            <a:endParaRPr lang="vi-VN" sz="2800" b="0" strike="noStrike" spc="-1" dirty="0">
               <a:latin typeface="Arial"/>
             </a:endParaRPr>
           </a:p>
@@ -9089,7 +9259,7 @@
       </p:grpSpPr>
       <p:pic>
         <p:nvPicPr>
-          <p:cNvPr id="149" name="Content Placeholder 4"/>
+          <p:cNvPr id="145" name="Content Placeholder 4"/>
           <p:cNvPicPr/>
           <p:nvPr/>
         </p:nvPicPr>
@@ -9112,14 +9282,14 @@
       </p:pic>
       <p:sp>
         <p:nvSpPr>
-          <p:cNvPr id="150" name="CustomShape 1"/>
+          <p:cNvPr id="146" name="CustomShape 1"/>
           <p:cNvSpPr/>
           <p:nvPr/>
         </p:nvSpPr>
         <p:spPr>
           <a:xfrm>
-            <a:off x="381600" y="868320"/>
-            <a:ext cx="4000320" cy="456120"/>
+            <a:off x="1103760" y="1500840"/>
+            <a:ext cx="2605680" cy="1309320"/>
           </a:xfrm>
           <a:prstGeom prst="rect">
             <a:avLst/>
@@ -9153,43 +9323,171 @@
               </a:lnSpc>
             </a:pPr>
             <a:r>
-              <a:rPr lang="vi-VN" sz="2400" b="1" strike="noStrike" spc="-1">
+              <a:rPr lang="vi-VN" sz="3200" b="0" strike="noStrike" spc="-1">
                 <a:solidFill>
                   <a:srgbClr val="FFFFFF"/>
                 </a:solidFill>
                 <a:latin typeface="Times New Roman"/>
               </a:rPr>
-              <a:t>Biểu đồ Use Case tổng quát : </a:t>
+              <a:t>Các tác nhân : </a:t>
+            </a:r>
+            <a:endParaRPr lang="vi-VN" sz="3200" b="0" strike="noStrike" spc="-1">
+              <a:latin typeface="Arial"/>
+            </a:endParaRPr>
+          </a:p>
+          <a:p>
+            <a:pPr marL="457200" indent="-456840">
+              <a:lnSpc>
+                <a:spcPct val="100000"/>
+              </a:lnSpc>
+              <a:buClr>
+                <a:srgbClr val="FFFFFF"/>
+              </a:buClr>
+              <a:buFont typeface="Courier New"/>
+              <a:buChar char="o"/>
+            </a:pPr>
+            <a:r>
+              <a:rPr lang="vi-VN" sz="2400" b="0" strike="noStrike" spc="-1">
+                <a:solidFill>
+                  <a:srgbClr val="FFFFFF"/>
+                </a:solidFill>
+                <a:latin typeface="Times New Roman"/>
+              </a:rPr>
+              <a:t>Quản lý</a:t>
             </a:r>
             <a:endParaRPr lang="vi-VN" sz="2400" b="0" strike="noStrike" spc="-1">
               <a:latin typeface="Arial"/>
             </a:endParaRPr>
           </a:p>
+          <a:p>
+            <a:pPr marL="457200" indent="-456840">
+              <a:lnSpc>
+                <a:spcPct val="100000"/>
+              </a:lnSpc>
+              <a:buClr>
+                <a:srgbClr val="FFFFFF"/>
+              </a:buClr>
+              <a:buFont typeface="Courier New"/>
+              <a:buChar char="o"/>
+            </a:pPr>
+            <a:r>
+              <a:rPr lang="vi-VN" sz="2400" b="0" strike="noStrike" spc="-1">
+                <a:solidFill>
+                  <a:srgbClr val="FFFFFF"/>
+                </a:solidFill>
+                <a:latin typeface="Times New Roman"/>
+              </a:rPr>
+              <a:t>Khách hàng</a:t>
+            </a:r>
+            <a:endParaRPr lang="vi-VN" sz="2400" b="0" strike="noStrike" spc="-1">
+              <a:latin typeface="Arial"/>
+            </a:endParaRPr>
+          </a:p>
         </p:txBody>
       </p:sp>
       <p:pic>
         <p:nvPicPr>
-          <p:cNvPr id="151" name="Picture 6"/>
+          <p:cNvPr id="147" name="Picture 5"/>
           <p:cNvPicPr/>
           <p:nvPr/>
         </p:nvPicPr>
         <p:blipFill>
           <a:blip r:embed="rId3"/>
+          <a:srcRect l="4445" r="24258" b="30750"/>
           <a:stretch/>
         </p:blipFill>
         <p:spPr>
           <a:xfrm>
-            <a:off x="2156760" y="1563840"/>
-            <a:ext cx="7877880" cy="4527360"/>
-          </a:xfrm>
-          <a:prstGeom prst="rect">
-            <a:avLst/>
-          </a:prstGeom>
+            <a:off x="3165120" y="3373200"/>
+            <a:ext cx="5196600" cy="2148840"/>
+          </a:xfrm>
+          <a:prstGeom prst="rect">
+            <a:avLst/>
+          </a:prstGeom>
+          <a:ln w="88920" cap="sq">
+            <a:solidFill>
+              <a:srgbClr val="FFFFFF"/>
+            </a:solidFill>
+            <a:miter/>
+          </a:ln>
+          <a:effectLst>
+            <a:outerShdw blurRad="55000" dist="18000" dir="5400000" algn="tl" rotWithShape="0">
+              <a:srgbClr val="000000">
+                <a:alpha val="40000"/>
+              </a:srgbClr>
+            </a:outerShdw>
+          </a:effectLst>
+          <a:scene3d>
+            <a:camera prst="orthographicFront"/>
+            <a:lightRig rig="twoPt" dir="t">
+              <a:rot lat="0" lon="0" rev="7200000"/>
+            </a:lightRig>
+          </a:scene3d>
+          <a:sp3d>
+            <a:bevelT w="25400" h="19050"/>
+            <a:contourClr>
+              <a:srgbClr val="FFFFFF"/>
+            </a:contourClr>
+          </a:sp3d>
+        </p:spPr>
+      </p:pic>
+      <p:sp>
+        <p:nvSpPr>
+          <p:cNvPr id="148" name="CustomShape 2"/>
+          <p:cNvSpPr/>
+          <p:nvPr/>
+        </p:nvSpPr>
+        <p:spPr>
+          <a:xfrm>
+            <a:off x="3497760" y="848520"/>
+            <a:ext cx="5196600" cy="516960"/>
+          </a:xfrm>
+          <a:prstGeom prst="rect">
+            <a:avLst/>
+          </a:prstGeom>
+          <a:noFill/>
           <a:ln>
             <a:noFill/>
           </a:ln>
         </p:spPr>
-      </p:pic>
+        <p:style>
+          <a:lnRef idx="0">
+            <a:scrgbClr r="0" g="0" b="0"/>
+          </a:lnRef>
+          <a:fillRef idx="0">
+            <a:scrgbClr r="0" g="0" b="0"/>
+          </a:fillRef>
+          <a:effectRef idx="0">
+            <a:scrgbClr r="0" g="0" b="0"/>
+          </a:effectRef>
+          <a:fontRef idx="minor"/>
+        </p:style>
+        <p:txBody>
+          <a:bodyPr lIns="90000" tIns="45000" rIns="90000" bIns="45000">
+            <a:spAutoFit/>
+          </a:bodyPr>
+          <a:lstStyle/>
+          <a:p>
+            <a:pPr>
+              <a:lnSpc>
+                <a:spcPct val="100000"/>
+              </a:lnSpc>
+            </a:pPr>
+            <a:r>
+              <a:rPr lang="vi-VN" sz="2800" b="1" strike="noStrike" spc="-1">
+                <a:solidFill>
+                  <a:srgbClr val="FFFFFF"/>
+                </a:solidFill>
+                <a:latin typeface="Times New Roman"/>
+              </a:rPr>
+              <a:t>Phần II : Ứng dụng Spring boot</a:t>
+            </a:r>
+            <a:endParaRPr lang="vi-VN" sz="2800" b="0" strike="noStrike" spc="-1">
+              <a:latin typeface="Arial"/>
+            </a:endParaRPr>
+          </a:p>
+        </p:txBody>
+      </p:sp>
     </p:spTree>
   </p:cSld>
   <p:clrMapOvr>
@@ -9203,6 +9501,13 @@
       <p:transition spd="slow"/>
     </mc:Fallback>
   </mc:AlternateContent>
+  <p:timing>
+    <p:tnLst>
+      <p:par>
+        <p:cTn id="1" dur="indefinite" restart="never" nodeType="tmRoot"/>
+      </p:par>
+    </p:tnLst>
+  </p:timing>
 </p:sld>
 </file>
 
@@ -9225,7 +9530,7 @@
       </p:grpSpPr>
       <p:pic>
         <p:nvPicPr>
-          <p:cNvPr id="152" name="Content Placeholder 4"/>
+          <p:cNvPr id="149" name="Content Placeholder 4"/>
           <p:cNvPicPr/>
           <p:nvPr/>
         </p:nvPicPr>
@@ -9248,14 +9553,14 @@
       </p:pic>
       <p:sp>
         <p:nvSpPr>
-          <p:cNvPr id="153" name="CustomShape 1"/>
+          <p:cNvPr id="150" name="CustomShape 1"/>
           <p:cNvSpPr/>
           <p:nvPr/>
         </p:nvSpPr>
         <p:spPr>
           <a:xfrm>
-            <a:off x="465840" y="1588680"/>
-            <a:ext cx="4821840" cy="456120"/>
+            <a:off x="381600" y="868320"/>
+            <a:ext cx="4000320" cy="456120"/>
           </a:xfrm>
           <a:prstGeom prst="rect">
             <a:avLst/>
@@ -9289,13 +9594,13 @@
               </a:lnSpc>
             </a:pPr>
             <a:r>
-              <a:rPr lang="vi-VN" sz="2400" b="0" strike="noStrike" spc="-1">
+              <a:rPr lang="vi-VN" sz="2400" b="1" strike="noStrike" spc="-1">
                 <a:solidFill>
                   <a:srgbClr val="FFFFFF"/>
                 </a:solidFill>
                 <a:latin typeface="Times New Roman"/>
               </a:rPr>
-              <a:t>Xây dựng các gói Use Case như sau : </a:t>
+              <a:t>Biểu đồ Use Case tổng quát : </a:t>
             </a:r>
             <a:endParaRPr lang="vi-VN" sz="2400" b="0" strike="noStrike" spc="-1">
               <a:latin typeface="Arial"/>
@@ -9305,107 +9610,27 @@
       </p:sp>
       <p:pic>
         <p:nvPicPr>
-          <p:cNvPr id="154" name="Picture 5"/>
+          <p:cNvPr id="151" name="Picture 6"/>
           <p:cNvPicPr/>
           <p:nvPr/>
         </p:nvPicPr>
         <p:blipFill>
           <a:blip r:embed="rId3"/>
-          <a:srcRect l="1512" r="20541" b="18696"/>
           <a:stretch/>
         </p:blipFill>
         <p:spPr>
           <a:xfrm>
-            <a:off x="3078720" y="2188440"/>
-            <a:ext cx="6034320" cy="3694680"/>
-          </a:xfrm>
-          <a:prstGeom prst="rect">
-            <a:avLst/>
-          </a:prstGeom>
-          <a:ln w="88920" cap="sq">
-            <a:solidFill>
-              <a:srgbClr val="FFFFFF"/>
-            </a:solidFill>
-            <a:miter/>
-          </a:ln>
-          <a:effectLst>
-            <a:outerShdw blurRad="55000" dist="18000" dir="5400000" algn="tl" rotWithShape="0">
-              <a:srgbClr val="000000">
-                <a:alpha val="40000"/>
-              </a:srgbClr>
-            </a:outerShdw>
-          </a:effectLst>
-          <a:scene3d>
-            <a:camera prst="orthographicFront"/>
-            <a:lightRig rig="twoPt" dir="t">
-              <a:rot lat="0" lon="0" rev="7200000"/>
-            </a:lightRig>
-          </a:scene3d>
-          <a:sp3d>
-            <a:bevelT w="25400" h="19050"/>
-            <a:contourClr>
-              <a:srgbClr val="FFFFFF"/>
-            </a:contourClr>
-          </a:sp3d>
-        </p:spPr>
-      </p:pic>
-      <p:sp>
-        <p:nvSpPr>
-          <p:cNvPr id="155" name="CustomShape 2"/>
-          <p:cNvSpPr/>
-          <p:nvPr/>
-        </p:nvSpPr>
-        <p:spPr>
-          <a:xfrm>
-            <a:off x="3536280" y="852480"/>
-            <a:ext cx="5119200" cy="516960"/>
-          </a:xfrm>
-          <a:prstGeom prst="rect">
-            <a:avLst/>
-          </a:prstGeom>
-          <a:noFill/>
+            <a:off x="2156760" y="1563840"/>
+            <a:ext cx="7877880" cy="4527360"/>
+          </a:xfrm>
+          <a:prstGeom prst="rect">
+            <a:avLst/>
+          </a:prstGeom>
           <a:ln>
             <a:noFill/>
           </a:ln>
         </p:spPr>
-        <p:style>
-          <a:lnRef idx="0">
-            <a:scrgbClr r="0" g="0" b="0"/>
-          </a:lnRef>
-          <a:fillRef idx="0">
-            <a:scrgbClr r="0" g="0" b="0"/>
-          </a:fillRef>
-          <a:effectRef idx="0">
-            <a:scrgbClr r="0" g="0" b="0"/>
-          </a:effectRef>
-          <a:fontRef idx="minor"/>
-        </p:style>
-        <p:txBody>
-          <a:bodyPr lIns="90000" tIns="45000" rIns="90000" bIns="45000">
-            <a:spAutoFit/>
-          </a:bodyPr>
-          <a:lstStyle/>
-          <a:p>
-            <a:pPr>
-              <a:lnSpc>
-                <a:spcPct val="100000"/>
-              </a:lnSpc>
-            </a:pPr>
-            <a:r>
-              <a:rPr lang="vi-VN" sz="2800" b="1" strike="noStrike" spc="-1">
-                <a:solidFill>
-                  <a:srgbClr val="FFFFFF"/>
-                </a:solidFill>
-                <a:latin typeface="Times New Roman"/>
-              </a:rPr>
-              <a:t>Phần II : Ứng dụng Spring boot</a:t>
-            </a:r>
-            <a:endParaRPr lang="vi-VN" sz="2800" b="0" strike="noStrike" spc="-1">
-              <a:latin typeface="Arial"/>
-            </a:endParaRPr>
-          </a:p>
-        </p:txBody>
-      </p:sp>
+      </p:pic>
     </p:spTree>
   </p:cSld>
   <p:clrMapOvr>
@@ -9419,6 +9644,13 @@
       <p:transition spd="slow"/>
     </mc:Fallback>
   </mc:AlternateContent>
+  <p:timing>
+    <p:tnLst>
+      <p:par>
+        <p:cTn id="1" dur="indefinite" restart="never" nodeType="tmRoot"/>
+      </p:par>
+    </p:tnLst>
+  </p:timing>
 </p:sld>
 </file>
 
@@ -9441,7 +9673,7 @@
       </p:grpSpPr>
       <p:pic>
         <p:nvPicPr>
-          <p:cNvPr id="156" name="Content Placeholder 4"/>
+          <p:cNvPr id="152" name="Content Placeholder 4"/>
           <p:cNvPicPr/>
           <p:nvPr/>
         </p:nvPicPr>
@@ -9464,71 +9696,14 @@
       </p:pic>
       <p:sp>
         <p:nvSpPr>
-          <p:cNvPr id="157" name="CustomShape 1"/>
+          <p:cNvPr id="153" name="CustomShape 1"/>
           <p:cNvSpPr/>
           <p:nvPr/>
         </p:nvSpPr>
         <p:spPr>
           <a:xfrm>
-            <a:off x="3540960" y="889920"/>
-            <a:ext cx="5110200" cy="516960"/>
-          </a:xfrm>
-          <a:prstGeom prst="rect">
-            <a:avLst/>
-          </a:prstGeom>
-          <a:noFill/>
-          <a:ln>
-            <a:noFill/>
-          </a:ln>
-        </p:spPr>
-        <p:style>
-          <a:lnRef idx="0">
-            <a:scrgbClr r="0" g="0" b="0"/>
-          </a:lnRef>
-          <a:fillRef idx="0">
-            <a:scrgbClr r="0" g="0" b="0"/>
-          </a:fillRef>
-          <a:effectRef idx="0">
-            <a:scrgbClr r="0" g="0" b="0"/>
-          </a:effectRef>
-          <a:fontRef idx="minor"/>
-        </p:style>
-        <p:txBody>
-          <a:bodyPr lIns="90000" tIns="45000" rIns="90000" bIns="45000">
-            <a:spAutoFit/>
-          </a:bodyPr>
-          <a:lstStyle/>
-          <a:p>
-            <a:pPr>
-              <a:lnSpc>
-                <a:spcPct val="100000"/>
-              </a:lnSpc>
-            </a:pPr>
-            <a:r>
-              <a:rPr lang="vi-VN" sz="2800" b="1" strike="noStrike" spc="-1">
-                <a:solidFill>
-                  <a:srgbClr val="FFFFFF"/>
-                </a:solidFill>
-                <a:latin typeface="Times New Roman"/>
-              </a:rPr>
-              <a:t>Phần II : Ứng dụng Spring boot</a:t>
-            </a:r>
-            <a:endParaRPr lang="vi-VN" sz="2800" b="0" strike="noStrike" spc="-1">
-              <a:latin typeface="Arial"/>
-            </a:endParaRPr>
-          </a:p>
-        </p:txBody>
-      </p:sp>
-      <p:sp>
-        <p:nvSpPr>
-          <p:cNvPr id="158" name="CustomShape 2"/>
-          <p:cNvSpPr/>
-          <p:nvPr/>
-        </p:nvSpPr>
-        <p:spPr>
-          <a:xfrm>
-            <a:off x="645840" y="1570320"/>
-            <a:ext cx="3265560" cy="395280"/>
+            <a:off x="465840" y="1588680"/>
+            <a:ext cx="4821840" cy="456120"/>
           </a:xfrm>
           <a:prstGeom prst="rect">
             <a:avLst/>
@@ -9562,15 +9737,15 @@
               </a:lnSpc>
             </a:pPr>
             <a:r>
-              <a:rPr lang="vi-VN" sz="2000" b="0" strike="noStrike" spc="-1">
+              <a:rPr lang="vi-VN" sz="2400" b="0" strike="noStrike" spc="-1">
                 <a:solidFill>
                   <a:srgbClr val="FFFFFF"/>
                 </a:solidFill>
                 <a:latin typeface="Times New Roman"/>
               </a:rPr>
-              <a:t>Use case Đăng ký , đăng nhập</a:t>
-            </a:r>
-            <a:endParaRPr lang="vi-VN" sz="2000" b="0" strike="noStrike" spc="-1">
+              <a:t>Xây dựng các gói Use Case như sau : </a:t>
+            </a:r>
+            <a:endParaRPr lang="vi-VN" sz="2400" b="0" strike="noStrike" spc="-1">
               <a:latin typeface="Arial"/>
             </a:endParaRPr>
           </a:p>
@@ -9578,19 +9753,19 @@
       </p:sp>
       <p:pic>
         <p:nvPicPr>
-          <p:cNvPr id="159" name="Picture 8"/>
+          <p:cNvPr id="154" name="Picture 5"/>
           <p:cNvPicPr/>
           <p:nvPr/>
         </p:nvPicPr>
         <p:blipFill>
           <a:blip r:embed="rId3"/>
-          <a:srcRect l="3663" r="27350" b="21832"/>
+          <a:srcRect l="1512" r="20541" b="18696"/>
           <a:stretch/>
         </p:blipFill>
         <p:spPr>
           <a:xfrm>
-            <a:off x="3144960" y="2127240"/>
-            <a:ext cx="5901840" cy="3654360"/>
+            <a:off x="3078720" y="2188440"/>
+            <a:ext cx="6034320" cy="3694680"/>
           </a:xfrm>
           <a:prstGeom prst="rect">
             <a:avLst/>
@@ -9622,6 +9797,63 @@
           </a:sp3d>
         </p:spPr>
       </p:pic>
+      <p:sp>
+        <p:nvSpPr>
+          <p:cNvPr id="155" name="CustomShape 2"/>
+          <p:cNvSpPr/>
+          <p:nvPr/>
+        </p:nvSpPr>
+        <p:spPr>
+          <a:xfrm>
+            <a:off x="3536280" y="852480"/>
+            <a:ext cx="5119200" cy="516960"/>
+          </a:xfrm>
+          <a:prstGeom prst="rect">
+            <a:avLst/>
+          </a:prstGeom>
+          <a:noFill/>
+          <a:ln>
+            <a:noFill/>
+          </a:ln>
+        </p:spPr>
+        <p:style>
+          <a:lnRef idx="0">
+            <a:scrgbClr r="0" g="0" b="0"/>
+          </a:lnRef>
+          <a:fillRef idx="0">
+            <a:scrgbClr r="0" g="0" b="0"/>
+          </a:fillRef>
+          <a:effectRef idx="0">
+            <a:scrgbClr r="0" g="0" b="0"/>
+          </a:effectRef>
+          <a:fontRef idx="minor"/>
+        </p:style>
+        <p:txBody>
+          <a:bodyPr lIns="90000" tIns="45000" rIns="90000" bIns="45000">
+            <a:spAutoFit/>
+          </a:bodyPr>
+          <a:lstStyle/>
+          <a:p>
+            <a:pPr>
+              <a:lnSpc>
+                <a:spcPct val="100000"/>
+              </a:lnSpc>
+            </a:pPr>
+            <a:r>
+              <a:rPr lang="vi-VN" sz="2800" b="1" strike="noStrike" spc="-1">
+                <a:solidFill>
+                  <a:srgbClr val="FFFFFF"/>
+                </a:solidFill>
+                <a:latin typeface="Times New Roman"/>
+              </a:rPr>
+              <a:t>Phần II : Ứng dụng Spring boot</a:t>
+            </a:r>
+            <a:endParaRPr lang="vi-VN" sz="2800" b="0" strike="noStrike" spc="-1">
+              <a:latin typeface="Arial"/>
+            </a:endParaRPr>
+          </a:p>
+        </p:txBody>
+      </p:sp>
     </p:spTree>
   </p:cSld>
   <p:clrMapOvr>
@@ -9635,6 +9867,13 @@
       <p:transition spd="slow"/>
     </mc:Fallback>
   </mc:AlternateContent>
+  <p:timing>
+    <p:tnLst>
+      <p:par>
+        <p:cTn id="1" dur="indefinite" restart="never" nodeType="tmRoot"/>
+      </p:par>
+    </p:tnLst>
+  </p:timing>
 </p:sld>
 </file>
 
@@ -9657,7 +9896,7 @@
       </p:grpSpPr>
       <p:pic>
         <p:nvPicPr>
-          <p:cNvPr id="160" name="Content Placeholder 4"/>
+          <p:cNvPr id="156" name="Content Placeholder 4"/>
           <p:cNvPicPr/>
           <p:nvPr/>
         </p:nvPicPr>
@@ -9680,14 +9919,14 @@
       </p:pic>
       <p:sp>
         <p:nvSpPr>
-          <p:cNvPr id="161" name="CustomShape 1"/>
+          <p:cNvPr id="157" name="CustomShape 1"/>
           <p:cNvSpPr/>
           <p:nvPr/>
         </p:nvSpPr>
         <p:spPr>
           <a:xfrm>
-            <a:off x="3545280" y="916920"/>
-            <a:ext cx="5100840" cy="516960"/>
+            <a:off x="3540960" y="889920"/>
+            <a:ext cx="5110200" cy="516960"/>
           </a:xfrm>
           <a:prstGeom prst="rect">
             <a:avLst/>
@@ -9737,14 +9976,14 @@
       </p:sp>
       <p:sp>
         <p:nvSpPr>
-          <p:cNvPr id="162" name="CustomShape 2"/>
+          <p:cNvPr id="158" name="CustomShape 2"/>
           <p:cNvSpPr/>
           <p:nvPr/>
         </p:nvSpPr>
         <p:spPr>
           <a:xfrm>
-            <a:off x="645120" y="1570320"/>
-            <a:ext cx="2909160" cy="395280"/>
+            <a:off x="645840" y="1570320"/>
+            <a:ext cx="3265560" cy="395280"/>
           </a:xfrm>
           <a:prstGeom prst="rect">
             <a:avLst/>
@@ -9784,7 +10023,7 @@
                 </a:solidFill>
                 <a:latin typeface="Times New Roman"/>
               </a:rPr>
-              <a:t>Use case Quản lý giỏ hàng</a:t>
+              <a:t>Use case Đăng ký , đăng nhập</a:t>
             </a:r>
             <a:endParaRPr lang="vi-VN" sz="2000" b="0" strike="noStrike" spc="-1">
               <a:latin typeface="Arial"/>
@@ -9794,25 +10033,48 @@
       </p:sp>
       <p:pic>
         <p:nvPicPr>
-          <p:cNvPr id="163" name="Picture 5"/>
+          <p:cNvPr id="159" name="Picture 8"/>
           <p:cNvPicPr/>
           <p:nvPr/>
         </p:nvPicPr>
         <p:blipFill>
           <a:blip r:embed="rId3"/>
+          <a:srcRect l="3663" r="27350" b="21832"/>
           <a:stretch/>
         </p:blipFill>
         <p:spPr>
           <a:xfrm>
-            <a:off x="2800440" y="1970280"/>
-            <a:ext cx="6590880" cy="4116240"/>
-          </a:xfrm>
-          <a:prstGeom prst="rect">
-            <a:avLst/>
-          </a:prstGeom>
-          <a:ln>
-            <a:noFill/>
-          </a:ln>
+            <a:off x="3144960" y="2127240"/>
+            <a:ext cx="5901840" cy="3654360"/>
+          </a:xfrm>
+          <a:prstGeom prst="rect">
+            <a:avLst/>
+          </a:prstGeom>
+          <a:ln w="88920" cap="sq">
+            <a:solidFill>
+              <a:srgbClr val="FFFFFF"/>
+            </a:solidFill>
+            <a:miter/>
+          </a:ln>
+          <a:effectLst>
+            <a:outerShdw blurRad="55000" dist="18000" dir="5400000" algn="tl" rotWithShape="0">
+              <a:srgbClr val="000000">
+                <a:alpha val="40000"/>
+              </a:srgbClr>
+            </a:outerShdw>
+          </a:effectLst>
+          <a:scene3d>
+            <a:camera prst="orthographicFront"/>
+            <a:lightRig rig="twoPt" dir="t">
+              <a:rot lat="0" lon="0" rev="7200000"/>
+            </a:lightRig>
+          </a:scene3d>
+          <a:sp3d>
+            <a:bevelT w="25400" h="19050"/>
+            <a:contourClr>
+              <a:srgbClr val="FFFFFF"/>
+            </a:contourClr>
+          </a:sp3d>
         </p:spPr>
       </p:pic>
     </p:spTree>
@@ -9880,7 +10142,7 @@
         <p:spPr>
           <a:xfrm>
             <a:off x="4970880" y="932760"/>
-            <a:ext cx="2249280" cy="760680"/>
+            <a:ext cx="2074135" cy="706432"/>
           </a:xfrm>
           <a:prstGeom prst="rect">
             <a:avLst/>
@@ -9914,7 +10176,7 @@
               </a:lnSpc>
             </a:pPr>
             <a:r>
-              <a:rPr lang="vi-VN" sz="4400" b="0" strike="noStrike" spc="-1">
+              <a:rPr lang="vi-VN" sz="4000" strike="noStrike" spc="-1" dirty="0">
                 <a:solidFill>
                   <a:srgbClr val="FFFFFF"/>
                 </a:solidFill>
@@ -9922,7 +10184,7 @@
               </a:rPr>
               <a:t>BỐ CỤC</a:t>
             </a:r>
-            <a:endParaRPr lang="vi-VN" sz="4400" b="0" strike="noStrike" spc="-1">
+            <a:endParaRPr lang="vi-VN" sz="4000" strike="noStrike" spc="-1" dirty="0">
               <a:latin typeface="Arial"/>
             </a:endParaRPr>
           </a:p>
@@ -9936,8 +10198,8 @@
         </p:nvSpPr>
         <p:spPr>
           <a:xfrm>
-            <a:off x="3623040" y="1939680"/>
-            <a:ext cx="6183360" cy="3382200"/>
+            <a:off x="1093200" y="1954920"/>
+            <a:ext cx="6686552" cy="4769083"/>
           </a:xfrm>
           <a:prstGeom prst="rect">
             <a:avLst/>
@@ -9976,7 +10238,7 @@
               <a:buChar char=""/>
             </a:pPr>
             <a:r>
-              <a:rPr lang="vi-VN" sz="2400" b="0" strike="noStrike" spc="-1">
+              <a:rPr lang="vi-VN" sz="2400" b="0" strike="noStrike" spc="-1" dirty="0">
                 <a:solidFill>
                   <a:srgbClr val="FFFFFF"/>
                 </a:solidFill>
@@ -9984,18 +10246,18 @@
               </a:rPr>
               <a:t>Phần I :  Tìm hiểu về Expressjs</a:t>
             </a:r>
-            <a:endParaRPr lang="vi-VN" sz="2400" b="0" strike="noStrike" spc="-1">
+            <a:endParaRPr lang="vi-VN" sz="2400" b="0" strike="noStrike" spc="-1" dirty="0">
               <a:latin typeface="Arial"/>
             </a:endParaRPr>
           </a:p>
           <a:p>
-            <a:pPr>
-              <a:lnSpc>
-                <a:spcPct val="100000"/>
-              </a:lnSpc>
+            <a:pPr lvl="1">
+              <a:spcAft>
+                <a:spcPts val="600"/>
+              </a:spcAft>
             </a:pPr>
             <a:r>
-              <a:rPr lang="vi-VN" sz="2400" b="0" strike="noStrike" spc="-1">
+              <a:rPr lang="vi-VN" sz="2400" b="0" strike="noStrike" spc="-1" dirty="0">
                 <a:solidFill>
                   <a:srgbClr val="FFFFFF"/>
                 </a:solidFill>
@@ -10003,15 +10265,15 @@
               </a:rPr>
               <a:t>Giới thiệu về Expressjs</a:t>
             </a:r>
-            <a:endParaRPr lang="vi-VN" sz="2400" b="0" strike="noStrike" spc="-1">
+            <a:endParaRPr lang="vi-VN" sz="2400" b="0" strike="noStrike" spc="-1" dirty="0">
               <a:latin typeface="Arial"/>
             </a:endParaRPr>
           </a:p>
           <a:p>
-            <a:pPr marL="514440" indent="-514080">
-              <a:lnSpc>
-                <a:spcPct val="100000"/>
-              </a:lnSpc>
+            <a:pPr marL="971640" lvl="1" indent="-514080">
+              <a:spcAft>
+                <a:spcPts val="600"/>
+              </a:spcAft>
               <a:buClr>
                 <a:srgbClr val="FFFFFF"/>
               </a:buClr>
@@ -10019,7 +10281,7 @@
               <a:buAutoNum type="arabicPeriod"/>
             </a:pPr>
             <a:r>
-              <a:rPr lang="vi-VN" sz="2400" b="0" strike="noStrike" spc="-1">
+              <a:rPr lang="vi-VN" sz="2400" b="0" strike="noStrike" spc="-1" dirty="0">
                 <a:solidFill>
                   <a:srgbClr val="FFFFFF"/>
                 </a:solidFill>
@@ -10027,15 +10289,15 @@
               </a:rPr>
               <a:t>Đặc điểm của Expressjs</a:t>
             </a:r>
-            <a:endParaRPr lang="vi-VN" sz="2400" b="0" strike="noStrike" spc="-1">
+            <a:endParaRPr lang="vi-VN" sz="2400" b="0" strike="noStrike" spc="-1" dirty="0">
               <a:latin typeface="Arial"/>
             </a:endParaRPr>
           </a:p>
           <a:p>
-            <a:pPr marL="514440" indent="-514080">
-              <a:lnSpc>
-                <a:spcPct val="100000"/>
-              </a:lnSpc>
+            <a:pPr marL="971640" lvl="1" indent="-514080">
+              <a:spcAft>
+                <a:spcPts val="600"/>
+              </a:spcAft>
               <a:buClr>
                 <a:srgbClr val="FFFFFF"/>
               </a:buClr>
@@ -10043,23 +10305,20 @@
               <a:buAutoNum type="arabicPeriod"/>
             </a:pPr>
             <a:r>
-              <a:rPr lang="vi-VN" sz="2400" b="0" strike="noStrike" spc="-1">
+              <a:rPr lang="vi-VN" sz="2400" spc="-1" dirty="0">
                 <a:solidFill>
                   <a:srgbClr val="FFFFFF"/>
                 </a:solidFill>
                 <a:latin typeface="Times New Roman"/>
               </a:rPr>
-              <a:t>Ưu điểm của Expressjs</a:t>
-            </a:r>
-            <a:endParaRPr lang="vi-VN" sz="2400" b="0" strike="noStrike" spc="-1">
-              <a:latin typeface="Arial"/>
-            </a:endParaRPr>
-          </a:p>
-          <a:p>
-            <a:pPr marL="514440" indent="-514080">
-              <a:lnSpc>
-                <a:spcPct val="100000"/>
-              </a:lnSpc>
+              <a:t>Tại sao bạn nên sử dụng Express.js?</a:t>
+            </a:r>
+          </a:p>
+          <a:p>
+            <a:pPr marL="971640" lvl="1" indent="-514080">
+              <a:spcAft>
+                <a:spcPts val="600"/>
+              </a:spcAft>
               <a:buClr>
                 <a:srgbClr val="FFFFFF"/>
               </a:buClr>
@@ -10067,15 +10326,217 @@
               <a:buAutoNum type="arabicPeriod"/>
             </a:pPr>
             <a:r>
-              <a:rPr lang="vi-VN" sz="2400" b="0" strike="noStrike" spc="-1">
+              <a:rPr lang="en-US" sz="2400" b="0" strike="noStrike" spc="-1" dirty="0" err="1" smtClean="0">
                 <a:solidFill>
                   <a:srgbClr val="FFFFFF"/>
                 </a:solidFill>
                 <a:latin typeface="Times New Roman"/>
               </a:rPr>
-              <a:t>Ứng dụng thực tế  framework Nodejs</a:t>
-            </a:r>
-            <a:endParaRPr lang="vi-VN" sz="2400" b="0" strike="noStrike" spc="-1">
+              <a:t>Các</a:t>
+            </a:r>
+            <a:r>
+              <a:rPr lang="en-US" sz="2400" b="0" strike="noStrike" spc="-1" dirty="0" smtClean="0">
+                <a:solidFill>
+                  <a:srgbClr val="FFFFFF"/>
+                </a:solidFill>
+                <a:latin typeface="Times New Roman"/>
+              </a:rPr>
+              <a:t> </a:t>
+            </a:r>
+            <a:r>
+              <a:rPr lang="en-US" sz="2400" b="0" strike="noStrike" spc="-1" dirty="0" err="1" smtClean="0">
+                <a:solidFill>
+                  <a:srgbClr val="FFFFFF"/>
+                </a:solidFill>
+                <a:latin typeface="Times New Roman"/>
+              </a:rPr>
+              <a:t>tính</a:t>
+            </a:r>
+            <a:r>
+              <a:rPr lang="en-US" sz="2400" b="0" strike="noStrike" spc="-1" dirty="0" smtClean="0">
+                <a:solidFill>
+                  <a:srgbClr val="FFFFFF"/>
+                </a:solidFill>
+                <a:latin typeface="Times New Roman"/>
+              </a:rPr>
+              <a:t> </a:t>
+            </a:r>
+            <a:r>
+              <a:rPr lang="en-US" sz="2400" b="0" strike="noStrike" spc="-1" dirty="0" err="1" smtClean="0">
+                <a:solidFill>
+                  <a:srgbClr val="FFFFFF"/>
+                </a:solidFill>
+                <a:latin typeface="Times New Roman"/>
+              </a:rPr>
+              <a:t>năng</a:t>
+            </a:r>
+            <a:r>
+              <a:rPr lang="en-US" sz="2400" b="0" strike="noStrike" spc="-1" dirty="0" smtClean="0">
+                <a:solidFill>
+                  <a:srgbClr val="FFFFFF"/>
+                </a:solidFill>
+                <a:latin typeface="Times New Roman"/>
+              </a:rPr>
+              <a:t> của </a:t>
+            </a:r>
+            <a:r>
+              <a:rPr lang="vi-VN" sz="2400" spc="-1" dirty="0" smtClean="0">
+                <a:solidFill>
+                  <a:srgbClr val="FFFFFF"/>
+                </a:solidFill>
+                <a:latin typeface="Times New Roman"/>
+              </a:rPr>
+              <a:t>Express.js</a:t>
+            </a:r>
+            <a:endParaRPr lang="en-US" sz="2400" spc="-1" dirty="0" smtClean="0">
+              <a:solidFill>
+                <a:srgbClr val="FFFFFF"/>
+              </a:solidFill>
+              <a:latin typeface="Times New Roman"/>
+            </a:endParaRPr>
+          </a:p>
+          <a:p>
+            <a:pPr marL="971640" lvl="1" indent="-514080">
+              <a:spcAft>
+                <a:spcPts val="600"/>
+              </a:spcAft>
+              <a:buClr>
+                <a:srgbClr val="FFFFFF"/>
+              </a:buClr>
+              <a:buFont typeface="Bookman Old Style"/>
+              <a:buAutoNum type="arabicPeriod"/>
+            </a:pPr>
+            <a:r>
+              <a:rPr lang="en-US" sz="2400" spc="-1" dirty="0" err="1" smtClean="0">
+                <a:solidFill>
+                  <a:srgbClr val="FFFFFF"/>
+                </a:solidFill>
+                <a:latin typeface="Times New Roman"/>
+              </a:rPr>
+              <a:t>Ưu</a:t>
+            </a:r>
+            <a:r>
+              <a:rPr lang="en-US" sz="2400" spc="-1" dirty="0" smtClean="0">
+                <a:solidFill>
+                  <a:srgbClr val="FFFFFF"/>
+                </a:solidFill>
+                <a:latin typeface="Times New Roman"/>
+              </a:rPr>
+              <a:t> </a:t>
+            </a:r>
+            <a:r>
+              <a:rPr lang="en-US" sz="2400" spc="-1" dirty="0" err="1" smtClean="0">
+                <a:solidFill>
+                  <a:srgbClr val="FFFFFF"/>
+                </a:solidFill>
+                <a:latin typeface="Times New Roman"/>
+              </a:rPr>
+              <a:t>nhược</a:t>
+            </a:r>
+            <a:r>
+              <a:rPr lang="en-US" sz="2400" spc="-1" dirty="0" smtClean="0">
+                <a:solidFill>
+                  <a:srgbClr val="FFFFFF"/>
+                </a:solidFill>
+                <a:latin typeface="Times New Roman"/>
+              </a:rPr>
+              <a:t> </a:t>
+            </a:r>
+            <a:r>
+              <a:rPr lang="en-US" sz="2400" spc="-1" dirty="0" err="1" smtClean="0">
+                <a:solidFill>
+                  <a:srgbClr val="FFFFFF"/>
+                </a:solidFill>
+                <a:latin typeface="Times New Roman"/>
+              </a:rPr>
+              <a:t>điểm</a:t>
+            </a:r>
+            <a:r>
+              <a:rPr lang="en-US" sz="2400" spc="-1" dirty="0" smtClean="0">
+                <a:solidFill>
+                  <a:srgbClr val="FFFFFF"/>
+                </a:solidFill>
+                <a:latin typeface="Times New Roman"/>
+              </a:rPr>
+              <a:t> của </a:t>
+            </a:r>
+            <a:r>
+              <a:rPr lang="vi-VN" sz="2400" spc="-1" dirty="0">
+                <a:solidFill>
+                  <a:srgbClr val="FFFFFF"/>
+                </a:solidFill>
+                <a:latin typeface="Times New Roman"/>
+              </a:rPr>
+              <a:t>Express.js</a:t>
+            </a:r>
+            <a:endParaRPr lang="en-US" sz="2400" spc="-1" dirty="0">
+              <a:solidFill>
+                <a:srgbClr val="FFFFFF"/>
+              </a:solidFill>
+              <a:latin typeface="Times New Roman"/>
+            </a:endParaRPr>
+          </a:p>
+          <a:p>
+            <a:pPr marL="971640" lvl="1" indent="-514080">
+              <a:spcAft>
+                <a:spcPts val="600"/>
+              </a:spcAft>
+              <a:buClr>
+                <a:srgbClr val="FFFFFF"/>
+              </a:buClr>
+              <a:buFont typeface="Bookman Old Style"/>
+              <a:buAutoNum type="arabicPeriod"/>
+            </a:pPr>
+            <a:r>
+              <a:rPr lang="en-US" sz="2400" spc="-1" dirty="0" err="1" smtClean="0">
+                <a:solidFill>
+                  <a:schemeClr val="bg1"/>
+                </a:solidFill>
+                <a:latin typeface="Times New Roman" panose="02020603050405020304" pitchFamily="18" charset="0"/>
+                <a:cs typeface="Times New Roman" panose="02020603050405020304" pitchFamily="18" charset="0"/>
+              </a:rPr>
+              <a:t>Ứng</a:t>
+            </a:r>
+            <a:r>
+              <a:rPr lang="en-US" sz="2400" spc="-1" dirty="0" smtClean="0">
+                <a:solidFill>
+                  <a:schemeClr val="bg1"/>
+                </a:solidFill>
+                <a:latin typeface="Times New Roman" panose="02020603050405020304" pitchFamily="18" charset="0"/>
+                <a:cs typeface="Times New Roman" panose="02020603050405020304" pitchFamily="18" charset="0"/>
+              </a:rPr>
+              <a:t> </a:t>
+            </a:r>
+            <a:r>
+              <a:rPr lang="en-US" sz="2400" spc="-1" dirty="0" err="1" smtClean="0">
+                <a:solidFill>
+                  <a:schemeClr val="bg1"/>
+                </a:solidFill>
+                <a:latin typeface="Times New Roman" panose="02020603050405020304" pitchFamily="18" charset="0"/>
+                <a:cs typeface="Times New Roman" panose="02020603050405020304" pitchFamily="18" charset="0"/>
+              </a:rPr>
+              <a:t>dụng</a:t>
+            </a:r>
+            <a:r>
+              <a:rPr lang="en-US" sz="2400" spc="-1" dirty="0" smtClean="0">
+                <a:solidFill>
+                  <a:schemeClr val="bg1"/>
+                </a:solidFill>
+                <a:latin typeface="Times New Roman" panose="02020603050405020304" pitchFamily="18" charset="0"/>
+                <a:cs typeface="Times New Roman" panose="02020603050405020304" pitchFamily="18" charset="0"/>
+              </a:rPr>
+              <a:t> của </a:t>
+            </a:r>
+            <a:r>
+              <a:rPr lang="vi-VN" sz="2400" spc="-1" dirty="0" smtClean="0">
+                <a:solidFill>
+                  <a:srgbClr val="FFFFFF"/>
+                </a:solidFill>
+                <a:latin typeface="Times New Roman"/>
+              </a:rPr>
+              <a:t>Express.js</a:t>
+            </a:r>
+            <a:endParaRPr lang="vi-VN" sz="2400" b="0" strike="noStrike" spc="-1" dirty="0" smtClean="0">
               <a:latin typeface="Arial"/>
             </a:endParaRPr>
           </a:p>
@@ -10091,7 +10552,7 @@
               <a:buChar char=""/>
             </a:pPr>
             <a:r>
-              <a:rPr lang="vi-VN" sz="2400" b="0" strike="noStrike" spc="-1">
+              <a:rPr lang="vi-VN" sz="2400" b="0" strike="noStrike" spc="-1" dirty="0" smtClean="0">
                 <a:solidFill>
                   <a:srgbClr val="FFFFFF"/>
                 </a:solidFill>
@@ -10099,15 +10560,15 @@
               </a:rPr>
               <a:t>Phần II : Ứng dụng Expressjs</a:t>
             </a:r>
-            <a:endParaRPr lang="vi-VN" sz="2400" b="0" strike="noStrike" spc="-1">
+            <a:endParaRPr lang="vi-VN" sz="2400" b="0" strike="noStrike" spc="-1" dirty="0" smtClean="0">
               <a:latin typeface="Arial"/>
             </a:endParaRPr>
           </a:p>
           <a:p>
-            <a:pPr marL="514440" indent="-514080">
-              <a:lnSpc>
-                <a:spcPct val="100000"/>
-              </a:lnSpc>
+            <a:pPr marL="971640" lvl="1" indent="-514080">
+              <a:spcAft>
+                <a:spcPts val="600"/>
+              </a:spcAft>
               <a:buClr>
                 <a:srgbClr val="FFFFFF"/>
               </a:buClr>
@@ -10115,23 +10576,32 @@
               <a:buAutoNum type="arabicPeriod"/>
             </a:pPr>
             <a:r>
-              <a:rPr lang="vi-VN" sz="2400" b="0" strike="noStrike" spc="-1">
+              <a:rPr lang="vi-VN" sz="2400" b="0" strike="noStrike" spc="-1" dirty="0" smtClean="0">
                 <a:solidFill>
                   <a:srgbClr val="FFFFFF"/>
                 </a:solidFill>
                 <a:latin typeface="Times New Roman"/>
               </a:rPr>
-              <a:t>Phân tích thiết kế hệ thống xây dựng website</a:t>
-            </a:r>
-            <a:endParaRPr lang="vi-VN" sz="2400" b="0" strike="noStrike" spc="-1">
+              <a:t>Phân </a:t>
+            </a:r>
+            <a:r>
+              <a:rPr lang="vi-VN" sz="2400" b="0" strike="noStrike" spc="-1" dirty="0">
+                <a:solidFill>
+                  <a:srgbClr val="FFFFFF"/>
+                </a:solidFill>
+                <a:latin typeface="Times New Roman"/>
+              </a:rPr>
+              <a:t>tích thiết kế hệ thống xây dựng website</a:t>
+            </a:r>
+            <a:endParaRPr lang="vi-VN" sz="2400" b="0" strike="noStrike" spc="-1" dirty="0">
               <a:latin typeface="Arial"/>
             </a:endParaRPr>
           </a:p>
           <a:p>
-            <a:pPr marL="514440" indent="-514080">
-              <a:lnSpc>
-                <a:spcPct val="100000"/>
-              </a:lnSpc>
+            <a:pPr marL="971640" lvl="1" indent="-514080">
+              <a:spcAft>
+                <a:spcPts val="600"/>
+              </a:spcAft>
               <a:buClr>
                 <a:srgbClr val="FFFFFF"/>
               </a:buClr>
@@ -10139,7 +10609,7 @@
               <a:buAutoNum type="arabicPeriod"/>
             </a:pPr>
             <a:r>
-              <a:rPr lang="vi-VN" sz="2400" b="0" strike="noStrike" spc="-1">
+              <a:rPr lang="vi-VN" sz="2400" b="0" strike="noStrike" spc="-1" dirty="0">
                 <a:solidFill>
                   <a:srgbClr val="FFFFFF"/>
                 </a:solidFill>
@@ -10147,7 +10617,7 @@
               </a:rPr>
               <a:t>Nguyên mẫu giao diện website</a:t>
             </a:r>
-            <a:endParaRPr lang="vi-VN" sz="2400" b="0" strike="noStrike" spc="-1">
+            <a:endParaRPr lang="vi-VN" sz="2400" b="0" strike="noStrike" spc="-1" dirty="0">
               <a:latin typeface="Arial"/>
             </a:endParaRPr>
           </a:p>
@@ -10157,7 +10627,7 @@
                 <a:spcPct val="100000"/>
               </a:lnSpc>
             </a:pPr>
-            <a:endParaRPr lang="vi-VN" sz="2400" b="0" strike="noStrike" spc="-1">
+            <a:endParaRPr lang="vi-VN" sz="2400" b="0" strike="noStrike" spc="-1" dirty="0">
               <a:latin typeface="Arial"/>
             </a:endParaRPr>
           </a:p>
@@ -10205,7 +10675,7 @@
       </p:grpSpPr>
       <p:pic>
         <p:nvPicPr>
-          <p:cNvPr id="164" name="Content Placeholder 4"/>
+          <p:cNvPr id="160" name="Content Placeholder 4"/>
           <p:cNvPicPr/>
           <p:nvPr/>
         </p:nvPicPr>
@@ -10228,14 +10698,14 @@
       </p:pic>
       <p:sp>
         <p:nvSpPr>
-          <p:cNvPr id="165" name="CustomShape 1"/>
+          <p:cNvPr id="161" name="CustomShape 1"/>
           <p:cNvSpPr/>
           <p:nvPr/>
         </p:nvSpPr>
         <p:spPr>
           <a:xfrm>
-            <a:off x="3549960" y="839880"/>
-            <a:ext cx="5091480" cy="516960"/>
+            <a:off x="3545280" y="916920"/>
+            <a:ext cx="5100840" cy="516960"/>
           </a:xfrm>
           <a:prstGeom prst="rect">
             <a:avLst/>
@@ -10285,14 +10755,14 @@
       </p:sp>
       <p:sp>
         <p:nvSpPr>
-          <p:cNvPr id="166" name="CustomShape 2"/>
+          <p:cNvPr id="162" name="CustomShape 2"/>
           <p:cNvSpPr/>
           <p:nvPr/>
         </p:nvSpPr>
         <p:spPr>
           <a:xfrm>
-            <a:off x="645840" y="1570320"/>
-            <a:ext cx="2993040" cy="395280"/>
+            <a:off x="645120" y="1570320"/>
+            <a:ext cx="2909160" cy="395280"/>
           </a:xfrm>
           <a:prstGeom prst="rect">
             <a:avLst/>
@@ -10332,7 +10802,7 @@
                 </a:solidFill>
                 <a:latin typeface="Times New Roman"/>
               </a:rPr>
-              <a:t>Use case Quản lý sản phẩm</a:t>
+              <a:t>Use case Quản lý giỏ hàng</a:t>
             </a:r>
             <a:endParaRPr lang="vi-VN" sz="2000" b="0" strike="noStrike" spc="-1">
               <a:latin typeface="Arial"/>
@@ -10342,7 +10812,7 @@
       </p:sp>
       <p:pic>
         <p:nvPicPr>
-          <p:cNvPr id="167" name="Picture 5"/>
+          <p:cNvPr id="163" name="Picture 5"/>
           <p:cNvPicPr/>
           <p:nvPr/>
         </p:nvPicPr>
@@ -10352,8 +10822,8 @@
         </p:blipFill>
         <p:spPr>
           <a:xfrm>
-            <a:off x="2409840" y="2177280"/>
-            <a:ext cx="7372080" cy="3484080"/>
+            <a:off x="2800440" y="1970280"/>
+            <a:ext cx="6590880" cy="4116240"/>
           </a:xfrm>
           <a:prstGeom prst="rect">
             <a:avLst/>
@@ -10398,7 +10868,7 @@
       </p:grpSpPr>
       <p:pic>
         <p:nvPicPr>
-          <p:cNvPr id="168" name="Content Placeholder 4"/>
+          <p:cNvPr id="164" name="Content Placeholder 4"/>
           <p:cNvPicPr/>
           <p:nvPr/>
         </p:nvPicPr>
@@ -10421,14 +10891,71 @@
       </p:pic>
       <p:sp>
         <p:nvSpPr>
-          <p:cNvPr id="169" name="CustomShape 1"/>
+          <p:cNvPr id="165" name="CustomShape 1"/>
           <p:cNvSpPr/>
           <p:nvPr/>
         </p:nvSpPr>
         <p:spPr>
           <a:xfrm>
-            <a:off x="646200" y="1570320"/>
-            <a:ext cx="3192480" cy="395280"/>
+            <a:off x="3549960" y="839880"/>
+            <a:ext cx="5091480" cy="516960"/>
+          </a:xfrm>
+          <a:prstGeom prst="rect">
+            <a:avLst/>
+          </a:prstGeom>
+          <a:noFill/>
+          <a:ln>
+            <a:noFill/>
+          </a:ln>
+        </p:spPr>
+        <p:style>
+          <a:lnRef idx="0">
+            <a:scrgbClr r="0" g="0" b="0"/>
+          </a:lnRef>
+          <a:fillRef idx="0">
+            <a:scrgbClr r="0" g="0" b="0"/>
+          </a:fillRef>
+          <a:effectRef idx="0">
+            <a:scrgbClr r="0" g="0" b="0"/>
+          </a:effectRef>
+          <a:fontRef idx="minor"/>
+        </p:style>
+        <p:txBody>
+          <a:bodyPr lIns="90000" tIns="45000" rIns="90000" bIns="45000">
+            <a:spAutoFit/>
+          </a:bodyPr>
+          <a:lstStyle/>
+          <a:p>
+            <a:pPr>
+              <a:lnSpc>
+                <a:spcPct val="100000"/>
+              </a:lnSpc>
+            </a:pPr>
+            <a:r>
+              <a:rPr lang="vi-VN" sz="2800" b="1" strike="noStrike" spc="-1">
+                <a:solidFill>
+                  <a:srgbClr val="FFFFFF"/>
+                </a:solidFill>
+                <a:latin typeface="Times New Roman"/>
+              </a:rPr>
+              <a:t>Phần II : Ứng dụng Spring boot</a:t>
+            </a:r>
+            <a:endParaRPr lang="vi-VN" sz="2800" b="0" strike="noStrike" spc="-1">
+              <a:latin typeface="Arial"/>
+            </a:endParaRPr>
+          </a:p>
+        </p:txBody>
+      </p:sp>
+      <p:sp>
+        <p:nvSpPr>
+          <p:cNvPr id="166" name="CustomShape 2"/>
+          <p:cNvSpPr/>
+          <p:nvPr/>
+        </p:nvSpPr>
+        <p:spPr>
+          <a:xfrm>
+            <a:off x="645840" y="1570320"/>
+            <a:ext cx="2993040" cy="395280"/>
           </a:xfrm>
           <a:prstGeom prst="rect">
             <a:avLst/>
@@ -10468,7 +10995,7 @@
                 </a:solidFill>
                 <a:latin typeface="Times New Roman"/>
               </a:rPr>
-              <a:t>Use case Quản lý khách hàng</a:t>
+              <a:t>Use case Quản lý sản phẩm</a:t>
             </a:r>
             <a:endParaRPr lang="vi-VN" sz="2000" b="0" strike="noStrike" spc="-1">
               <a:latin typeface="Arial"/>
@@ -10478,7 +11005,7 @@
       </p:sp>
       <p:pic>
         <p:nvPicPr>
-          <p:cNvPr id="170" name="Picture 5"/>
+          <p:cNvPr id="167" name="Picture 5"/>
           <p:cNvPicPr/>
           <p:nvPr/>
         </p:nvPicPr>
@@ -10488,8 +11015,8 @@
         </p:blipFill>
         <p:spPr>
           <a:xfrm>
-            <a:off x="2395440" y="2332800"/>
-            <a:ext cx="7400520" cy="2192040"/>
+            <a:off x="2409840" y="2177280"/>
+            <a:ext cx="7372080" cy="3484080"/>
           </a:xfrm>
           <a:prstGeom prst="rect">
             <a:avLst/>
@@ -10499,63 +11026,6 @@
           </a:ln>
         </p:spPr>
       </p:pic>
-      <p:sp>
-        <p:nvSpPr>
-          <p:cNvPr id="171" name="CustomShape 2"/>
-          <p:cNvSpPr/>
-          <p:nvPr/>
-        </p:nvSpPr>
-        <p:spPr>
-          <a:xfrm>
-            <a:off x="3549960" y="839880"/>
-            <a:ext cx="5091480" cy="516960"/>
-          </a:xfrm>
-          <a:prstGeom prst="rect">
-            <a:avLst/>
-          </a:prstGeom>
-          <a:noFill/>
-          <a:ln>
-            <a:noFill/>
-          </a:ln>
-        </p:spPr>
-        <p:style>
-          <a:lnRef idx="0">
-            <a:scrgbClr r="0" g="0" b="0"/>
-          </a:lnRef>
-          <a:fillRef idx="0">
-            <a:scrgbClr r="0" g="0" b="0"/>
-          </a:fillRef>
-          <a:effectRef idx="0">
-            <a:scrgbClr r="0" g="0" b="0"/>
-          </a:effectRef>
-          <a:fontRef idx="minor"/>
-        </p:style>
-        <p:txBody>
-          <a:bodyPr lIns="90000" tIns="45000" rIns="90000" bIns="45000">
-            <a:spAutoFit/>
-          </a:bodyPr>
-          <a:lstStyle/>
-          <a:p>
-            <a:pPr>
-              <a:lnSpc>
-                <a:spcPct val="100000"/>
-              </a:lnSpc>
-            </a:pPr>
-            <a:r>
-              <a:rPr lang="vi-VN" sz="2800" b="1" strike="noStrike" spc="-1">
-                <a:solidFill>
-                  <a:srgbClr val="FFFFFF"/>
-                </a:solidFill>
-                <a:latin typeface="Times New Roman"/>
-              </a:rPr>
-              <a:t>Phần II : Ứng dụng Spring boot</a:t>
-            </a:r>
-            <a:endParaRPr lang="vi-VN" sz="2800" b="0" strike="noStrike" spc="-1">
-              <a:latin typeface="Arial"/>
-            </a:endParaRPr>
-          </a:p>
-        </p:txBody>
-      </p:sp>
     </p:spTree>
   </p:cSld>
   <p:clrMapOvr>
@@ -10591,7 +11061,7 @@
       </p:grpSpPr>
       <p:pic>
         <p:nvPicPr>
-          <p:cNvPr id="172" name="Content Placeholder 4"/>
+          <p:cNvPr id="168" name="Content Placeholder 4"/>
           <p:cNvPicPr/>
           <p:nvPr/>
         </p:nvPicPr>
@@ -10614,14 +11084,14 @@
       </p:pic>
       <p:sp>
         <p:nvSpPr>
-          <p:cNvPr id="173" name="CustomShape 1"/>
+          <p:cNvPr id="169" name="CustomShape 1"/>
           <p:cNvSpPr/>
           <p:nvPr/>
         </p:nvSpPr>
         <p:spPr>
           <a:xfrm>
-            <a:off x="645840" y="1570320"/>
-            <a:ext cx="3021840" cy="395280"/>
+            <a:off x="646200" y="1570320"/>
+            <a:ext cx="3192480" cy="395280"/>
           </a:xfrm>
           <a:prstGeom prst="rect">
             <a:avLst/>
@@ -10661,7 +11131,7 @@
                 </a:solidFill>
                 <a:latin typeface="Times New Roman"/>
               </a:rPr>
-              <a:t>Use case Quản lý danh mục</a:t>
+              <a:t>Use case Quản lý khách hàng</a:t>
             </a:r>
             <a:endParaRPr lang="vi-VN" sz="2000" b="0" strike="noStrike" spc="-1">
               <a:latin typeface="Arial"/>
@@ -10671,7 +11141,7 @@
       </p:sp>
       <p:pic>
         <p:nvPicPr>
-          <p:cNvPr id="174" name="Picture 5"/>
+          <p:cNvPr id="170" name="Picture 5"/>
           <p:cNvPicPr/>
           <p:nvPr/>
         </p:nvPicPr>
@@ -10681,8 +11151,8 @@
         </p:blipFill>
         <p:spPr>
           <a:xfrm>
-            <a:off x="2471760" y="2248560"/>
-            <a:ext cx="7248240" cy="3228480"/>
+            <a:off x="2395440" y="2332800"/>
+            <a:ext cx="7400520" cy="2192040"/>
           </a:xfrm>
           <a:prstGeom prst="rect">
             <a:avLst/>
@@ -10694,7 +11164,7 @@
       </p:pic>
       <p:sp>
         <p:nvSpPr>
-          <p:cNvPr id="175" name="CustomShape 2"/>
+          <p:cNvPr id="171" name="CustomShape 2"/>
           <p:cNvSpPr/>
           <p:nvPr/>
         </p:nvSpPr>
@@ -10784,7 +11254,7 @@
       </p:grpSpPr>
       <p:pic>
         <p:nvPicPr>
-          <p:cNvPr id="176" name="Content Placeholder 4"/>
+          <p:cNvPr id="172" name="Content Placeholder 4"/>
           <p:cNvPicPr/>
           <p:nvPr/>
         </p:nvPicPr>
@@ -10807,14 +11277,14 @@
       </p:pic>
       <p:sp>
         <p:nvSpPr>
-          <p:cNvPr id="177" name="CustomShape 1"/>
+          <p:cNvPr id="173" name="CustomShape 1"/>
           <p:cNvSpPr/>
           <p:nvPr/>
         </p:nvSpPr>
         <p:spPr>
           <a:xfrm>
-            <a:off x="646200" y="1570320"/>
-            <a:ext cx="2972880" cy="395280"/>
+            <a:off x="645840" y="1570320"/>
+            <a:ext cx="3021840" cy="395280"/>
           </a:xfrm>
           <a:prstGeom prst="rect">
             <a:avLst/>
@@ -10854,7 +11324,7 @@
                 </a:solidFill>
                 <a:latin typeface="Times New Roman"/>
               </a:rPr>
-              <a:t>Use case Quản lý đơn hàng</a:t>
+              <a:t>Use case Quản lý danh mục</a:t>
             </a:r>
             <a:endParaRPr lang="vi-VN" sz="2000" b="0" strike="noStrike" spc="-1">
               <a:latin typeface="Arial"/>
@@ -10864,7 +11334,7 @@
       </p:sp>
       <p:pic>
         <p:nvPicPr>
-          <p:cNvPr id="178" name="Picture 5"/>
+          <p:cNvPr id="174" name="Picture 5"/>
           <p:cNvPicPr/>
           <p:nvPr/>
         </p:nvPicPr>
@@ -10874,8 +11344,8 @@
         </p:blipFill>
         <p:spPr>
           <a:xfrm>
-            <a:off x="2438280" y="2176920"/>
-            <a:ext cx="7314840" cy="3041280"/>
+            <a:off x="2471760" y="2248560"/>
+            <a:ext cx="7248240" cy="3228480"/>
           </a:xfrm>
           <a:prstGeom prst="rect">
             <a:avLst/>
@@ -10887,7 +11357,7 @@
       </p:pic>
       <p:sp>
         <p:nvSpPr>
-          <p:cNvPr id="179" name="CustomShape 2"/>
+          <p:cNvPr id="175" name="CustomShape 2"/>
           <p:cNvSpPr/>
           <p:nvPr/>
         </p:nvSpPr>
@@ -10977,7 +11447,7 @@
       </p:grpSpPr>
       <p:pic>
         <p:nvPicPr>
-          <p:cNvPr id="180" name="Content Placeholder 4"/>
+          <p:cNvPr id="176" name="Content Placeholder 4"/>
           <p:cNvPicPr/>
           <p:nvPr/>
         </p:nvPicPr>
@@ -11000,14 +11470,14 @@
       </p:pic>
       <p:sp>
         <p:nvSpPr>
-          <p:cNvPr id="181" name="CustomShape 1"/>
+          <p:cNvPr id="177" name="CustomShape 1"/>
           <p:cNvSpPr/>
           <p:nvPr/>
         </p:nvSpPr>
         <p:spPr>
           <a:xfrm>
             <a:off x="646200" y="1570320"/>
-            <a:ext cx="3261240" cy="395280"/>
+            <a:ext cx="2972880" cy="395280"/>
           </a:xfrm>
           <a:prstGeom prst="rect">
             <a:avLst/>
@@ -11047,7 +11517,7 @@
                 </a:solidFill>
                 <a:latin typeface="Times New Roman"/>
               </a:rPr>
-              <a:t>Use case Quản lý slide banner</a:t>
+              <a:t>Use case Quản lý đơn hàng</a:t>
             </a:r>
             <a:endParaRPr lang="vi-VN" sz="2000" b="0" strike="noStrike" spc="-1">
               <a:latin typeface="Arial"/>
@@ -11057,7 +11527,7 @@
       </p:sp>
       <p:pic>
         <p:nvPicPr>
-          <p:cNvPr id="182" name="Picture 5"/>
+          <p:cNvPr id="178" name="Picture 5"/>
           <p:cNvPicPr/>
           <p:nvPr/>
         </p:nvPicPr>
@@ -11067,8 +11537,8 @@
         </p:blipFill>
         <p:spPr>
           <a:xfrm>
-            <a:off x="2495520" y="2155680"/>
-            <a:ext cx="7200720" cy="3483000"/>
+            <a:off x="2438280" y="2176920"/>
+            <a:ext cx="7314840" cy="3041280"/>
           </a:xfrm>
           <a:prstGeom prst="rect">
             <a:avLst/>
@@ -11080,7 +11550,7 @@
       </p:pic>
       <p:sp>
         <p:nvSpPr>
-          <p:cNvPr id="183" name="CustomShape 2"/>
+          <p:cNvPr id="179" name="CustomShape 2"/>
           <p:cNvSpPr/>
           <p:nvPr/>
         </p:nvSpPr>
@@ -11170,7 +11640,7 @@
       </p:grpSpPr>
       <p:pic>
         <p:nvPicPr>
-          <p:cNvPr id="184" name="Content Placeholder 4"/>
+          <p:cNvPr id="180" name="Content Placeholder 4"/>
           <p:cNvPicPr/>
           <p:nvPr/>
         </p:nvPicPr>
@@ -11193,14 +11663,14 @@
       </p:pic>
       <p:sp>
         <p:nvSpPr>
-          <p:cNvPr id="185" name="CustomShape 1"/>
+          <p:cNvPr id="181" name="CustomShape 1"/>
           <p:cNvSpPr/>
           <p:nvPr/>
         </p:nvSpPr>
         <p:spPr>
           <a:xfrm>
-            <a:off x="649800" y="1570320"/>
-            <a:ext cx="4562640" cy="395280"/>
+            <a:off x="646200" y="1570320"/>
+            <a:ext cx="3261240" cy="395280"/>
           </a:xfrm>
           <a:prstGeom prst="rect">
             <a:avLst/>
@@ -11240,7 +11710,7 @@
                 </a:solidFill>
                 <a:latin typeface="Times New Roman"/>
               </a:rPr>
-              <a:t>Use case Tìm kiếm , xem chi tiết sản phẩm</a:t>
+              <a:t>Use case Quản lý slide banner</a:t>
             </a:r>
             <a:endParaRPr lang="vi-VN" sz="2000" b="0" strike="noStrike" spc="-1">
               <a:latin typeface="Arial"/>
@@ -11248,9 +11718,32 @@
           </a:p>
         </p:txBody>
       </p:sp>
-      <p:sp>
-        <p:nvSpPr>
-          <p:cNvPr id="186" name="CustomShape 2"/>
+      <p:pic>
+        <p:nvPicPr>
+          <p:cNvPr id="182" name="Picture 5"/>
+          <p:cNvPicPr/>
+          <p:nvPr/>
+        </p:nvPicPr>
+        <p:blipFill>
+          <a:blip r:embed="rId3"/>
+          <a:stretch/>
+        </p:blipFill>
+        <p:spPr>
+          <a:xfrm>
+            <a:off x="2495520" y="2155680"/>
+            <a:ext cx="7200720" cy="3483000"/>
+          </a:xfrm>
+          <a:prstGeom prst="rect">
+            <a:avLst/>
+          </a:prstGeom>
+          <a:ln>
+            <a:noFill/>
+          </a:ln>
+        </p:spPr>
+      </p:pic>
+      <p:sp>
+        <p:nvSpPr>
+          <p:cNvPr id="183" name="CustomShape 2"/>
           <p:cNvSpPr/>
           <p:nvPr/>
         </p:nvSpPr>
@@ -11305,29 +11798,6 @@
           </a:p>
         </p:txBody>
       </p:sp>
-      <p:pic>
-        <p:nvPicPr>
-          <p:cNvPr id="187" name="Picture 1"/>
-          <p:cNvPicPr/>
-          <p:nvPr/>
-        </p:nvPicPr>
-        <p:blipFill>
-          <a:blip r:embed="rId3"/>
-          <a:stretch/>
-        </p:blipFill>
-        <p:spPr>
-          <a:xfrm>
-            <a:off x="1593000" y="2157480"/>
-            <a:ext cx="8438400" cy="3860280"/>
-          </a:xfrm>
-          <a:prstGeom prst="rect">
-            <a:avLst/>
-          </a:prstGeom>
-          <a:ln>
-            <a:noFill/>
-          </a:ln>
-        </p:spPr>
-      </p:pic>
     </p:spTree>
   </p:cSld>
   <p:clrMapOvr>
@@ -11363,7 +11833,7 @@
       </p:grpSpPr>
       <p:pic>
         <p:nvPicPr>
-          <p:cNvPr id="188" name="Content Placeholder 4"/>
+          <p:cNvPr id="184" name="Content Placeholder 4"/>
           <p:cNvPicPr/>
           <p:nvPr/>
         </p:nvPicPr>
@@ -11386,14 +11856,14 @@
       </p:pic>
       <p:sp>
         <p:nvSpPr>
-          <p:cNvPr id="189" name="CustomShape 1"/>
+          <p:cNvPr id="185" name="CustomShape 1"/>
           <p:cNvSpPr/>
           <p:nvPr/>
         </p:nvSpPr>
         <p:spPr>
           <a:xfrm>
-            <a:off x="644400" y="1570320"/>
-            <a:ext cx="2170080" cy="395280"/>
+            <a:off x="649800" y="1570320"/>
+            <a:ext cx="4562640" cy="395280"/>
           </a:xfrm>
           <a:prstGeom prst="rect">
             <a:avLst/>
@@ -11433,7 +11903,7 @@
                 </a:solidFill>
                 <a:latin typeface="Times New Roman"/>
               </a:rPr>
-              <a:t>Use case Mua hàng</a:t>
+              <a:t>Use case Tìm kiếm , xem chi tiết sản phẩm</a:t>
             </a:r>
             <a:endParaRPr lang="vi-VN" sz="2000" b="0" strike="noStrike" spc="-1">
               <a:latin typeface="Arial"/>
@@ -11443,7 +11913,7 @@
       </p:sp>
       <p:sp>
         <p:nvSpPr>
-          <p:cNvPr id="190" name="CustomShape 2"/>
+          <p:cNvPr id="186" name="CustomShape 2"/>
           <p:cNvSpPr/>
           <p:nvPr/>
         </p:nvSpPr>
@@ -11500,7 +11970,7 @@
       </p:sp>
       <p:pic>
         <p:nvPicPr>
-          <p:cNvPr id="191" name="Picture 5"/>
+          <p:cNvPr id="187" name="Picture 1"/>
           <p:cNvPicPr/>
           <p:nvPr/>
         </p:nvPicPr>
@@ -11510,8 +11980,8 @@
         </p:blipFill>
         <p:spPr>
           <a:xfrm>
-            <a:off x="2897640" y="2293560"/>
-            <a:ext cx="5744160" cy="2800440"/>
+            <a:off x="1593000" y="2157480"/>
+            <a:ext cx="8438400" cy="3860280"/>
           </a:xfrm>
           <a:prstGeom prst="rect">
             <a:avLst/>
@@ -11556,7 +12026,7 @@
       </p:grpSpPr>
       <p:pic>
         <p:nvPicPr>
-          <p:cNvPr id="192" name="Content Placeholder 4"/>
+          <p:cNvPr id="188" name="Content Placeholder 4"/>
           <p:cNvPicPr/>
           <p:nvPr/>
         </p:nvPicPr>
@@ -11579,14 +12049,14 @@
       </p:pic>
       <p:sp>
         <p:nvSpPr>
-          <p:cNvPr id="193" name="CustomShape 1"/>
+          <p:cNvPr id="189" name="CustomShape 1"/>
           <p:cNvSpPr/>
           <p:nvPr/>
         </p:nvSpPr>
         <p:spPr>
           <a:xfrm>
-            <a:off x="922680" y="1172880"/>
-            <a:ext cx="5463360" cy="456120"/>
+            <a:off x="644400" y="1570320"/>
+            <a:ext cx="2170080" cy="395280"/>
           </a:xfrm>
           <a:prstGeom prst="rect">
             <a:avLst/>
@@ -11620,76 +12090,30 @@
               </a:lnSpc>
             </a:pPr>
             <a:r>
-              <a:rPr lang="vi-VN" sz="2400" b="1" strike="noStrike" spc="-1">
-                <a:solidFill>
-                  <a:srgbClr val="FFFFFF"/>
-                </a:solidFill>
-                <a:latin typeface="Arial"/>
-              </a:rPr>
-              <a:t>Biểu đồ hoạt động của các Use case</a:t>
-            </a:r>
-            <a:endParaRPr lang="vi-VN" sz="2400" b="0" strike="noStrike" spc="-1">
+              <a:rPr lang="vi-VN" sz="2000" b="0" strike="noStrike" spc="-1">
+                <a:solidFill>
+                  <a:srgbClr val="FFFFFF"/>
+                </a:solidFill>
+                <a:latin typeface="Times New Roman"/>
+              </a:rPr>
+              <a:t>Use case Mua hàng</a:t>
+            </a:r>
+            <a:endParaRPr lang="vi-VN" sz="2000" b="0" strike="noStrike" spc="-1">
               <a:latin typeface="Arial"/>
             </a:endParaRPr>
           </a:p>
         </p:txBody>
       </p:sp>
-      <p:pic>
-        <p:nvPicPr>
-          <p:cNvPr id="194" name="Picture 5"/>
-          <p:cNvPicPr/>
-          <p:nvPr/>
-        </p:nvPicPr>
-        <p:blipFill>
-          <a:blip r:embed="rId3"/>
-          <a:srcRect l="2469" t="7570" r="35340" b="34985"/>
-          <a:stretch/>
-        </p:blipFill>
-        <p:spPr>
-          <a:xfrm>
-            <a:off x="2895480" y="2029680"/>
-            <a:ext cx="6400440" cy="2798280"/>
-          </a:xfrm>
-          <a:prstGeom prst="rect">
-            <a:avLst/>
-          </a:prstGeom>
-          <a:ln w="88920" cap="sq">
-            <a:solidFill>
-              <a:srgbClr val="FFFFFF"/>
-            </a:solidFill>
-            <a:miter/>
-          </a:ln>
-          <a:effectLst>
-            <a:outerShdw blurRad="55000" dist="18000" dir="5400000" algn="tl" rotWithShape="0">
-              <a:srgbClr val="000000">
-                <a:alpha val="40000"/>
-              </a:srgbClr>
-            </a:outerShdw>
-          </a:effectLst>
-          <a:scene3d>
-            <a:camera prst="orthographicFront"/>
-            <a:lightRig rig="twoPt" dir="t">
-              <a:rot lat="0" lon="0" rev="7200000"/>
-            </a:lightRig>
-          </a:scene3d>
-          <a:sp3d>
-            <a:bevelT w="25400" h="19050"/>
-            <a:contourClr>
-              <a:srgbClr val="FFFFFF"/>
-            </a:contourClr>
-          </a:sp3d>
-        </p:spPr>
-      </p:pic>
-      <p:sp>
-        <p:nvSpPr>
-          <p:cNvPr id="195" name="CustomShape 2"/>
+      <p:sp>
+        <p:nvSpPr>
+          <p:cNvPr id="190" name="CustomShape 2"/>
           <p:cNvSpPr/>
           <p:nvPr/>
         </p:nvSpPr>
         <p:spPr>
           <a:xfrm>
-            <a:off x="5098680" y="5218560"/>
-            <a:ext cx="1994760" cy="364680"/>
+            <a:off x="3549960" y="839880"/>
+            <a:ext cx="5091480" cy="516960"/>
           </a:xfrm>
           <a:prstGeom prst="rect">
             <a:avLst/>
@@ -11712,7 +12136,7 @@
           <a:fontRef idx="minor"/>
         </p:style>
         <p:txBody>
-          <a:bodyPr wrap="none" lIns="90000" tIns="45000" rIns="90000" bIns="45000">
+          <a:bodyPr lIns="90000" tIns="45000" rIns="90000" bIns="45000">
             <a:spAutoFit/>
           </a:bodyPr>
           <a:lstStyle/>
@@ -11723,20 +12147,43 @@
               </a:lnSpc>
             </a:pPr>
             <a:r>
-              <a:rPr lang="vi-VN" sz="1800" b="0" strike="noStrike" spc="-1">
-                <a:solidFill>
-                  <a:srgbClr val="FFFFFF"/>
-                </a:solidFill>
-                <a:latin typeface="Arial"/>
-              </a:rPr>
-              <a:t>Use case đăng ký</a:t>
-            </a:r>
-            <a:endParaRPr lang="vi-VN" sz="1800" b="0" strike="noStrike" spc="-1">
+              <a:rPr lang="vi-VN" sz="2800" b="1" strike="noStrike" spc="-1">
+                <a:solidFill>
+                  <a:srgbClr val="FFFFFF"/>
+                </a:solidFill>
+                <a:latin typeface="Times New Roman"/>
+              </a:rPr>
+              <a:t>Phần II : Ứng dụng Spring boot</a:t>
+            </a:r>
+            <a:endParaRPr lang="vi-VN" sz="2800" b="0" strike="noStrike" spc="-1">
               <a:latin typeface="Arial"/>
             </a:endParaRPr>
           </a:p>
         </p:txBody>
       </p:sp>
+      <p:pic>
+        <p:nvPicPr>
+          <p:cNvPr id="191" name="Picture 5"/>
+          <p:cNvPicPr/>
+          <p:nvPr/>
+        </p:nvPicPr>
+        <p:blipFill>
+          <a:blip r:embed="rId3"/>
+          <a:stretch/>
+        </p:blipFill>
+        <p:spPr>
+          <a:xfrm>
+            <a:off x="2897640" y="2293560"/>
+            <a:ext cx="5744160" cy="2800440"/>
+          </a:xfrm>
+          <a:prstGeom prst="rect">
+            <a:avLst/>
+          </a:prstGeom>
+          <a:ln>
+            <a:noFill/>
+          </a:ln>
+        </p:spPr>
+      </p:pic>
     </p:spTree>
   </p:cSld>
   <p:clrMapOvr>
@@ -11772,7 +12219,7 @@
       </p:grpSpPr>
       <p:pic>
         <p:nvPicPr>
-          <p:cNvPr id="196" name="Content Placeholder 4"/>
+          <p:cNvPr id="192" name="Content Placeholder 4"/>
           <p:cNvPicPr/>
           <p:nvPr/>
         </p:nvPicPr>
@@ -11795,7 +12242,7 @@
       </p:pic>
       <p:sp>
         <p:nvSpPr>
-          <p:cNvPr id="197" name="CustomShape 1"/>
+          <p:cNvPr id="193" name="CustomShape 1"/>
           <p:cNvSpPr/>
           <p:nvPr/>
         </p:nvSpPr>
@@ -11850,78 +12297,21 @@
           </a:p>
         </p:txBody>
       </p:sp>
-      <p:sp>
-        <p:nvSpPr>
-          <p:cNvPr id="198" name="CustomShape 2"/>
-          <p:cNvSpPr/>
-          <p:nvPr/>
-        </p:nvSpPr>
-        <p:spPr>
-          <a:xfrm>
-            <a:off x="5103360" y="5223240"/>
-            <a:ext cx="2271960" cy="364680"/>
-          </a:xfrm>
-          <a:prstGeom prst="rect">
-            <a:avLst/>
-          </a:prstGeom>
-          <a:noFill/>
-          <a:ln>
-            <a:noFill/>
-          </a:ln>
-        </p:spPr>
-        <p:style>
-          <a:lnRef idx="0">
-            <a:scrgbClr r="0" g="0" b="0"/>
-          </a:lnRef>
-          <a:fillRef idx="0">
-            <a:scrgbClr r="0" g="0" b="0"/>
-          </a:fillRef>
-          <a:effectRef idx="0">
-            <a:scrgbClr r="0" g="0" b="0"/>
-          </a:effectRef>
-          <a:fontRef idx="minor"/>
-        </p:style>
-        <p:txBody>
-          <a:bodyPr wrap="none" lIns="90000" tIns="45000" rIns="90000" bIns="45000">
-            <a:spAutoFit/>
-          </a:bodyPr>
-          <a:lstStyle/>
-          <a:p>
-            <a:pPr>
-              <a:lnSpc>
-                <a:spcPct val="100000"/>
-              </a:lnSpc>
-            </a:pPr>
-            <a:r>
-              <a:rPr lang="vi-VN" sz="1800" b="0" strike="noStrike" spc="-1">
-                <a:solidFill>
-                  <a:srgbClr val="FFFFFF"/>
-                </a:solidFill>
-                <a:latin typeface="Arial"/>
-              </a:rPr>
-              <a:t>Use case đăng nhập</a:t>
-            </a:r>
-            <a:endParaRPr lang="vi-VN" sz="1800" b="0" strike="noStrike" spc="-1">
-              <a:latin typeface="Arial"/>
-            </a:endParaRPr>
-          </a:p>
-        </p:txBody>
-      </p:sp>
       <p:pic>
         <p:nvPicPr>
-          <p:cNvPr id="199" name="Picture 6"/>
+          <p:cNvPr id="194" name="Picture 5"/>
           <p:cNvPicPr/>
           <p:nvPr/>
         </p:nvPicPr>
         <p:blipFill>
           <a:blip r:embed="rId3"/>
-          <a:srcRect l="2566" t="8803" r="35922" b="36167"/>
+          <a:srcRect l="2469" t="7570" r="35340" b="34985"/>
           <a:stretch/>
         </p:blipFill>
         <p:spPr>
           <a:xfrm>
-            <a:off x="2468520" y="1977840"/>
-            <a:ext cx="7254720" cy="2902320"/>
+            <a:off x="2895480" y="2029680"/>
+            <a:ext cx="6400440" cy="2798280"/>
           </a:xfrm>
           <a:prstGeom prst="rect">
             <a:avLst/>
@@ -11953,6 +12343,63 @@
           </a:sp3d>
         </p:spPr>
       </p:pic>
+      <p:sp>
+        <p:nvSpPr>
+          <p:cNvPr id="195" name="CustomShape 2"/>
+          <p:cNvSpPr/>
+          <p:nvPr/>
+        </p:nvSpPr>
+        <p:spPr>
+          <a:xfrm>
+            <a:off x="5098680" y="5218560"/>
+            <a:ext cx="1994760" cy="364680"/>
+          </a:xfrm>
+          <a:prstGeom prst="rect">
+            <a:avLst/>
+          </a:prstGeom>
+          <a:noFill/>
+          <a:ln>
+            <a:noFill/>
+          </a:ln>
+        </p:spPr>
+        <p:style>
+          <a:lnRef idx="0">
+            <a:scrgbClr r="0" g="0" b="0"/>
+          </a:lnRef>
+          <a:fillRef idx="0">
+            <a:scrgbClr r="0" g="0" b="0"/>
+          </a:fillRef>
+          <a:effectRef idx="0">
+            <a:scrgbClr r="0" g="0" b="0"/>
+          </a:effectRef>
+          <a:fontRef idx="minor"/>
+        </p:style>
+        <p:txBody>
+          <a:bodyPr wrap="none" lIns="90000" tIns="45000" rIns="90000" bIns="45000">
+            <a:spAutoFit/>
+          </a:bodyPr>
+          <a:lstStyle/>
+          <a:p>
+            <a:pPr>
+              <a:lnSpc>
+                <a:spcPct val="100000"/>
+              </a:lnSpc>
+            </a:pPr>
+            <a:r>
+              <a:rPr lang="vi-VN" sz="1800" b="0" strike="noStrike" spc="-1">
+                <a:solidFill>
+                  <a:srgbClr val="FFFFFF"/>
+                </a:solidFill>
+                <a:latin typeface="Arial"/>
+              </a:rPr>
+              <a:t>Use case đăng ký</a:t>
+            </a:r>
+            <a:endParaRPr lang="vi-VN" sz="1800" b="0" strike="noStrike" spc="-1">
+              <a:latin typeface="Arial"/>
+            </a:endParaRPr>
+          </a:p>
+        </p:txBody>
+      </p:sp>
     </p:spTree>
   </p:cSld>
   <p:clrMapOvr>
@@ -11988,7 +12435,7 @@
       </p:grpSpPr>
       <p:pic>
         <p:nvPicPr>
-          <p:cNvPr id="200" name="Content Placeholder 4"/>
+          <p:cNvPr id="196" name="Content Placeholder 4"/>
           <p:cNvPicPr/>
           <p:nvPr/>
         </p:nvPicPr>
@@ -12011,7 +12458,7 @@
       </p:pic>
       <p:sp>
         <p:nvSpPr>
-          <p:cNvPr id="201" name="CustomShape 1"/>
+          <p:cNvPr id="197" name="CustomShape 1"/>
           <p:cNvSpPr/>
           <p:nvPr/>
         </p:nvSpPr>
@@ -12068,14 +12515,14 @@
       </p:sp>
       <p:sp>
         <p:nvSpPr>
-          <p:cNvPr id="202" name="CustomShape 2"/>
+          <p:cNvPr id="198" name="CustomShape 2"/>
           <p:cNvSpPr/>
           <p:nvPr/>
         </p:nvSpPr>
         <p:spPr>
           <a:xfrm>
-            <a:off x="5106600" y="5218560"/>
-            <a:ext cx="3047760" cy="364680"/>
+            <a:off x="5103360" y="5223240"/>
+            <a:ext cx="2271960" cy="364680"/>
           </a:xfrm>
           <a:prstGeom prst="rect">
             <a:avLst/>
@@ -12115,7 +12562,7 @@
                 </a:solidFill>
                 <a:latin typeface="Arial"/>
               </a:rPr>
-              <a:t>Use case Quản lý sản phẩm</a:t>
+              <a:t>Use case đăng nhập</a:t>
             </a:r>
             <a:endParaRPr lang="vi-VN" sz="1800" b="0" strike="noStrike" spc="-1">
               <a:latin typeface="Arial"/>
@@ -12125,19 +12572,19 @@
       </p:sp>
       <p:pic>
         <p:nvPicPr>
-          <p:cNvPr id="203" name="Picture 6"/>
+          <p:cNvPr id="199" name="Picture 6"/>
           <p:cNvPicPr/>
           <p:nvPr/>
         </p:nvPicPr>
         <p:blipFill>
           <a:blip r:embed="rId3"/>
-          <a:srcRect l="2360" t="5697" r="36004" b="35105"/>
+          <a:srcRect l="2566" t="8803" r="35922" b="36167"/>
           <a:stretch/>
         </p:blipFill>
         <p:spPr>
           <a:xfrm>
-            <a:off x="1995120" y="1909440"/>
-            <a:ext cx="8201520" cy="3038400"/>
+            <a:off x="2468520" y="1977840"/>
+            <a:ext cx="7254720" cy="2902320"/>
           </a:xfrm>
           <a:prstGeom prst="rect">
             <a:avLst/>
@@ -12290,7 +12737,7 @@
         </p:nvSpPr>
         <p:spPr>
           <a:xfrm>
-            <a:off x="561960" y="1684080"/>
+            <a:off x="509580" y="1618560"/>
             <a:ext cx="11220120" cy="4546904"/>
           </a:xfrm>
           <a:prstGeom prst="rect">
@@ -12318,6 +12765,50 @@
             <a:noAutofit/>
           </a:bodyPr>
           <a:lstStyle/>
+          <a:p>
+            <a:pPr marL="457200" indent="-457200">
+              <a:lnSpc>
+                <a:spcPct val="100000"/>
+              </a:lnSpc>
+              <a:spcBef>
+                <a:spcPts val="1001"/>
+              </a:spcBef>
+              <a:buAutoNum type="arabicPeriod"/>
+              <a:tabLst>
+                <a:tab pos="0" algn="l"/>
+              </a:tabLst>
+            </a:pPr>
+            <a:r>
+              <a:rPr lang="vi-VN" sz="2400" b="1" strike="noStrike" spc="-1" dirty="0" smtClean="0">
+                <a:solidFill>
+                  <a:srgbClr val="FFFFFF"/>
+                </a:solidFill>
+                <a:latin typeface="Arial"/>
+              </a:rPr>
+              <a:t>Giới </a:t>
+            </a:r>
+            <a:r>
+              <a:rPr lang="vi-VN" sz="2400" b="1" strike="noStrike" spc="-1" dirty="0">
+                <a:solidFill>
+                  <a:srgbClr val="FFFFFF"/>
+                </a:solidFill>
+                <a:latin typeface="Arial"/>
+              </a:rPr>
+              <a:t>thiệu về </a:t>
+            </a:r>
+            <a:r>
+              <a:rPr lang="vi-VN" sz="2400" b="1" strike="noStrike" spc="-1" dirty="0" smtClean="0">
+                <a:solidFill>
+                  <a:srgbClr val="FFFFFF"/>
+                </a:solidFill>
+                <a:latin typeface="Arial"/>
+              </a:rPr>
+              <a:t>Expressjs</a:t>
+            </a:r>
+            <a:endParaRPr lang="vi-VN" sz="2400" b="0" strike="noStrike" spc="-1" dirty="0">
+              <a:latin typeface="Arial"/>
+            </a:endParaRPr>
+          </a:p>
           <a:p>
             <a:pPr>
               <a:lnSpc>
@@ -12331,165 +12822,134 @@
               </a:tabLst>
             </a:pPr>
             <a:r>
-              <a:rPr lang="vi-VN" sz="2400" b="1" strike="noStrike" spc="-1" dirty="0">
-                <a:solidFill>
-                  <a:srgbClr val="FFFFFF"/>
-                </a:solidFill>
-                <a:latin typeface="Arial"/>
-              </a:rPr>
-              <a:t>1. Giới thiệu về Expressjs</a:t>
-            </a:r>
-            <a:endParaRPr lang="vi-VN" sz="2400" b="0" strike="noStrike" spc="-1" dirty="0">
-              <a:latin typeface="Arial"/>
-            </a:endParaRPr>
-          </a:p>
-          <a:p>
-            <a:pPr>
-              <a:lnSpc>
-                <a:spcPct val="100000"/>
-              </a:lnSpc>
-              <a:spcBef>
-                <a:spcPts val="1001"/>
-              </a:spcBef>
-              <a:tabLst>
-                <a:tab pos="0" algn="l"/>
-              </a:tabLst>
-            </a:pPr>
-            <a:r>
               <a:rPr lang="vi-VN" sz="2000" b="0" strike="noStrike" spc="-1" dirty="0">
                 <a:solidFill>
                   <a:srgbClr val="FFFFFF"/>
                 </a:solidFill>
                 <a:latin typeface="Times New Roman"/>
               </a:rPr>
-              <a:t> - Expressjs là gì ?</a:t>
-            </a:r>
-            <a:endParaRPr lang="vi-VN" sz="2000" b="0" strike="noStrike" spc="-1" dirty="0">
-              <a:latin typeface="Arial"/>
-            </a:endParaRPr>
-          </a:p>
-          <a:p>
-            <a:pPr>
+              <a:t>	</a:t>
+            </a:r>
+            <a:r>
+              <a:rPr lang="vi-VN" sz="2400" b="0" strike="noStrike" spc="-1" dirty="0">
+                <a:solidFill>
+                  <a:srgbClr val="FFFFFF"/>
+                </a:solidFill>
+                <a:latin typeface="Times New Roman"/>
+              </a:rPr>
+              <a:t>Expressjs là một framework được xây dựng trên nền tảng của Nodejs. Nó cung cấp các tính năng mạnh mẽ để phát triển web hoặc mobile. Expressjs hỗ trợ các method HTTP và midleware tạo ra API vô cùng mạnh mẽ và dễ sử dụng</a:t>
+            </a:r>
+            <a:r>
+              <a:rPr lang="vi-VN" sz="2400" b="0" strike="noStrike" spc="-1" dirty="0" smtClean="0">
+                <a:solidFill>
+                  <a:srgbClr val="FFFFFF"/>
+                </a:solidFill>
+                <a:latin typeface="Times New Roman"/>
+              </a:rPr>
+              <a:t>.</a:t>
+            </a:r>
+            <a:endParaRPr lang="en-US" sz="2400" b="0" strike="noStrike" spc="-1" dirty="0" smtClean="0">
+              <a:solidFill>
+                <a:srgbClr val="FFFFFF"/>
+              </a:solidFill>
+              <a:latin typeface="Times New Roman"/>
+            </a:endParaRPr>
+          </a:p>
+          <a:p>
+            <a:pPr marL="800100" lvl="1" indent="-342900">
               <a:lnSpc>
                 <a:spcPct val="120000"/>
               </a:lnSpc>
               <a:spcBef>
                 <a:spcPts val="499"/>
               </a:spcBef>
+              <a:buFont typeface="Wingdings" panose="05000000000000000000" pitchFamily="2" charset="2"/>
+              <a:buChar char="v"/>
               <a:tabLst>
                 <a:tab pos="0" algn="l"/>
               </a:tabLst>
             </a:pPr>
             <a:r>
-              <a:rPr lang="vi-VN" sz="2000" b="0" strike="noStrike" spc="-1" dirty="0">
+              <a:rPr lang="en-US" sz="2400" spc="-1" dirty="0" err="1" smtClean="0">
                 <a:solidFill>
                   <a:srgbClr val="FFFFFF"/>
                 </a:solidFill>
                 <a:latin typeface="Times New Roman"/>
               </a:rPr>
-              <a:t> 	Expressjs là một framework được xây dựng trên nền tảng của Nodejs. Nó cung cấp các tính năng mạnh mẽ để phát triển web hoặc mobile. Expressjs hỗ trợ các method HTTP và midleware tạo ra API vô cùng mạnh mẽ và dễ sử dụng</a:t>
-            </a:r>
-            <a:r>
-              <a:rPr lang="vi-VN" sz="2000" b="0" strike="noStrike" spc="-1" dirty="0" smtClean="0">
+              <a:t>Về</a:t>
+            </a:r>
+            <a:r>
+              <a:rPr lang="en-US" sz="2400" spc="-1" dirty="0" smtClean="0">
                 <a:solidFill>
                   <a:srgbClr val="FFFFFF"/>
                 </a:solidFill>
                 <a:latin typeface="Times New Roman"/>
               </a:rPr>
-              <a:t>.</a:t>
-            </a:r>
-            <a:endParaRPr lang="en-US" sz="2000" b="0" strike="noStrike" spc="-1" dirty="0" smtClean="0">
-              <a:solidFill>
-                <a:srgbClr val="FFFFFF"/>
-              </a:solidFill>
-              <a:latin typeface="Times New Roman"/>
-            </a:endParaRPr>
-          </a:p>
-          <a:p>
-            <a:pPr>
+              <a:t> các package hỗ trợ: Expressjs có vô số các package hỗ trợ nên các bạn không phải lo lắng khi làm việc với Framework này.</a:t>
+            </a:r>
+          </a:p>
+          <a:p>
+            <a:pPr marL="800100" lvl="1" indent="-342900">
               <a:lnSpc>
                 <a:spcPct val="120000"/>
               </a:lnSpc>
               <a:spcBef>
                 <a:spcPts val="499"/>
               </a:spcBef>
+              <a:buFont typeface="Wingdings" panose="05000000000000000000" pitchFamily="2" charset="2"/>
+              <a:buChar char="v"/>
               <a:tabLst>
                 <a:tab pos="0" algn="l"/>
               </a:tabLst>
             </a:pPr>
             <a:r>
-              <a:rPr lang="en-US" sz="2000" spc="-1" dirty="0" smtClean="0">
+              <a:rPr lang="vi-VN" sz="2400" b="0" strike="noStrike" spc="-1" dirty="0" smtClean="0">
                 <a:solidFill>
                   <a:srgbClr val="FFFFFF"/>
                 </a:solidFill>
                 <a:latin typeface="Times New Roman"/>
               </a:rPr>
-              <a:t>		Về các package hỗ trợ: Expressjs có vô số các package hỗ trợ nên các bạn không phải lo lắng khi làm việc với Framework này.</a:t>
-            </a:r>
-          </a:p>
-          <a:p>
-            <a:pPr>
-              <a:lnSpc>
-                <a:spcPct val="120000"/>
-              </a:lnSpc>
-              <a:spcBef>
-                <a:spcPts val="499"/>
-              </a:spcBef>
-              <a:tabLst>
-                <a:tab pos="0" algn="l"/>
-              </a:tabLst>
-            </a:pPr>
-            <a:r>
-              <a:rPr lang="en-US" sz="2000" b="0" strike="noStrike" spc="-1" dirty="0" smtClean="0">
-                <a:solidFill>
-                  <a:srgbClr val="FFFFFF"/>
-                </a:solidFill>
-                <a:latin typeface="Times New Roman"/>
-              </a:rPr>
-              <a:t>		</a:t>
-            </a:r>
-            <a:r>
-              <a:rPr lang="vi-VN" sz="2000" b="0" strike="noStrike" spc="-1" dirty="0" smtClean="0">
-                <a:solidFill>
-                  <a:srgbClr val="FFFFFF"/>
-                </a:solidFill>
-                <a:latin typeface="Times New Roman"/>
-              </a:rPr>
               <a:t>Về performance: Express cung cấp thêm về các tính năng (feature) để dev lập trình tốt hơn. Chứ không làm giảm tốc độ của NodeJS.</a:t>
             </a:r>
-            <a:endParaRPr lang="vi-VN" sz="2000" b="0" strike="noStrike" spc="-1" dirty="0">
+            <a:endParaRPr lang="vi-VN" sz="2400" b="0" strike="noStrike" spc="-1" dirty="0">
               <a:latin typeface="Arial"/>
             </a:endParaRPr>
           </a:p>
           <a:p>
-            <a:pPr>
+            <a:pPr marL="800100" lvl="1" indent="-342900">
               <a:lnSpc>
                 <a:spcPct val="120000"/>
               </a:lnSpc>
               <a:spcBef>
                 <a:spcPts val="1001"/>
               </a:spcBef>
+              <a:buFont typeface="Wingdings" panose="05000000000000000000" pitchFamily="2" charset="2"/>
+              <a:buChar char="v"/>
               <a:tabLst>
                 <a:tab pos="0" algn="l"/>
               </a:tabLst>
             </a:pPr>
             <a:r>
-              <a:rPr lang="en-US" sz="2000" b="0" strike="noStrike" spc="-1" dirty="0" smtClean="0">
-                <a:latin typeface="Arial"/>
-              </a:rPr>
-              <a:t>		</a:t>
-            </a:r>
-            <a:r>
-              <a:rPr lang="en-US" sz="2000" b="0" strike="noStrike" spc="-1" dirty="0" smtClean="0">
+              <a:rPr lang="en-US" sz="2400" b="0" strike="noStrike" spc="-1" dirty="0" err="1" smtClean="0">
                 <a:solidFill>
                   <a:schemeClr val="bg1"/>
                 </a:solidFill>
                 <a:latin typeface="Times New Roman" panose="02020603050405020304" pitchFamily="18" charset="0"/>
                 <a:cs typeface="Times New Roman" panose="02020603050405020304" pitchFamily="18" charset="0"/>
               </a:rPr>
-              <a:t>Và hơn hết, các framework nổi tiếng của Nodejs hiện nay đều sử dụng Expressjs như một core function, chẳng hạn như: SailsJs, MEAN, ...</a:t>
-            </a:r>
-            <a:endParaRPr lang="vi-VN" sz="2000" b="0" strike="noStrike" spc="-1" dirty="0">
+              <a:t>Và</a:t>
+            </a:r>
+            <a:r>
+              <a:rPr lang="en-US" sz="2400" b="0" strike="noStrike" spc="-1" dirty="0" smtClean="0">
+                <a:solidFill>
+                  <a:schemeClr val="bg1"/>
+                </a:solidFill>
+                <a:latin typeface="Times New Roman" panose="02020603050405020304" pitchFamily="18" charset="0"/>
+                <a:cs typeface="Times New Roman" panose="02020603050405020304" pitchFamily="18" charset="0"/>
+              </a:rPr>
+              <a:t> hơn hết, các framework nổi tiếng của Nodejs hiện nay đều sử dụng Expressjs như một core function, chẳng hạn như: SailsJs, MEAN, ...</a:t>
+            </a:r>
+            <a:endParaRPr lang="vi-VN" sz="2400" b="0" strike="noStrike" spc="-1" dirty="0">
               <a:solidFill>
                 <a:schemeClr val="bg1"/>
               </a:solidFill>
@@ -12541,7 +13001,7 @@
       </p:grpSpPr>
       <p:pic>
         <p:nvPicPr>
-          <p:cNvPr id="204" name="Content Placeholder 4"/>
+          <p:cNvPr id="200" name="Content Placeholder 4"/>
           <p:cNvPicPr/>
           <p:nvPr/>
         </p:nvPicPr>
@@ -12564,7 +13024,7 @@
       </p:pic>
       <p:sp>
         <p:nvSpPr>
-          <p:cNvPr id="205" name="CustomShape 1"/>
+          <p:cNvPr id="201" name="CustomShape 1"/>
           <p:cNvSpPr/>
           <p:nvPr/>
         </p:nvSpPr>
@@ -12621,14 +13081,14 @@
       </p:sp>
       <p:sp>
         <p:nvSpPr>
-          <p:cNvPr id="206" name="CustomShape 2"/>
+          <p:cNvPr id="202" name="CustomShape 2"/>
           <p:cNvSpPr/>
           <p:nvPr/>
         </p:nvSpPr>
         <p:spPr>
           <a:xfrm>
-            <a:off x="5104080" y="5892840"/>
-            <a:ext cx="2514240" cy="364680"/>
+            <a:off x="5106600" y="5218560"/>
+            <a:ext cx="3047760" cy="364680"/>
           </a:xfrm>
           <a:prstGeom prst="rect">
             <a:avLst/>
@@ -12668,7 +13128,7 @@
                 </a:solidFill>
                 <a:latin typeface="Arial"/>
               </a:rPr>
-              <a:t>Use case Quản lý slide</a:t>
+              <a:t>Use case Quản lý sản phẩm</a:t>
             </a:r>
             <a:endParaRPr lang="vi-VN" sz="1800" b="0" strike="noStrike" spc="-1">
               <a:latin typeface="Arial"/>
@@ -12678,19 +13138,19 @@
       </p:sp>
       <p:pic>
         <p:nvPicPr>
-          <p:cNvPr id="207" name="Picture 6"/>
+          <p:cNvPr id="203" name="Picture 6"/>
           <p:cNvPicPr/>
           <p:nvPr/>
         </p:nvPicPr>
         <p:blipFill>
           <a:blip r:embed="rId3"/>
-          <a:srcRect l="3408" t="10888" r="3843" b="4817"/>
+          <a:srcRect l="2360" t="5697" r="36004" b="35105"/>
           <a:stretch/>
         </p:blipFill>
         <p:spPr>
           <a:xfrm>
-            <a:off x="1330200" y="1805760"/>
-            <a:ext cx="9531720" cy="4026600"/>
+            <a:off x="1995120" y="1909440"/>
+            <a:ext cx="8201520" cy="3038400"/>
           </a:xfrm>
           <a:prstGeom prst="rect">
             <a:avLst/>
@@ -12757,7 +13217,7 @@
       </p:grpSpPr>
       <p:pic>
         <p:nvPicPr>
-          <p:cNvPr id="208" name="Content Placeholder 4"/>
+          <p:cNvPr id="204" name="Content Placeholder 4"/>
           <p:cNvPicPr/>
           <p:nvPr/>
         </p:nvPicPr>
@@ -12780,7 +13240,7 @@
       </p:pic>
       <p:sp>
         <p:nvSpPr>
-          <p:cNvPr id="209" name="CustomShape 1"/>
+          <p:cNvPr id="205" name="CustomShape 1"/>
           <p:cNvSpPr/>
           <p:nvPr/>
         </p:nvSpPr>
@@ -12837,14 +13297,14 @@
       </p:sp>
       <p:sp>
         <p:nvSpPr>
-          <p:cNvPr id="210" name="CustomShape 2"/>
+          <p:cNvPr id="206" name="CustomShape 2"/>
           <p:cNvSpPr/>
           <p:nvPr/>
         </p:nvSpPr>
         <p:spPr>
           <a:xfrm>
-            <a:off x="4782600" y="5500440"/>
-            <a:ext cx="2131920" cy="364680"/>
+            <a:off x="5104080" y="5892840"/>
+            <a:ext cx="2514240" cy="364680"/>
           </a:xfrm>
           <a:prstGeom prst="rect">
             <a:avLst/>
@@ -12884,7 +13344,7 @@
                 </a:solidFill>
                 <a:latin typeface="Arial"/>
               </a:rPr>
-              <a:t>Use case Tìm kiếm</a:t>
+              <a:t>Use case Quản lý slide</a:t>
             </a:r>
             <a:endParaRPr lang="vi-VN" sz="1800" b="0" strike="noStrike" spc="-1">
               <a:latin typeface="Arial"/>
@@ -12894,25 +13354,48 @@
       </p:sp>
       <p:pic>
         <p:nvPicPr>
-          <p:cNvPr id="211" name="Picture 1"/>
+          <p:cNvPr id="207" name="Picture 6"/>
           <p:cNvPicPr/>
           <p:nvPr/>
         </p:nvPicPr>
         <p:blipFill>
           <a:blip r:embed="rId3"/>
+          <a:srcRect l="3408" t="10888" r="3843" b="4817"/>
           <a:stretch/>
         </p:blipFill>
         <p:spPr>
           <a:xfrm>
-            <a:off x="1550880" y="1778760"/>
-            <a:ext cx="9072720" cy="3468600"/>
-          </a:xfrm>
-          <a:prstGeom prst="rect">
-            <a:avLst/>
-          </a:prstGeom>
-          <a:ln>
-            <a:noFill/>
-          </a:ln>
+            <a:off x="1330200" y="1805760"/>
+            <a:ext cx="9531720" cy="4026600"/>
+          </a:xfrm>
+          <a:prstGeom prst="rect">
+            <a:avLst/>
+          </a:prstGeom>
+          <a:ln w="88920" cap="sq">
+            <a:solidFill>
+              <a:srgbClr val="FFFFFF"/>
+            </a:solidFill>
+            <a:miter/>
+          </a:ln>
+          <a:effectLst>
+            <a:outerShdw blurRad="55000" dist="18000" dir="5400000" algn="tl" rotWithShape="0">
+              <a:srgbClr val="000000">
+                <a:alpha val="40000"/>
+              </a:srgbClr>
+            </a:outerShdw>
+          </a:effectLst>
+          <a:scene3d>
+            <a:camera prst="orthographicFront"/>
+            <a:lightRig rig="twoPt" dir="t">
+              <a:rot lat="0" lon="0" rev="7200000"/>
+            </a:lightRig>
+          </a:scene3d>
+          <a:sp3d>
+            <a:bevelT w="25400" h="19050"/>
+            <a:contourClr>
+              <a:srgbClr val="FFFFFF"/>
+            </a:contourClr>
+          </a:sp3d>
         </p:spPr>
       </p:pic>
     </p:spTree>
@@ -12950,7 +13433,7 @@
       </p:grpSpPr>
       <p:pic>
         <p:nvPicPr>
-          <p:cNvPr id="212" name="Content Placeholder 4"/>
+          <p:cNvPr id="208" name="Content Placeholder 4"/>
           <p:cNvPicPr/>
           <p:nvPr/>
         </p:nvPicPr>
@@ -12973,7 +13456,7 @@
       </p:pic>
       <p:sp>
         <p:nvSpPr>
-          <p:cNvPr id="213" name="CustomShape 1"/>
+          <p:cNvPr id="209" name="CustomShape 1"/>
           <p:cNvSpPr/>
           <p:nvPr/>
         </p:nvSpPr>
@@ -13030,14 +13513,14 @@
       </p:sp>
       <p:sp>
         <p:nvSpPr>
-          <p:cNvPr id="214" name="CustomShape 2"/>
+          <p:cNvPr id="210" name="CustomShape 2"/>
           <p:cNvSpPr/>
           <p:nvPr/>
         </p:nvSpPr>
         <p:spPr>
           <a:xfrm>
-            <a:off x="5047560" y="5246640"/>
-            <a:ext cx="2730600" cy="364680"/>
+            <a:off x="4782600" y="5500440"/>
+            <a:ext cx="2131920" cy="364680"/>
           </a:xfrm>
           <a:prstGeom prst="rect">
             <a:avLst/>
@@ -13077,7 +13560,7 @@
                 </a:solidFill>
                 <a:latin typeface="Arial"/>
               </a:rPr>
-              <a:t>Use case Xem sản phẩm</a:t>
+              <a:t>Use case Tìm kiếm</a:t>
             </a:r>
             <a:endParaRPr lang="vi-VN" sz="1800" b="0" strike="noStrike" spc="-1">
               <a:latin typeface="Arial"/>
@@ -13087,7 +13570,7 @@
       </p:sp>
       <p:pic>
         <p:nvPicPr>
-          <p:cNvPr id="215" name="Picture 5"/>
+          <p:cNvPr id="211" name="Picture 1"/>
           <p:cNvPicPr/>
           <p:nvPr/>
         </p:nvPicPr>
@@ -13097,37 +13580,15 @@
         </p:blipFill>
         <p:spPr>
           <a:xfrm>
-            <a:off x="2507760" y="2022840"/>
-            <a:ext cx="7176240" cy="3020040"/>
-          </a:xfrm>
-          <a:prstGeom prst="rect">
-            <a:avLst/>
-          </a:prstGeom>
-          <a:ln w="88920" cap="sq">
-            <a:solidFill>
-              <a:srgbClr val="FFFFFF"/>
-            </a:solidFill>
-            <a:miter/>
-          </a:ln>
-          <a:effectLst>
-            <a:outerShdw blurRad="55000" dist="18000" dir="5400000" algn="tl" rotWithShape="0">
-              <a:srgbClr val="000000">
-                <a:alpha val="40000"/>
-              </a:srgbClr>
-            </a:outerShdw>
-          </a:effectLst>
-          <a:scene3d>
-            <a:camera prst="orthographicFront"/>
-            <a:lightRig rig="twoPt" dir="t">
-              <a:rot lat="0" lon="0" rev="7200000"/>
-            </a:lightRig>
-          </a:scene3d>
-          <a:sp3d>
-            <a:bevelT w="25400" h="19050"/>
-            <a:contourClr>
-              <a:srgbClr val="FFFFFF"/>
-            </a:contourClr>
-          </a:sp3d>
+            <a:off x="1550880" y="1778760"/>
+            <a:ext cx="9072720" cy="3468600"/>
+          </a:xfrm>
+          <a:prstGeom prst="rect">
+            <a:avLst/>
+          </a:prstGeom>
+          <a:ln>
+            <a:noFill/>
+          </a:ln>
         </p:spPr>
       </p:pic>
     </p:spTree>
@@ -13165,7 +13626,7 @@
       </p:grpSpPr>
       <p:pic>
         <p:nvPicPr>
-          <p:cNvPr id="216" name="Content Placeholder 4"/>
+          <p:cNvPr id="212" name="Content Placeholder 4"/>
           <p:cNvPicPr/>
           <p:nvPr/>
         </p:nvPicPr>
@@ -13188,7 +13649,7 @@
       </p:pic>
       <p:sp>
         <p:nvSpPr>
-          <p:cNvPr id="217" name="CustomShape 1"/>
+          <p:cNvPr id="213" name="CustomShape 1"/>
           <p:cNvSpPr/>
           <p:nvPr/>
         </p:nvSpPr>
@@ -13245,14 +13706,14 @@
       </p:sp>
       <p:sp>
         <p:nvSpPr>
-          <p:cNvPr id="218" name="CustomShape 2"/>
+          <p:cNvPr id="214" name="CustomShape 2"/>
           <p:cNvSpPr/>
           <p:nvPr/>
         </p:nvSpPr>
         <p:spPr>
           <a:xfrm>
-            <a:off x="4572000" y="5458680"/>
-            <a:ext cx="3047760" cy="364680"/>
+            <a:off x="5047560" y="5246640"/>
+            <a:ext cx="2730600" cy="364680"/>
           </a:xfrm>
           <a:prstGeom prst="rect">
             <a:avLst/>
@@ -13292,7 +13753,7 @@
                 </a:solidFill>
                 <a:latin typeface="Arial"/>
               </a:rPr>
-              <a:t>Use case Quản lý danh mục</a:t>
+              <a:t>Use case Xem sản phẩm</a:t>
             </a:r>
             <a:endParaRPr lang="vi-VN" sz="1800" b="0" strike="noStrike" spc="-1">
               <a:latin typeface="Arial"/>
@@ -13302,19 +13763,18 @@
       </p:sp>
       <p:pic>
         <p:nvPicPr>
-          <p:cNvPr id="219" name="Picture 7"/>
+          <p:cNvPr id="215" name="Picture 5"/>
           <p:cNvPicPr/>
           <p:nvPr/>
         </p:nvPicPr>
         <p:blipFill>
           <a:blip r:embed="rId3"/>
-          <a:srcRect l="2703" t="8368" r="23333" b="24691"/>
           <a:stretch/>
         </p:blipFill>
         <p:spPr>
           <a:xfrm>
-            <a:off x="2650680" y="1874880"/>
-            <a:ext cx="6824160" cy="3343320"/>
+            <a:off x="2507760" y="2022840"/>
+            <a:ext cx="7176240" cy="3020040"/>
           </a:xfrm>
           <a:prstGeom prst="rect">
             <a:avLst/>
@@ -13381,7 +13841,7 @@
       </p:grpSpPr>
       <p:pic>
         <p:nvPicPr>
-          <p:cNvPr id="220" name="Content Placeholder 4"/>
+          <p:cNvPr id="216" name="Content Placeholder 4"/>
           <p:cNvPicPr/>
           <p:nvPr/>
         </p:nvPicPr>
@@ -13404,7 +13864,7 @@
       </p:pic>
       <p:sp>
         <p:nvSpPr>
-          <p:cNvPr id="221" name="CustomShape 1"/>
+          <p:cNvPr id="217" name="CustomShape 1"/>
           <p:cNvSpPr/>
           <p:nvPr/>
         </p:nvSpPr>
@@ -13461,14 +13921,14 @@
       </p:sp>
       <p:sp>
         <p:nvSpPr>
-          <p:cNvPr id="222" name="CustomShape 2"/>
+          <p:cNvPr id="218" name="CustomShape 2"/>
           <p:cNvSpPr/>
           <p:nvPr/>
         </p:nvSpPr>
         <p:spPr>
           <a:xfrm>
-            <a:off x="4953240" y="5421600"/>
-            <a:ext cx="2919600" cy="364680"/>
+            <a:off x="4572000" y="5458680"/>
+            <a:ext cx="3047760" cy="364680"/>
           </a:xfrm>
           <a:prstGeom prst="rect">
             <a:avLst/>
@@ -13508,7 +13968,7 @@
                 </a:solidFill>
                 <a:latin typeface="Arial"/>
               </a:rPr>
-              <a:t>Use case Quản lý giỏ hàng</a:t>
+              <a:t>Use case Quản lý danh mục</a:t>
             </a:r>
             <a:endParaRPr lang="vi-VN" sz="1800" b="0" strike="noStrike" spc="-1">
               <a:latin typeface="Arial"/>
@@ -13518,19 +13978,19 @@
       </p:sp>
       <p:pic>
         <p:nvPicPr>
-          <p:cNvPr id="223" name="Picture 6"/>
+          <p:cNvPr id="219" name="Picture 7"/>
           <p:cNvPicPr/>
           <p:nvPr/>
         </p:nvPicPr>
         <p:blipFill>
           <a:blip r:embed="rId3"/>
-          <a:srcRect l="2903" t="5947" r="22985" b="22920"/>
+          <a:srcRect l="2703" t="8368" r="23333" b="24691"/>
           <a:stretch/>
         </p:blipFill>
         <p:spPr>
           <a:xfrm>
-            <a:off x="2852640" y="1784880"/>
-            <a:ext cx="7120800" cy="3361680"/>
+            <a:off x="2650680" y="1874880"/>
+            <a:ext cx="6824160" cy="3343320"/>
           </a:xfrm>
           <a:prstGeom prst="rect">
             <a:avLst/>
@@ -13597,7 +14057,7 @@
       </p:grpSpPr>
       <p:pic>
         <p:nvPicPr>
-          <p:cNvPr id="224" name="Content Placeholder 4"/>
+          <p:cNvPr id="220" name="Content Placeholder 4"/>
           <p:cNvPicPr/>
           <p:nvPr/>
         </p:nvPicPr>
@@ -13620,7 +14080,7 @@
       </p:pic>
       <p:sp>
         <p:nvSpPr>
-          <p:cNvPr id="225" name="CustomShape 1"/>
+          <p:cNvPr id="221" name="CustomShape 1"/>
           <p:cNvSpPr/>
           <p:nvPr/>
         </p:nvSpPr>
@@ -13677,14 +14137,14 @@
       </p:sp>
       <p:sp>
         <p:nvSpPr>
-          <p:cNvPr id="226" name="CustomShape 2"/>
+          <p:cNvPr id="222" name="CustomShape 2"/>
           <p:cNvSpPr/>
           <p:nvPr/>
         </p:nvSpPr>
         <p:spPr>
           <a:xfrm>
-            <a:off x="4656960" y="5315760"/>
-            <a:ext cx="3018600" cy="364680"/>
+            <a:off x="4953240" y="5421600"/>
+            <a:ext cx="2919600" cy="364680"/>
           </a:xfrm>
           <a:prstGeom prst="rect">
             <a:avLst/>
@@ -13724,7 +14184,7 @@
                 </a:solidFill>
                 <a:latin typeface="Arial"/>
               </a:rPr>
-              <a:t>Use case Quản lý đơn hàng</a:t>
+              <a:t>Use case Quản lý giỏ hàng</a:t>
             </a:r>
             <a:endParaRPr lang="vi-VN" sz="1800" b="0" strike="noStrike" spc="-1">
               <a:latin typeface="Arial"/>
@@ -13734,19 +14194,19 @@
       </p:sp>
       <p:pic>
         <p:nvPicPr>
-          <p:cNvPr id="227" name="Picture 5"/>
+          <p:cNvPr id="223" name="Picture 6"/>
           <p:cNvPicPr/>
           <p:nvPr/>
         </p:nvPicPr>
         <p:blipFill>
           <a:blip r:embed="rId3"/>
-          <a:srcRect l="3023" t="7340" r="23481" b="21194"/>
+          <a:srcRect l="2903" t="5947" r="22985" b="22920"/>
           <a:stretch/>
         </p:blipFill>
         <p:spPr>
           <a:xfrm>
-            <a:off x="2744640" y="1905120"/>
-            <a:ext cx="6843960" cy="3047760"/>
+            <a:off x="2852640" y="1784880"/>
+            <a:ext cx="7120800" cy="3361680"/>
           </a:xfrm>
           <a:prstGeom prst="rect">
             <a:avLst/>
@@ -13813,7 +14273,7 @@
       </p:grpSpPr>
       <p:pic>
         <p:nvPicPr>
-          <p:cNvPr id="228" name="Content Placeholder 4"/>
+          <p:cNvPr id="224" name="Content Placeholder 4"/>
           <p:cNvPicPr/>
           <p:nvPr/>
         </p:nvPicPr>
@@ -13836,7 +14296,7 @@
       </p:pic>
       <p:sp>
         <p:nvSpPr>
-          <p:cNvPr id="229" name="CustomShape 1"/>
+          <p:cNvPr id="225" name="CustomShape 1"/>
           <p:cNvSpPr/>
           <p:nvPr/>
         </p:nvSpPr>
@@ -13893,14 +14353,14 @@
       </p:sp>
       <p:sp>
         <p:nvSpPr>
-          <p:cNvPr id="230" name="CustomShape 2"/>
+          <p:cNvPr id="226" name="CustomShape 2"/>
           <p:cNvSpPr/>
           <p:nvPr/>
         </p:nvSpPr>
         <p:spPr>
           <a:xfrm>
-            <a:off x="5102640" y="5500440"/>
-            <a:ext cx="2209680" cy="364680"/>
+            <a:off x="4656960" y="5315760"/>
+            <a:ext cx="3018600" cy="364680"/>
           </a:xfrm>
           <a:prstGeom prst="rect">
             <a:avLst/>
@@ -13940,7 +14400,7 @@
                 </a:solidFill>
                 <a:latin typeface="Arial"/>
               </a:rPr>
-              <a:t>Use case Mua hàng</a:t>
+              <a:t>Use case Quản lý đơn hàng</a:t>
             </a:r>
             <a:endParaRPr lang="vi-VN" sz="1800" b="0" strike="noStrike" spc="-1">
               <a:latin typeface="Arial"/>
@@ -13950,25 +14410,48 @@
       </p:sp>
       <p:pic>
         <p:nvPicPr>
-          <p:cNvPr id="231" name="Picture 7"/>
+          <p:cNvPr id="227" name="Picture 5"/>
           <p:cNvPicPr/>
           <p:nvPr/>
         </p:nvPicPr>
         <p:blipFill>
           <a:blip r:embed="rId3"/>
+          <a:srcRect l="3023" t="7340" r="23481" b="21194"/>
           <a:stretch/>
         </p:blipFill>
         <p:spPr>
           <a:xfrm>
-            <a:off x="1697760" y="1995480"/>
-            <a:ext cx="9075960" cy="3227760"/>
-          </a:xfrm>
-          <a:prstGeom prst="rect">
-            <a:avLst/>
-          </a:prstGeom>
-          <a:ln>
-            <a:noFill/>
-          </a:ln>
+            <a:off x="2744640" y="1905120"/>
+            <a:ext cx="6843960" cy="3047760"/>
+          </a:xfrm>
+          <a:prstGeom prst="rect">
+            <a:avLst/>
+          </a:prstGeom>
+          <a:ln w="88920" cap="sq">
+            <a:solidFill>
+              <a:srgbClr val="FFFFFF"/>
+            </a:solidFill>
+            <a:miter/>
+          </a:ln>
+          <a:effectLst>
+            <a:outerShdw blurRad="55000" dist="18000" dir="5400000" algn="tl" rotWithShape="0">
+              <a:srgbClr val="000000">
+                <a:alpha val="40000"/>
+              </a:srgbClr>
+            </a:outerShdw>
+          </a:effectLst>
+          <a:scene3d>
+            <a:camera prst="orthographicFront"/>
+            <a:lightRig rig="twoPt" dir="t">
+              <a:rot lat="0" lon="0" rev="7200000"/>
+            </a:lightRig>
+          </a:scene3d>
+          <a:sp3d>
+            <a:bevelT w="25400" h="19050"/>
+            <a:contourClr>
+              <a:srgbClr val="FFFFFF"/>
+            </a:contourClr>
+          </a:sp3d>
         </p:spPr>
       </p:pic>
     </p:spTree>
@@ -14006,7 +14489,7 @@
       </p:grpSpPr>
       <p:pic>
         <p:nvPicPr>
-          <p:cNvPr id="232" name="Content Placeholder 4"/>
+          <p:cNvPr id="228" name="Content Placeholder 4"/>
           <p:cNvPicPr/>
           <p:nvPr/>
         </p:nvPicPr>
@@ -14029,7 +14512,7 @@
       </p:pic>
       <p:sp>
         <p:nvSpPr>
-          <p:cNvPr id="233" name="CustomShape 1"/>
+          <p:cNvPr id="229" name="CustomShape 1"/>
           <p:cNvSpPr/>
           <p:nvPr/>
         </p:nvSpPr>
@@ -14086,14 +14569,14 @@
       </p:sp>
       <p:sp>
         <p:nvSpPr>
-          <p:cNvPr id="234" name="CustomShape 2"/>
+          <p:cNvPr id="230" name="CustomShape 2"/>
           <p:cNvSpPr/>
           <p:nvPr/>
         </p:nvSpPr>
         <p:spPr>
           <a:xfrm>
-            <a:off x="4800960" y="5685120"/>
-            <a:ext cx="3224520" cy="364680"/>
+            <a:off x="5102640" y="5500440"/>
+            <a:ext cx="2209680" cy="364680"/>
           </a:xfrm>
           <a:prstGeom prst="rect">
             <a:avLst/>
@@ -14133,7 +14616,7 @@
                 </a:solidFill>
                 <a:latin typeface="Arial"/>
               </a:rPr>
-              <a:t>Use case Quản lý khách hàng</a:t>
+              <a:t>Use case Mua hàng</a:t>
             </a:r>
             <a:endParaRPr lang="vi-VN" sz="1800" b="0" strike="noStrike" spc="-1">
               <a:latin typeface="Arial"/>
@@ -14143,7 +14626,7 @@
       </p:sp>
       <p:pic>
         <p:nvPicPr>
-          <p:cNvPr id="235" name="Picture 1"/>
+          <p:cNvPr id="231" name="Picture 7"/>
           <p:cNvPicPr/>
           <p:nvPr/>
         </p:nvPicPr>
@@ -14153,8 +14636,8 @@
         </p:blipFill>
         <p:spPr>
           <a:xfrm>
-            <a:off x="1232280" y="1997280"/>
-            <a:ext cx="9727200" cy="2863440"/>
+            <a:off x="1697760" y="1995480"/>
+            <a:ext cx="9075960" cy="3227760"/>
           </a:xfrm>
           <a:prstGeom prst="rect">
             <a:avLst/>
@@ -14199,7 +14682,7 @@
       </p:grpSpPr>
       <p:pic>
         <p:nvPicPr>
-          <p:cNvPr id="236" name="Content Placeholder 4"/>
+          <p:cNvPr id="232" name="Content Placeholder 4"/>
           <p:cNvPicPr/>
           <p:nvPr/>
         </p:nvPicPr>
@@ -14222,14 +14705,14 @@
       </p:pic>
       <p:sp>
         <p:nvSpPr>
-          <p:cNvPr id="237" name="CustomShape 1"/>
+          <p:cNvPr id="233" name="CustomShape 1"/>
           <p:cNvSpPr/>
           <p:nvPr/>
         </p:nvSpPr>
         <p:spPr>
           <a:xfrm>
-            <a:off x="920520" y="1172880"/>
-            <a:ext cx="5042520" cy="456120"/>
+            <a:off x="922680" y="1172880"/>
+            <a:ext cx="5463360" cy="456120"/>
           </a:xfrm>
           <a:prstGeom prst="rect">
             <a:avLst/>
@@ -14269,7 +14752,7 @@
                 </a:solidFill>
                 <a:latin typeface="Arial"/>
               </a:rPr>
-              <a:t>Biểu đồ tuần tự của các Use case</a:t>
+              <a:t>Biểu đồ hoạt động của các Use case</a:t>
             </a:r>
             <a:endParaRPr lang="vi-VN" sz="2400" b="0" strike="noStrike" spc="-1">
               <a:latin typeface="Arial"/>
@@ -14279,14 +14762,14 @@
       </p:sp>
       <p:sp>
         <p:nvSpPr>
-          <p:cNvPr id="238" name="CustomShape 2"/>
+          <p:cNvPr id="234" name="CustomShape 2"/>
           <p:cNvSpPr/>
           <p:nvPr/>
         </p:nvSpPr>
         <p:spPr>
           <a:xfrm>
-            <a:off x="5066640" y="5828040"/>
-            <a:ext cx="2310120" cy="364680"/>
+            <a:off x="4800960" y="5685120"/>
+            <a:ext cx="3224520" cy="364680"/>
           </a:xfrm>
           <a:prstGeom prst="rect">
             <a:avLst/>
@@ -14326,7 +14809,7 @@
                 </a:solidFill>
                 <a:latin typeface="Arial"/>
               </a:rPr>
-              <a:t>Use case Đăng nhập</a:t>
+              <a:t>Use case Quản lý khách hàng</a:t>
             </a:r>
             <a:endParaRPr lang="vi-VN" sz="1800" b="0" strike="noStrike" spc="-1">
               <a:latin typeface="Arial"/>
@@ -14336,48 +14819,25 @@
       </p:sp>
       <p:pic>
         <p:nvPicPr>
-          <p:cNvPr id="239" name="Picture 5"/>
+          <p:cNvPr id="235" name="Picture 1"/>
           <p:cNvPicPr/>
           <p:nvPr/>
         </p:nvPicPr>
         <p:blipFill>
           <a:blip r:embed="rId3"/>
-          <a:srcRect r="34892" b="37863"/>
           <a:stretch/>
         </p:blipFill>
         <p:spPr>
           <a:xfrm>
-            <a:off x="2118600" y="1810440"/>
-            <a:ext cx="7739640" cy="3874320"/>
-          </a:xfrm>
-          <a:prstGeom prst="rect">
-            <a:avLst/>
-          </a:prstGeom>
-          <a:ln w="88920" cap="sq">
-            <a:solidFill>
-              <a:srgbClr val="FFFFFF"/>
-            </a:solidFill>
-            <a:miter/>
-          </a:ln>
-          <a:effectLst>
-            <a:outerShdw blurRad="55000" dist="18000" dir="5400000" algn="tl" rotWithShape="0">
-              <a:srgbClr val="000000">
-                <a:alpha val="40000"/>
-              </a:srgbClr>
-            </a:outerShdw>
-          </a:effectLst>
-          <a:scene3d>
-            <a:camera prst="orthographicFront"/>
-            <a:lightRig rig="twoPt" dir="t">
-              <a:rot lat="0" lon="0" rev="7200000"/>
-            </a:lightRig>
-          </a:scene3d>
-          <a:sp3d>
-            <a:bevelT w="25400" h="19050"/>
-            <a:contourClr>
-              <a:srgbClr val="FFFFFF"/>
-            </a:contourClr>
-          </a:sp3d>
+            <a:off x="1232280" y="1997280"/>
+            <a:ext cx="9727200" cy="2863440"/>
+          </a:xfrm>
+          <a:prstGeom prst="rect">
+            <a:avLst/>
+          </a:prstGeom>
+          <a:ln>
+            <a:noFill/>
+          </a:ln>
         </p:spPr>
       </p:pic>
     </p:spTree>
@@ -14415,7 +14875,7 @@
       </p:grpSpPr>
       <p:pic>
         <p:nvPicPr>
-          <p:cNvPr id="240" name="Content Placeholder 4"/>
+          <p:cNvPr id="236" name="Content Placeholder 4"/>
           <p:cNvPicPr/>
           <p:nvPr/>
         </p:nvPicPr>
@@ -14438,7 +14898,7 @@
       </p:pic>
       <p:sp>
         <p:nvSpPr>
-          <p:cNvPr id="241" name="CustomShape 1"/>
+          <p:cNvPr id="237" name="CustomShape 1"/>
           <p:cNvSpPr/>
           <p:nvPr/>
         </p:nvSpPr>
@@ -14495,14 +14955,14 @@
       </p:sp>
       <p:sp>
         <p:nvSpPr>
-          <p:cNvPr id="242" name="CustomShape 2"/>
+          <p:cNvPr id="238" name="CustomShape 2"/>
           <p:cNvSpPr/>
           <p:nvPr/>
         </p:nvSpPr>
         <p:spPr>
           <a:xfrm>
-            <a:off x="4572000" y="6137640"/>
-            <a:ext cx="3047760" cy="364680"/>
+            <a:off x="5066640" y="5828040"/>
+            <a:ext cx="2310120" cy="364680"/>
           </a:xfrm>
           <a:prstGeom prst="rect">
             <a:avLst/>
@@ -14542,7 +15002,7 @@
                 </a:solidFill>
                 <a:latin typeface="Arial"/>
               </a:rPr>
-              <a:t>Use case Quản lý sản phẩm</a:t>
+              <a:t>Use case Đăng nhập</a:t>
             </a:r>
             <a:endParaRPr lang="vi-VN" sz="1800" b="0" strike="noStrike" spc="-1">
               <a:latin typeface="Arial"/>
@@ -14552,19 +15012,19 @@
       </p:sp>
       <p:pic>
         <p:nvPicPr>
-          <p:cNvPr id="243" name="Picture 5"/>
+          <p:cNvPr id="239" name="Picture 5"/>
           <p:cNvPicPr/>
           <p:nvPr/>
         </p:nvPicPr>
         <p:blipFill>
           <a:blip r:embed="rId3"/>
-          <a:srcRect l="3031" t="2648" r="35278" b="64849"/>
+          <a:srcRect r="34892" b="37863"/>
           <a:stretch/>
         </p:blipFill>
         <p:spPr>
           <a:xfrm>
-            <a:off x="3219120" y="1851840"/>
-            <a:ext cx="5538600" cy="4142160"/>
+            <a:off x="2118600" y="1810440"/>
+            <a:ext cx="7739640" cy="3874320"/>
           </a:xfrm>
           <a:prstGeom prst="rect">
             <a:avLst/>
@@ -14721,15 +15181,25 @@
         </p:blipFill>
         <p:spPr>
           <a:xfrm>
-            <a:off x="2621160" y="2194560"/>
-            <a:ext cx="6949440" cy="3400200"/>
-          </a:xfrm>
-          <a:prstGeom prst="rect">
-            <a:avLst/>
-          </a:prstGeom>
+            <a:off x="2091399" y="1935360"/>
+            <a:ext cx="7479201" cy="3659400"/>
+          </a:xfrm>
+          <a:prstGeom prst="roundRect">
+            <a:avLst>
+              <a:gd name="adj" fmla="val 8594"/>
+            </a:avLst>
+          </a:prstGeom>
+          <a:solidFill>
+            <a:srgbClr val="FFFFFF">
+              <a:shade val="85000"/>
+            </a:srgbClr>
+          </a:solidFill>
           <a:ln>
             <a:noFill/>
           </a:ln>
+          <a:effectLst>
+            <a:reflection blurRad="12700" stA="38000" endPos="28000" dist="5000" dir="5400000" sy="-100000" algn="bl" rotWithShape="0"/>
+          </a:effectLst>
         </p:spPr>
       </p:pic>
     </p:spTree>
@@ -14774,7 +15244,7 @@
       </p:grpSpPr>
       <p:pic>
         <p:nvPicPr>
-          <p:cNvPr id="244" name="Content Placeholder 4"/>
+          <p:cNvPr id="240" name="Content Placeholder 4"/>
           <p:cNvPicPr/>
           <p:nvPr/>
         </p:nvPicPr>
@@ -14797,7 +15267,7 @@
       </p:pic>
       <p:sp>
         <p:nvSpPr>
-          <p:cNvPr id="245" name="CustomShape 1"/>
+          <p:cNvPr id="241" name="CustomShape 1"/>
           <p:cNvSpPr/>
           <p:nvPr/>
         </p:nvSpPr>
@@ -14854,13 +15324,13 @@
       </p:sp>
       <p:sp>
         <p:nvSpPr>
-          <p:cNvPr id="246" name="CustomShape 2"/>
+          <p:cNvPr id="242" name="CustomShape 2"/>
           <p:cNvSpPr/>
           <p:nvPr/>
         </p:nvSpPr>
         <p:spPr>
           <a:xfrm>
-            <a:off x="4572000" y="6063840"/>
+            <a:off x="4572000" y="6137640"/>
             <a:ext cx="3047760" cy="364680"/>
           </a:xfrm>
           <a:prstGeom prst="rect">
@@ -14911,18 +15381,18 @@
       </p:sp>
       <p:pic>
         <p:nvPicPr>
-          <p:cNvPr id="247" name="Picture 8"/>
+          <p:cNvPr id="243" name="Picture 5"/>
           <p:cNvPicPr/>
           <p:nvPr/>
         </p:nvPicPr>
         <p:blipFill>
           <a:blip r:embed="rId3"/>
-          <a:srcRect l="1317" t="29103" r="37001" b="38393"/>
+          <a:srcRect l="3031" t="2648" r="35278" b="64849"/>
           <a:stretch/>
         </p:blipFill>
         <p:spPr>
           <a:xfrm>
-            <a:off x="3219120" y="1741320"/>
+            <a:off x="3219120" y="1851840"/>
             <a:ext cx="5538600" cy="4142160"/>
           </a:xfrm>
           <a:prstGeom prst="rect">
@@ -14990,7 +15460,7 @@
       </p:grpSpPr>
       <p:pic>
         <p:nvPicPr>
-          <p:cNvPr id="248" name="Content Placeholder 4"/>
+          <p:cNvPr id="244" name="Content Placeholder 4"/>
           <p:cNvPicPr/>
           <p:nvPr/>
         </p:nvPicPr>
@@ -15013,7 +15483,7 @@
       </p:pic>
       <p:sp>
         <p:nvSpPr>
-          <p:cNvPr id="249" name="CustomShape 1"/>
+          <p:cNvPr id="245" name="CustomShape 1"/>
           <p:cNvSpPr/>
           <p:nvPr/>
         </p:nvSpPr>
@@ -15070,14 +15540,14 @@
       </p:sp>
       <p:sp>
         <p:nvSpPr>
-          <p:cNvPr id="250" name="CustomShape 2"/>
+          <p:cNvPr id="246" name="CustomShape 2"/>
           <p:cNvSpPr/>
           <p:nvPr/>
         </p:nvSpPr>
         <p:spPr>
           <a:xfrm>
-            <a:off x="5104080" y="6057000"/>
-            <a:ext cx="2514240" cy="364680"/>
+            <a:off x="4572000" y="6063840"/>
+            <a:ext cx="3047760" cy="364680"/>
           </a:xfrm>
           <a:prstGeom prst="rect">
             <a:avLst/>
@@ -15117,7 +15587,7 @@
                 </a:solidFill>
                 <a:latin typeface="Arial"/>
               </a:rPr>
-              <a:t>Use case Quản lý slide</a:t>
+              <a:t>Use case Quản lý sản phẩm</a:t>
             </a:r>
             <a:endParaRPr lang="vi-VN" sz="1800" b="0" strike="noStrike" spc="-1">
               <a:latin typeface="Arial"/>
@@ -15127,19 +15597,19 @@
       </p:sp>
       <p:pic>
         <p:nvPicPr>
-          <p:cNvPr id="251" name="Picture 5"/>
+          <p:cNvPr id="247" name="Picture 8"/>
           <p:cNvPicPr/>
           <p:nvPr/>
         </p:nvPicPr>
         <p:blipFill>
           <a:blip r:embed="rId3"/>
-          <a:srcRect l="3089" t="4487" r="8345" b="53906"/>
+          <a:srcRect l="1317" t="29103" r="37001" b="38393"/>
           <a:stretch/>
         </p:blipFill>
         <p:spPr>
           <a:xfrm>
-            <a:off x="3047760" y="1698120"/>
-            <a:ext cx="6626880" cy="4294800"/>
+            <a:off x="3219120" y="1741320"/>
+            <a:ext cx="5538600" cy="4142160"/>
           </a:xfrm>
           <a:prstGeom prst="rect">
             <a:avLst/>
@@ -15206,7 +15676,7 @@
       </p:grpSpPr>
       <p:pic>
         <p:nvPicPr>
-          <p:cNvPr id="252" name="Content Placeholder 4"/>
+          <p:cNvPr id="248" name="Content Placeholder 4"/>
           <p:cNvPicPr/>
           <p:nvPr/>
         </p:nvPicPr>
@@ -15229,7 +15699,7 @@
       </p:pic>
       <p:sp>
         <p:nvSpPr>
-          <p:cNvPr id="253" name="CustomShape 1"/>
+          <p:cNvPr id="249" name="CustomShape 1"/>
           <p:cNvSpPr/>
           <p:nvPr/>
         </p:nvSpPr>
@@ -15286,7 +15756,7 @@
       </p:sp>
       <p:sp>
         <p:nvSpPr>
-          <p:cNvPr id="254" name="CustomShape 2"/>
+          <p:cNvPr id="250" name="CustomShape 2"/>
           <p:cNvSpPr/>
           <p:nvPr/>
         </p:nvSpPr>
@@ -15343,19 +15813,19 @@
       </p:sp>
       <p:pic>
         <p:nvPicPr>
-          <p:cNvPr id="255" name="Picture 6"/>
+          <p:cNvPr id="251" name="Picture 5"/>
           <p:cNvPicPr/>
           <p:nvPr/>
         </p:nvPicPr>
         <p:blipFill>
           <a:blip r:embed="rId3"/>
-          <a:srcRect l="9260" t="45909" r="2174" b="10504"/>
+          <a:srcRect l="3089" t="4487" r="8345" b="53906"/>
           <a:stretch/>
         </p:blipFill>
         <p:spPr>
           <a:xfrm>
             <a:off x="3047760" y="1698120"/>
-            <a:ext cx="6626880" cy="4258800"/>
+            <a:ext cx="6626880" cy="4294800"/>
           </a:xfrm>
           <a:prstGeom prst="rect">
             <a:avLst/>
@@ -15422,7 +15892,7 @@
       </p:grpSpPr>
       <p:pic>
         <p:nvPicPr>
-          <p:cNvPr id="256" name="Content Placeholder 4"/>
+          <p:cNvPr id="252" name="Content Placeholder 4"/>
           <p:cNvPicPr/>
           <p:nvPr/>
         </p:nvPicPr>
@@ -15445,7 +15915,7 @@
       </p:pic>
       <p:sp>
         <p:nvSpPr>
-          <p:cNvPr id="257" name="CustomShape 1"/>
+          <p:cNvPr id="253" name="CustomShape 1"/>
           <p:cNvSpPr/>
           <p:nvPr/>
         </p:nvSpPr>
@@ -15502,14 +15972,14 @@
       </p:sp>
       <p:sp>
         <p:nvSpPr>
-          <p:cNvPr id="258" name="CustomShape 2"/>
+          <p:cNvPr id="254" name="CustomShape 2"/>
           <p:cNvSpPr/>
           <p:nvPr/>
         </p:nvSpPr>
         <p:spPr>
           <a:xfrm>
-            <a:off x="5029920" y="6037560"/>
-            <a:ext cx="2131920" cy="364680"/>
+            <a:off x="5104080" y="6057000"/>
+            <a:ext cx="2514240" cy="364680"/>
           </a:xfrm>
           <a:prstGeom prst="rect">
             <a:avLst/>
@@ -15549,7 +16019,7 @@
                 </a:solidFill>
                 <a:latin typeface="Arial"/>
               </a:rPr>
-              <a:t>Use case Tìm kiếm</a:t>
+              <a:t>Use case Quản lý slide</a:t>
             </a:r>
             <a:endParaRPr lang="vi-VN" sz="1800" b="0" strike="noStrike" spc="-1">
               <a:latin typeface="Arial"/>
@@ -15559,25 +16029,48 @@
       </p:sp>
       <p:pic>
         <p:nvPicPr>
-          <p:cNvPr id="259" name="Picture 9"/>
+          <p:cNvPr id="255" name="Picture 6"/>
           <p:cNvPicPr/>
           <p:nvPr/>
         </p:nvPicPr>
         <p:blipFill>
           <a:blip r:embed="rId3"/>
+          <a:srcRect l="9260" t="45909" r="2174" b="10504"/>
           <a:stretch/>
         </p:blipFill>
         <p:spPr>
           <a:xfrm>
-            <a:off x="3281040" y="1634760"/>
-            <a:ext cx="5629680" cy="4402440"/>
-          </a:xfrm>
-          <a:prstGeom prst="rect">
-            <a:avLst/>
-          </a:prstGeom>
-          <a:ln>
-            <a:noFill/>
-          </a:ln>
+            <a:off x="3047760" y="1698120"/>
+            <a:ext cx="6626880" cy="4258800"/>
+          </a:xfrm>
+          <a:prstGeom prst="rect">
+            <a:avLst/>
+          </a:prstGeom>
+          <a:ln w="88920" cap="sq">
+            <a:solidFill>
+              <a:srgbClr val="FFFFFF"/>
+            </a:solidFill>
+            <a:miter/>
+          </a:ln>
+          <a:effectLst>
+            <a:outerShdw blurRad="55000" dist="18000" dir="5400000" algn="tl" rotWithShape="0">
+              <a:srgbClr val="000000">
+                <a:alpha val="40000"/>
+              </a:srgbClr>
+            </a:outerShdw>
+          </a:effectLst>
+          <a:scene3d>
+            <a:camera prst="orthographicFront"/>
+            <a:lightRig rig="twoPt" dir="t">
+              <a:rot lat="0" lon="0" rev="7200000"/>
+            </a:lightRig>
+          </a:scene3d>
+          <a:sp3d>
+            <a:bevelT w="25400" h="19050"/>
+            <a:contourClr>
+              <a:srgbClr val="FFFFFF"/>
+            </a:contourClr>
+          </a:sp3d>
         </p:spPr>
       </p:pic>
     </p:spTree>
@@ -15615,7 +16108,7 @@
       </p:grpSpPr>
       <p:pic>
         <p:nvPicPr>
-          <p:cNvPr id="260" name="Content Placeholder 4"/>
+          <p:cNvPr id="256" name="Content Placeholder 4"/>
           <p:cNvPicPr/>
           <p:nvPr/>
         </p:nvPicPr>
@@ -15638,13 +16131,13 @@
       </p:pic>
       <p:sp>
         <p:nvSpPr>
-          <p:cNvPr id="261" name="CustomShape 1"/>
+          <p:cNvPr id="257" name="CustomShape 1"/>
           <p:cNvSpPr/>
           <p:nvPr/>
         </p:nvSpPr>
         <p:spPr>
           <a:xfrm>
-            <a:off x="880560" y="1172880"/>
+            <a:off x="920520" y="1172880"/>
             <a:ext cx="5042520" cy="456120"/>
           </a:xfrm>
           <a:prstGeom prst="rect">
@@ -15695,7 +16188,7 @@
       </p:sp>
       <p:sp>
         <p:nvSpPr>
-          <p:cNvPr id="262" name="CustomShape 2"/>
+          <p:cNvPr id="258" name="CustomShape 2"/>
           <p:cNvSpPr/>
           <p:nvPr/>
         </p:nvSpPr>
@@ -15752,7 +16245,7 @@
       </p:sp>
       <p:pic>
         <p:nvPicPr>
-          <p:cNvPr id="263" name="Picture 8"/>
+          <p:cNvPr id="259" name="Picture 9"/>
           <p:cNvPicPr/>
           <p:nvPr/>
         </p:nvPicPr>
@@ -15762,8 +16255,8 @@
         </p:blipFill>
         <p:spPr>
           <a:xfrm>
-            <a:off x="2523600" y="1716480"/>
-            <a:ext cx="7144560" cy="4239000"/>
+            <a:off x="3281040" y="1634760"/>
+            <a:ext cx="5629680" cy="4402440"/>
           </a:xfrm>
           <a:prstGeom prst="rect">
             <a:avLst/>
@@ -15808,7 +16301,7 @@
       </p:grpSpPr>
       <p:pic>
         <p:nvPicPr>
-          <p:cNvPr id="264" name="Content Placeholder 4"/>
+          <p:cNvPr id="260" name="Content Placeholder 4"/>
           <p:cNvPicPr/>
           <p:nvPr/>
         </p:nvPicPr>
@@ -15831,13 +16324,13 @@
       </p:pic>
       <p:sp>
         <p:nvSpPr>
-          <p:cNvPr id="265" name="CustomShape 1"/>
+          <p:cNvPr id="261" name="CustomShape 1"/>
           <p:cNvSpPr/>
           <p:nvPr/>
         </p:nvSpPr>
         <p:spPr>
           <a:xfrm>
-            <a:off x="920520" y="1172880"/>
+            <a:off x="880560" y="1172880"/>
             <a:ext cx="5042520" cy="456120"/>
           </a:xfrm>
           <a:prstGeom prst="rect">
@@ -15888,14 +16381,14 @@
       </p:sp>
       <p:sp>
         <p:nvSpPr>
-          <p:cNvPr id="266" name="CustomShape 2"/>
+          <p:cNvPr id="262" name="CustomShape 2"/>
           <p:cNvSpPr/>
           <p:nvPr/>
         </p:nvSpPr>
         <p:spPr>
           <a:xfrm>
-            <a:off x="4730400" y="5883480"/>
-            <a:ext cx="2730600" cy="364680"/>
+            <a:off x="5029920" y="6037560"/>
+            <a:ext cx="2131920" cy="364680"/>
           </a:xfrm>
           <a:prstGeom prst="rect">
             <a:avLst/>
@@ -15935,7 +16428,7 @@
                 </a:solidFill>
                 <a:latin typeface="Arial"/>
               </a:rPr>
-              <a:t>Use case Xem sản phẩm</a:t>
+              <a:t>Use case Tìm kiếm</a:t>
             </a:r>
             <a:endParaRPr lang="vi-VN" sz="1800" b="0" strike="noStrike" spc="-1">
               <a:latin typeface="Arial"/>
@@ -15945,48 +16438,25 @@
       </p:sp>
       <p:pic>
         <p:nvPicPr>
-          <p:cNvPr id="267" name="Picture 5"/>
+          <p:cNvPr id="263" name="Picture 8"/>
           <p:cNvPicPr/>
           <p:nvPr/>
         </p:nvPicPr>
         <p:blipFill>
           <a:blip r:embed="rId3"/>
-          <a:srcRect l="5711" t="3866" r="7264" b="11050"/>
           <a:stretch/>
         </p:blipFill>
         <p:spPr>
           <a:xfrm>
-            <a:off x="2866680" y="1921320"/>
-            <a:ext cx="6243480" cy="3763440"/>
-          </a:xfrm>
-          <a:prstGeom prst="rect">
-            <a:avLst/>
-          </a:prstGeom>
-          <a:ln w="88920" cap="sq">
-            <a:solidFill>
-              <a:srgbClr val="FFFFFF"/>
-            </a:solidFill>
-            <a:miter/>
-          </a:ln>
-          <a:effectLst>
-            <a:outerShdw blurRad="55000" dist="18000" dir="5400000" algn="tl" rotWithShape="0">
-              <a:srgbClr val="000000">
-                <a:alpha val="40000"/>
-              </a:srgbClr>
-            </a:outerShdw>
-          </a:effectLst>
-          <a:scene3d>
-            <a:camera prst="orthographicFront"/>
-            <a:lightRig rig="twoPt" dir="t">
-              <a:rot lat="0" lon="0" rev="7200000"/>
-            </a:lightRig>
-          </a:scene3d>
-          <a:sp3d>
-            <a:bevelT w="25400" h="19050"/>
-            <a:contourClr>
-              <a:srgbClr val="FFFFFF"/>
-            </a:contourClr>
-          </a:sp3d>
+            <a:off x="2523600" y="1716480"/>
+            <a:ext cx="7144560" cy="4239000"/>
+          </a:xfrm>
+          <a:prstGeom prst="rect">
+            <a:avLst/>
+          </a:prstGeom>
+          <a:ln>
+            <a:noFill/>
+          </a:ln>
         </p:spPr>
       </p:pic>
     </p:spTree>
@@ -16024,7 +16494,7 @@
       </p:grpSpPr>
       <p:pic>
         <p:nvPicPr>
-          <p:cNvPr id="268" name="Content Placeholder 4"/>
+          <p:cNvPr id="264" name="Content Placeholder 4"/>
           <p:cNvPicPr/>
           <p:nvPr/>
         </p:nvPicPr>
@@ -16047,7 +16517,7 @@
       </p:pic>
       <p:sp>
         <p:nvSpPr>
-          <p:cNvPr id="269" name="CustomShape 1"/>
+          <p:cNvPr id="265" name="CustomShape 1"/>
           <p:cNvSpPr/>
           <p:nvPr/>
         </p:nvSpPr>
@@ -16104,14 +16574,14 @@
       </p:sp>
       <p:sp>
         <p:nvSpPr>
-          <p:cNvPr id="270" name="CustomShape 2"/>
+          <p:cNvPr id="266" name="CustomShape 2"/>
           <p:cNvSpPr/>
           <p:nvPr/>
         </p:nvSpPr>
         <p:spPr>
           <a:xfrm>
-            <a:off x="4977720" y="5685120"/>
-            <a:ext cx="2235600" cy="364680"/>
+            <a:off x="4730400" y="5883480"/>
+            <a:ext cx="2730600" cy="364680"/>
           </a:xfrm>
           <a:prstGeom prst="rect">
             <a:avLst/>
@@ -16151,7 +16621,7 @@
                 </a:solidFill>
                 <a:latin typeface="Arial"/>
               </a:rPr>
-              <a:t>Use case Danh mục</a:t>
+              <a:t>Use case Xem sản phẩm</a:t>
             </a:r>
             <a:endParaRPr lang="vi-VN" sz="1800" b="0" strike="noStrike" spc="-1">
               <a:latin typeface="Arial"/>
@@ -16161,19 +16631,19 @@
       </p:sp>
       <p:pic>
         <p:nvPicPr>
-          <p:cNvPr id="271" name="Picture 5"/>
+          <p:cNvPr id="267" name="Picture 5"/>
           <p:cNvPicPr/>
           <p:nvPr/>
         </p:nvPicPr>
         <p:blipFill>
           <a:blip r:embed="rId3"/>
-          <a:srcRect l="5680" t="3003" r="22879" b="62646"/>
+          <a:srcRect l="5711" t="3866" r="7264" b="11050"/>
           <a:stretch/>
         </p:blipFill>
         <p:spPr>
           <a:xfrm>
-            <a:off x="2931480" y="1761120"/>
-            <a:ext cx="6114240" cy="3796920"/>
+            <a:off x="2866680" y="1921320"/>
+            <a:ext cx="6243480" cy="3763440"/>
           </a:xfrm>
           <a:prstGeom prst="rect">
             <a:avLst/>
@@ -16240,7 +16710,7 @@
       </p:grpSpPr>
       <p:pic>
         <p:nvPicPr>
-          <p:cNvPr id="272" name="Content Placeholder 4"/>
+          <p:cNvPr id="268" name="Content Placeholder 4"/>
           <p:cNvPicPr/>
           <p:nvPr/>
         </p:nvPicPr>
@@ -16263,7 +16733,7 @@
       </p:pic>
       <p:sp>
         <p:nvSpPr>
-          <p:cNvPr id="273" name="CustomShape 1"/>
+          <p:cNvPr id="269" name="CustomShape 1"/>
           <p:cNvSpPr/>
           <p:nvPr/>
         </p:nvSpPr>
@@ -16320,7 +16790,7 @@
       </p:sp>
       <p:sp>
         <p:nvSpPr>
-          <p:cNvPr id="274" name="CustomShape 2"/>
+          <p:cNvPr id="270" name="CustomShape 2"/>
           <p:cNvSpPr/>
           <p:nvPr/>
         </p:nvSpPr>
@@ -16377,19 +16847,19 @@
       </p:sp>
       <p:pic>
         <p:nvPicPr>
-          <p:cNvPr id="275" name="Picture 6"/>
+          <p:cNvPr id="271" name="Picture 5"/>
           <p:cNvPicPr/>
           <p:nvPr/>
         </p:nvPicPr>
         <p:blipFill>
           <a:blip r:embed="rId3"/>
-          <a:srcRect l="6328" t="34911" r="22231" b="28128"/>
+          <a:srcRect l="5680" t="3003" r="22879" b="62646"/>
           <a:stretch/>
         </p:blipFill>
         <p:spPr>
           <a:xfrm>
             <a:off x="2931480" y="1761120"/>
-            <a:ext cx="6114240" cy="3808080"/>
+            <a:ext cx="6114240" cy="3796920"/>
           </a:xfrm>
           <a:prstGeom prst="rect">
             <a:avLst/>
@@ -16456,7 +16926,7 @@
       </p:grpSpPr>
       <p:pic>
         <p:nvPicPr>
-          <p:cNvPr id="276" name="Content Placeholder 4"/>
+          <p:cNvPr id="272" name="Content Placeholder 4"/>
           <p:cNvPicPr/>
           <p:nvPr/>
         </p:nvPicPr>
@@ -16479,7 +16949,7 @@
       </p:pic>
       <p:sp>
         <p:nvSpPr>
-          <p:cNvPr id="277" name="CustomShape 1"/>
+          <p:cNvPr id="273" name="CustomShape 1"/>
           <p:cNvSpPr/>
           <p:nvPr/>
         </p:nvSpPr>
@@ -16536,14 +17006,14 @@
       </p:sp>
       <p:sp>
         <p:nvSpPr>
-          <p:cNvPr id="278" name="CustomShape 2"/>
+          <p:cNvPr id="274" name="CustomShape 2"/>
           <p:cNvSpPr/>
           <p:nvPr/>
         </p:nvSpPr>
         <p:spPr>
           <a:xfrm>
-            <a:off x="4703760" y="6012360"/>
-            <a:ext cx="2919600" cy="364680"/>
+            <a:off x="4977720" y="5685120"/>
+            <a:ext cx="2235600" cy="364680"/>
           </a:xfrm>
           <a:prstGeom prst="rect">
             <a:avLst/>
@@ -16583,7 +17053,7 @@
                 </a:solidFill>
                 <a:latin typeface="Arial"/>
               </a:rPr>
-              <a:t>Use case Quản lý giỏ hàng</a:t>
+              <a:t>Use case Danh mục</a:t>
             </a:r>
             <a:endParaRPr lang="vi-VN" sz="1800" b="0" strike="noStrike" spc="-1">
               <a:latin typeface="Arial"/>
@@ -16593,19 +17063,19 @@
       </p:sp>
       <p:pic>
         <p:nvPicPr>
-          <p:cNvPr id="279" name="Picture 5"/>
+          <p:cNvPr id="275" name="Picture 6"/>
           <p:cNvPicPr/>
           <p:nvPr/>
         </p:nvPicPr>
         <p:blipFill>
           <a:blip r:embed="rId3"/>
-          <a:srcRect l="4594" t="3039" r="25665" b="27174"/>
+          <a:srcRect l="6328" t="34911" r="22231" b="28128"/>
           <a:stretch/>
         </p:blipFill>
         <p:spPr>
           <a:xfrm>
-            <a:off x="2798640" y="1634760"/>
-            <a:ext cx="6945480" cy="4336200"/>
+            <a:off x="2931480" y="1761120"/>
+            <a:ext cx="6114240" cy="3808080"/>
           </a:xfrm>
           <a:prstGeom prst="rect">
             <a:avLst/>
@@ -16672,7 +17142,7 @@
       </p:grpSpPr>
       <p:pic>
         <p:nvPicPr>
-          <p:cNvPr id="280" name="Content Placeholder 4"/>
+          <p:cNvPr id="276" name="Content Placeholder 4"/>
           <p:cNvPicPr/>
           <p:nvPr/>
         </p:nvPicPr>
@@ -16695,7 +17165,7 @@
       </p:pic>
       <p:sp>
         <p:nvSpPr>
-          <p:cNvPr id="281" name="CustomShape 1"/>
+          <p:cNvPr id="277" name="CustomShape 1"/>
           <p:cNvSpPr/>
           <p:nvPr/>
         </p:nvSpPr>
@@ -16752,14 +17222,14 @@
       </p:sp>
       <p:sp>
         <p:nvSpPr>
-          <p:cNvPr id="282" name="CustomShape 2"/>
+          <p:cNvPr id="278" name="CustomShape 2"/>
           <p:cNvSpPr/>
           <p:nvPr/>
         </p:nvSpPr>
         <p:spPr>
           <a:xfrm>
-            <a:off x="4586400" y="6077520"/>
-            <a:ext cx="3018600" cy="364680"/>
+            <a:off x="4703760" y="6012360"/>
+            <a:ext cx="2919600" cy="364680"/>
           </a:xfrm>
           <a:prstGeom prst="rect">
             <a:avLst/>
@@ -16799,7 +17269,7 @@
                 </a:solidFill>
                 <a:latin typeface="Arial"/>
               </a:rPr>
-              <a:t>Use case Quản lý đơn hàng</a:t>
+              <a:t>Use case Quản lý giỏ hàng</a:t>
             </a:r>
             <a:endParaRPr lang="vi-VN" sz="1800" b="0" strike="noStrike" spc="-1">
               <a:latin typeface="Arial"/>
@@ -16809,19 +17279,19 @@
       </p:sp>
       <p:pic>
         <p:nvPicPr>
-          <p:cNvPr id="283" name="Picture 5"/>
+          <p:cNvPr id="279" name="Picture 5"/>
           <p:cNvPicPr/>
           <p:nvPr/>
         </p:nvPicPr>
         <p:blipFill>
           <a:blip r:embed="rId3"/>
-          <a:srcRect l="6162" t="2880" r="22399" b="29409"/>
+          <a:srcRect l="4594" t="3039" r="25665" b="27174"/>
           <a:stretch/>
         </p:blipFill>
         <p:spPr>
           <a:xfrm>
-            <a:off x="2808000" y="1634760"/>
-            <a:ext cx="6575760" cy="4350240"/>
+            <a:off x="2798640" y="1634760"/>
+            <a:ext cx="6945480" cy="4336200"/>
           </a:xfrm>
           <a:prstGeom prst="rect">
             <a:avLst/>
@@ -17011,57 +17481,60 @@
             </a:r>
           </a:p>
           <a:p>
-            <a:pPr marL="1143000" indent="-1143000">
+            <a:pPr marL="854075" indent="-412750">
               <a:lnSpc>
                 <a:spcPct val="120000"/>
               </a:lnSpc>
               <a:spcBef>
                 <a:spcPts val="1001"/>
               </a:spcBef>
-              <a:buFont typeface="Arial" panose="020B0604020202020204" pitchFamily="34" charset="0"/>
-              <a:buChar char="•"/>
+              <a:buFont typeface="Wingdings" panose="05000000000000000000" pitchFamily="2" charset="2"/>
+              <a:buChar char="v"/>
               <a:tabLst>
                 <a:tab pos="0" algn="l"/>
               </a:tabLst>
             </a:pPr>
             <a:r>
-              <a:rPr lang="vi-VN" sz="9600" b="0" strike="noStrike" spc="-1" dirty="0" smtClean="0">
-                <a:solidFill>
-                  <a:srgbClr val="FFFFFF"/>
-                </a:solidFill>
-                <a:latin typeface="+mj-lt"/>
+              <a:rPr lang="vi-VN" sz="9600" strike="noStrike" spc="-1" dirty="0" smtClean="0">
+                <a:solidFill>
+                  <a:srgbClr val="FFFFFF"/>
+                </a:solidFill>
+                <a:latin typeface="Arial" panose="020B0604020202020204" pitchFamily="34" charset="0"/>
+                <a:cs typeface="Arial" panose="020B0604020202020204" pitchFamily="34" charset="0"/>
               </a:rPr>
               <a:t>Thực tế chúng ta có thể thấy Express.js hỗ trợ JavaScript. Mà JavaScript lại là một ngôn ngữ được sử dụng rộng rãi, rất dễ học và cũng được hỗ trợ ở mọi nơi. Do đó, nếu bạn đã biết JavaScript thì việc lập trình bằng Express.js sẽ thực sự dễ dàng.</a:t>
             </a:r>
           </a:p>
           <a:p>
-            <a:pPr marL="1143000" indent="-1143000">
+            <a:pPr marL="854075" indent="-412750">
               <a:lnSpc>
                 <a:spcPct val="120000"/>
               </a:lnSpc>
               <a:spcBef>
                 <a:spcPts val="1001"/>
               </a:spcBef>
-              <a:buFont typeface="Arial" panose="020B0604020202020204" pitchFamily="34" charset="0"/>
-              <a:buChar char="•"/>
+              <a:buFont typeface="Wingdings" panose="05000000000000000000" pitchFamily="2" charset="2"/>
+              <a:buChar char="v"/>
               <a:tabLst>
                 <a:tab pos="0" algn="l"/>
               </a:tabLst>
             </a:pPr>
             <a:r>
-              <a:rPr lang="vi-VN" sz="9600" b="0" strike="noStrike" spc="-1" dirty="0" smtClean="0">
-                <a:solidFill>
-                  <a:srgbClr val="FFFFFF"/>
-                </a:solidFill>
-                <a:latin typeface="+mj-lt"/>
+              <a:rPr lang="vi-VN" sz="9600" strike="noStrike" spc="-1" dirty="0" smtClean="0">
+                <a:solidFill>
+                  <a:srgbClr val="FFFFFF"/>
+                </a:solidFill>
+                <a:latin typeface="Arial" panose="020B0604020202020204" pitchFamily="34" charset="0"/>
+                <a:cs typeface="Arial" panose="020B0604020202020204" pitchFamily="34" charset="0"/>
               </a:rPr>
               <a:t>Ngay cả những người mới bắt đầu tham gia vào lĩnh vực phát triển ứng dụng web cũng có thể sử dụng Express.js vì nó hỗ trợ JavaScript. Javascript rất dễ học đối với bất kỳ ai ngay cả khi họ không có bất kỳ kiến ​​thức nào về bất kỳ ngôn ngữ nào khác. Vì vậy, Express.js cho phép các tài năng trẻ tham gia vào lĩnh vực phát triển ứng dụng web và đạt được thành công.</a:t>
             </a:r>
-            <a:endParaRPr lang="en-US" sz="9600" b="0" strike="noStrike" spc="-1" dirty="0" smtClean="0">
+            <a:endParaRPr lang="en-US" sz="9600" strike="noStrike" spc="-1" dirty="0" smtClean="0">
               <a:solidFill>
                 <a:srgbClr val="FFFFFF"/>
               </a:solidFill>
-              <a:latin typeface="+mj-lt"/>
+              <a:latin typeface="Arial" panose="020B0604020202020204" pitchFamily="34" charset="0"/>
+              <a:cs typeface="Arial" panose="020B0604020202020204" pitchFamily="34" charset="0"/>
             </a:endParaRPr>
           </a:p>
         </p:txBody>
@@ -17164,7 +17637,7 @@
       </p:grpSpPr>
       <p:pic>
         <p:nvPicPr>
-          <p:cNvPr id="284" name="Content Placeholder 4"/>
+          <p:cNvPr id="280" name="Content Placeholder 4"/>
           <p:cNvPicPr/>
           <p:nvPr/>
         </p:nvPicPr>
@@ -17187,7 +17660,7 @@
       </p:pic>
       <p:sp>
         <p:nvSpPr>
-          <p:cNvPr id="285" name="CustomShape 1"/>
+          <p:cNvPr id="281" name="CustomShape 1"/>
           <p:cNvSpPr/>
           <p:nvPr/>
         </p:nvSpPr>
@@ -17244,14 +17717,14 @@
       </p:sp>
       <p:sp>
         <p:nvSpPr>
-          <p:cNvPr id="286" name="CustomShape 2"/>
+          <p:cNvPr id="282" name="CustomShape 2"/>
           <p:cNvSpPr/>
           <p:nvPr/>
         </p:nvSpPr>
         <p:spPr>
           <a:xfrm>
-            <a:off x="4991040" y="6142320"/>
-            <a:ext cx="2209680" cy="364680"/>
+            <a:off x="4586400" y="6077520"/>
+            <a:ext cx="3018600" cy="364680"/>
           </a:xfrm>
           <a:prstGeom prst="rect">
             <a:avLst/>
@@ -17291,7 +17764,7 @@
                 </a:solidFill>
                 <a:latin typeface="Arial"/>
               </a:rPr>
-              <a:t>Use case Mua hàng</a:t>
+              <a:t>Use case Quản lý đơn hàng</a:t>
             </a:r>
             <a:endParaRPr lang="vi-VN" sz="1800" b="0" strike="noStrike" spc="-1">
               <a:latin typeface="Arial"/>
@@ -17301,19 +17774,19 @@
       </p:sp>
       <p:pic>
         <p:nvPicPr>
-          <p:cNvPr id="287" name="Picture 5"/>
+          <p:cNvPr id="283" name="Picture 5"/>
           <p:cNvPicPr/>
           <p:nvPr/>
         </p:nvPicPr>
         <p:blipFill>
           <a:blip r:embed="rId3"/>
-          <a:srcRect l="5954" t="3520" r="7365" b="11830"/>
+          <a:srcRect l="6162" t="2880" r="22399" b="29409"/>
           <a:stretch/>
         </p:blipFill>
         <p:spPr>
           <a:xfrm>
-            <a:off x="3189960" y="1634760"/>
-            <a:ext cx="5811840" cy="4377600"/>
+            <a:off x="2808000" y="1634760"/>
+            <a:ext cx="6575760" cy="4350240"/>
           </a:xfrm>
           <a:prstGeom prst="rect">
             <a:avLst/>
@@ -17380,7 +17853,7 @@
       </p:grpSpPr>
       <p:pic>
         <p:nvPicPr>
-          <p:cNvPr id="288" name="Content Placeholder 4"/>
+          <p:cNvPr id="284" name="Content Placeholder 4"/>
           <p:cNvPicPr/>
           <p:nvPr/>
         </p:nvPicPr>
@@ -17403,7 +17876,7 @@
       </p:pic>
       <p:sp>
         <p:nvSpPr>
-          <p:cNvPr id="289" name="CustomShape 1"/>
+          <p:cNvPr id="285" name="CustomShape 1"/>
           <p:cNvSpPr/>
           <p:nvPr/>
         </p:nvSpPr>
@@ -17460,14 +17933,14 @@
       </p:sp>
       <p:sp>
         <p:nvSpPr>
-          <p:cNvPr id="290" name="CustomShape 2"/>
+          <p:cNvPr id="286" name="CustomShape 2"/>
           <p:cNvSpPr/>
           <p:nvPr/>
         </p:nvSpPr>
         <p:spPr>
           <a:xfrm>
-            <a:off x="4083120" y="6037200"/>
-            <a:ext cx="3224520" cy="364680"/>
+            <a:off x="4991040" y="6142320"/>
+            <a:ext cx="2209680" cy="364680"/>
           </a:xfrm>
           <a:prstGeom prst="rect">
             <a:avLst/>
@@ -17507,7 +17980,7 @@
                 </a:solidFill>
                 <a:latin typeface="Arial"/>
               </a:rPr>
-              <a:t>Use case Quản lý khách hàng</a:t>
+              <a:t>Use case Mua hàng</a:t>
             </a:r>
             <a:endParaRPr lang="vi-VN" sz="1800" b="0" strike="noStrike" spc="-1">
               <a:latin typeface="Arial"/>
@@ -17517,25 +17990,48 @@
       </p:sp>
       <p:pic>
         <p:nvPicPr>
-          <p:cNvPr id="291" name="Picture 6"/>
+          <p:cNvPr id="287" name="Picture 5"/>
           <p:cNvPicPr/>
           <p:nvPr/>
         </p:nvPicPr>
         <p:blipFill>
           <a:blip r:embed="rId3"/>
+          <a:srcRect l="5954" t="3520" r="7365" b="11830"/>
           <a:stretch/>
         </p:blipFill>
         <p:spPr>
           <a:xfrm>
-            <a:off x="2710080" y="1683720"/>
-            <a:ext cx="5658120" cy="4353120"/>
-          </a:xfrm>
-          <a:prstGeom prst="rect">
-            <a:avLst/>
-          </a:prstGeom>
-          <a:ln>
-            <a:noFill/>
-          </a:ln>
+            <a:off x="3189960" y="1634760"/>
+            <a:ext cx="5811840" cy="4377600"/>
+          </a:xfrm>
+          <a:prstGeom prst="rect">
+            <a:avLst/>
+          </a:prstGeom>
+          <a:ln w="88920" cap="sq">
+            <a:solidFill>
+              <a:srgbClr val="FFFFFF"/>
+            </a:solidFill>
+            <a:miter/>
+          </a:ln>
+          <a:effectLst>
+            <a:outerShdw blurRad="55000" dist="18000" dir="5400000" algn="tl" rotWithShape="0">
+              <a:srgbClr val="000000">
+                <a:alpha val="40000"/>
+              </a:srgbClr>
+            </a:outerShdw>
+          </a:effectLst>
+          <a:scene3d>
+            <a:camera prst="orthographicFront"/>
+            <a:lightRig rig="twoPt" dir="t">
+              <a:rot lat="0" lon="0" rev="7200000"/>
+            </a:lightRig>
+          </a:scene3d>
+          <a:sp3d>
+            <a:bevelT w="25400" h="19050"/>
+            <a:contourClr>
+              <a:srgbClr val="FFFFFF"/>
+            </a:contourClr>
+          </a:sp3d>
         </p:spPr>
       </p:pic>
     </p:spTree>
@@ -17555,6 +18051,199 @@
 </file>
 
 <file path=ppt/slides/slide52.xml><?xml version="1.0" encoding="utf-8"?>
+<p:sld xmlns:a="http://schemas.openxmlformats.org/drawingml/2006/main" xmlns:r="http://schemas.openxmlformats.org/officeDocument/2006/relationships" xmlns:p="http://schemas.openxmlformats.org/presentationml/2006/main">
+  <p:cSld>
+    <p:spTree>
+      <p:nvGrpSpPr>
+        <p:cNvPr id="1" name=""/>
+        <p:cNvGrpSpPr/>
+        <p:nvPr/>
+      </p:nvGrpSpPr>
+      <p:grpSpPr>
+        <a:xfrm>
+          <a:off x="0" y="0"/>
+          <a:ext cx="0" cy="0"/>
+          <a:chOff x="0" y="0"/>
+          <a:chExt cx="0" cy="0"/>
+        </a:xfrm>
+      </p:grpSpPr>
+      <p:pic>
+        <p:nvPicPr>
+          <p:cNvPr id="288" name="Content Placeholder 4"/>
+          <p:cNvPicPr/>
+          <p:nvPr/>
+        </p:nvPicPr>
+        <p:blipFill>
+          <a:blip r:embed="rId2"/>
+          <a:stretch/>
+        </p:blipFill>
+        <p:spPr>
+          <a:xfrm>
+            <a:off x="11379240" y="60480"/>
+            <a:ext cx="700920" cy="700920"/>
+          </a:xfrm>
+          <a:prstGeom prst="rect">
+            <a:avLst/>
+          </a:prstGeom>
+          <a:ln>
+            <a:noFill/>
+          </a:ln>
+        </p:spPr>
+      </p:pic>
+      <p:sp>
+        <p:nvSpPr>
+          <p:cNvPr id="289" name="CustomShape 1"/>
+          <p:cNvSpPr/>
+          <p:nvPr/>
+        </p:nvSpPr>
+        <p:spPr>
+          <a:xfrm>
+            <a:off x="920520" y="1172880"/>
+            <a:ext cx="5042520" cy="456120"/>
+          </a:xfrm>
+          <a:prstGeom prst="rect">
+            <a:avLst/>
+          </a:prstGeom>
+          <a:noFill/>
+          <a:ln>
+            <a:noFill/>
+          </a:ln>
+        </p:spPr>
+        <p:style>
+          <a:lnRef idx="0">
+            <a:scrgbClr r="0" g="0" b="0"/>
+          </a:lnRef>
+          <a:fillRef idx="0">
+            <a:scrgbClr r="0" g="0" b="0"/>
+          </a:fillRef>
+          <a:effectRef idx="0">
+            <a:scrgbClr r="0" g="0" b="0"/>
+          </a:effectRef>
+          <a:fontRef idx="minor"/>
+        </p:style>
+        <p:txBody>
+          <a:bodyPr wrap="none" lIns="90000" tIns="45000" rIns="90000" bIns="45000">
+            <a:spAutoFit/>
+          </a:bodyPr>
+          <a:lstStyle/>
+          <a:p>
+            <a:pPr>
+              <a:lnSpc>
+                <a:spcPct val="100000"/>
+              </a:lnSpc>
+            </a:pPr>
+            <a:r>
+              <a:rPr lang="vi-VN" sz="2400" b="1" strike="noStrike" spc="-1">
+                <a:solidFill>
+                  <a:srgbClr val="FFFFFF"/>
+                </a:solidFill>
+                <a:latin typeface="Arial"/>
+              </a:rPr>
+              <a:t>Biểu đồ tuần tự của các Use case</a:t>
+            </a:r>
+            <a:endParaRPr lang="vi-VN" sz="2400" b="0" strike="noStrike" spc="-1">
+              <a:latin typeface="Arial"/>
+            </a:endParaRPr>
+          </a:p>
+        </p:txBody>
+      </p:sp>
+      <p:sp>
+        <p:nvSpPr>
+          <p:cNvPr id="290" name="CustomShape 2"/>
+          <p:cNvSpPr/>
+          <p:nvPr/>
+        </p:nvSpPr>
+        <p:spPr>
+          <a:xfrm>
+            <a:off x="4083120" y="6037200"/>
+            <a:ext cx="3224520" cy="364680"/>
+          </a:xfrm>
+          <a:prstGeom prst="rect">
+            <a:avLst/>
+          </a:prstGeom>
+          <a:noFill/>
+          <a:ln>
+            <a:noFill/>
+          </a:ln>
+        </p:spPr>
+        <p:style>
+          <a:lnRef idx="0">
+            <a:scrgbClr r="0" g="0" b="0"/>
+          </a:lnRef>
+          <a:fillRef idx="0">
+            <a:scrgbClr r="0" g="0" b="0"/>
+          </a:fillRef>
+          <a:effectRef idx="0">
+            <a:scrgbClr r="0" g="0" b="0"/>
+          </a:effectRef>
+          <a:fontRef idx="minor"/>
+        </p:style>
+        <p:txBody>
+          <a:bodyPr wrap="none" lIns="90000" tIns="45000" rIns="90000" bIns="45000">
+            <a:spAutoFit/>
+          </a:bodyPr>
+          <a:lstStyle/>
+          <a:p>
+            <a:pPr>
+              <a:lnSpc>
+                <a:spcPct val="100000"/>
+              </a:lnSpc>
+            </a:pPr>
+            <a:r>
+              <a:rPr lang="vi-VN" sz="1800" b="0" strike="noStrike" spc="-1">
+                <a:solidFill>
+                  <a:srgbClr val="FFFFFF"/>
+                </a:solidFill>
+                <a:latin typeface="Arial"/>
+              </a:rPr>
+              <a:t>Use case Quản lý khách hàng</a:t>
+            </a:r>
+            <a:endParaRPr lang="vi-VN" sz="1800" b="0" strike="noStrike" spc="-1">
+              <a:latin typeface="Arial"/>
+            </a:endParaRPr>
+          </a:p>
+        </p:txBody>
+      </p:sp>
+      <p:pic>
+        <p:nvPicPr>
+          <p:cNvPr id="291" name="Picture 6"/>
+          <p:cNvPicPr/>
+          <p:nvPr/>
+        </p:nvPicPr>
+        <p:blipFill>
+          <a:blip r:embed="rId3"/>
+          <a:stretch/>
+        </p:blipFill>
+        <p:spPr>
+          <a:xfrm>
+            <a:off x="2710080" y="1683720"/>
+            <a:ext cx="5658120" cy="4353120"/>
+          </a:xfrm>
+          <a:prstGeom prst="rect">
+            <a:avLst/>
+          </a:prstGeom>
+          <a:ln>
+            <a:noFill/>
+          </a:ln>
+        </p:spPr>
+      </p:pic>
+    </p:spTree>
+  </p:cSld>
+  <p:clrMapOvr>
+    <a:masterClrMapping/>
+  </p:clrMapOvr>
+  <mc:AlternateContent xmlns:mc="http://schemas.openxmlformats.org/markup-compatibility/2006" xmlns:p14="http://schemas.microsoft.com/office/powerpoint/2010/main">
+    <mc:Choice Requires="p14">
+      <p:transition spd="slow" p14:dur="2000"/>
+    </mc:Choice>
+    <mc:Fallback xmlns="" xmlns:p15="http://schemas.microsoft.com/office/powerpoint/2012/main">
+      <p:transition spd="slow"/>
+    </mc:Fallback>
+  </mc:AlternateContent>
+</p:sld>
+</file>
+
+<file path=ppt/slides/slide53.xml><?xml version="1.0" encoding="utf-8"?>
 <p:sld xmlns:a="http://schemas.openxmlformats.org/drawingml/2006/main" xmlns:r="http://schemas.openxmlformats.org/officeDocument/2006/relationships" xmlns:p="http://schemas.openxmlformats.org/presentationml/2006/main">
   <p:cSld>
     <p:spTree>
@@ -17806,13 +18495,15 @@
             </a:endParaRPr>
           </a:p>
           <a:p>
-            <a:pPr>
+            <a:pPr marL="457200" indent="-277813">
               <a:lnSpc>
                 <a:spcPct val="120000"/>
               </a:lnSpc>
               <a:spcBef>
                 <a:spcPts val="1001"/>
               </a:spcBef>
+              <a:buFont typeface="Wingdings" panose="05000000000000000000" pitchFamily="2" charset="2"/>
+              <a:buChar char="v"/>
               <a:tabLst>
                 <a:tab pos="0" algn="l"/>
               </a:tabLst>
@@ -17828,13 +18519,15 @@
             </a:r>
           </a:p>
           <a:p>
-            <a:pPr>
+            <a:pPr marL="457200" indent="-277813">
               <a:lnSpc>
                 <a:spcPct val="120000"/>
               </a:lnSpc>
               <a:spcBef>
                 <a:spcPts val="1001"/>
               </a:spcBef>
+              <a:buFont typeface="Wingdings" panose="05000000000000000000" pitchFamily="2" charset="2"/>
+              <a:buChar char="v"/>
               <a:tabLst>
                 <a:tab pos="0" algn="l"/>
               </a:tabLst>
@@ -17850,13 +18543,15 @@
             </a:r>
           </a:p>
           <a:p>
-            <a:pPr>
+            <a:pPr marL="457200" indent="-277813">
               <a:lnSpc>
                 <a:spcPct val="120000"/>
               </a:lnSpc>
               <a:spcBef>
                 <a:spcPts val="1001"/>
               </a:spcBef>
+              <a:buFont typeface="Wingdings" panose="05000000000000000000" pitchFamily="2" charset="2"/>
+              <a:buChar char="v"/>
               <a:tabLst>
                 <a:tab pos="0" algn="l"/>
               </a:tabLst>
@@ -17872,13 +18567,15 @@
             </a:r>
           </a:p>
           <a:p>
-            <a:pPr>
+            <a:pPr marL="457200" indent="-277813">
               <a:lnSpc>
                 <a:spcPct val="120000"/>
               </a:lnSpc>
               <a:spcBef>
                 <a:spcPts val="1001"/>
               </a:spcBef>
+              <a:buFont typeface="Wingdings" panose="05000000000000000000" pitchFamily="2" charset="2"/>
+              <a:buChar char="v"/>
               <a:tabLst>
                 <a:tab pos="0" algn="l"/>
               </a:tabLst>
@@ -17890,7 +18587,7 @@
                 </a:solidFill>
                 <a:latin typeface="+mj-lt"/>
               </a:rPr>
-              <a:t>Nếu không có Express.js, bạn phải viết mã code của riêng mình để xây dựng thành phần định tuyến. Đó là một công việc tốn thời gian và tẻ nhạt. Express.js giúp công việc này đơn giản, linh hoạt, hiệu quả, tối giản cùng với khả năng mở rộng cho các lập trình viên. Nó cũng có lợi thế về hiệu suất mạnh mẽ vì nó là một framework của Node.js.</a:t>
+              <a:t>Express.js giúp công việc này đơn giản, linh hoạt, hiệu quả, tối giản cùng với khả năng mở rộng cho các lập trình viên. Nó cũng có lợi thế về hiệu suất mạnh mẽ vì nó là một framework của Node.js.</a:t>
             </a:r>
             <a:endParaRPr lang="en-US" sz="7200" b="0" strike="noStrike" spc="-1" dirty="0" smtClean="0">
               <a:solidFill>
@@ -18108,7 +18805,7 @@
               </a:tabLst>
             </a:pPr>
             <a:r>
-              <a:rPr lang="vi-VN" sz="9600" b="0" strike="noStrike" spc="-1" dirty="0" smtClean="0">
+              <a:rPr lang="vi-VN" sz="9600" strike="noStrike" spc="-1" dirty="0" smtClean="0">
                 <a:solidFill>
                   <a:srgbClr val="FFFFFF"/>
                 </a:solidFill>
@@ -18118,19 +18815,21 @@
             </a:r>
           </a:p>
           <a:p>
-            <a:pPr>
+            <a:pPr marL="685800" indent="-334963">
               <a:lnSpc>
                 <a:spcPct val="120000"/>
               </a:lnSpc>
               <a:spcBef>
                 <a:spcPts val="1001"/>
               </a:spcBef>
+              <a:buFont typeface="Wingdings" panose="05000000000000000000" pitchFamily="2" charset="2"/>
+              <a:buChar char="v"/>
               <a:tabLst>
                 <a:tab pos="0" algn="l"/>
               </a:tabLst>
             </a:pPr>
             <a:r>
-              <a:rPr lang="vi-VN" sz="8000" b="0" strike="noStrike" spc="-1" dirty="0" smtClean="0">
+              <a:rPr lang="vi-VN" sz="9600" b="0" strike="noStrike" spc="-1" dirty="0" smtClean="0">
                 <a:solidFill>
                   <a:srgbClr val="FFFFFF"/>
                 </a:solidFill>
@@ -18140,19 +18839,21 @@
             </a:r>
           </a:p>
           <a:p>
-            <a:pPr>
+            <a:pPr marL="685800" indent="-334963">
               <a:lnSpc>
                 <a:spcPct val="120000"/>
               </a:lnSpc>
               <a:spcBef>
                 <a:spcPts val="1001"/>
               </a:spcBef>
+              <a:buFont typeface="Wingdings" panose="05000000000000000000" pitchFamily="2" charset="2"/>
+              <a:buChar char="v"/>
               <a:tabLst>
                 <a:tab pos="0" algn="l"/>
               </a:tabLst>
             </a:pPr>
             <a:r>
-              <a:rPr lang="vi-VN" sz="8000" b="0" strike="noStrike" spc="-1" dirty="0" smtClean="0">
+              <a:rPr lang="vi-VN" sz="9600" b="0" strike="noStrike" spc="-1" dirty="0" smtClean="0">
                 <a:solidFill>
                   <a:srgbClr val="FFFFFF"/>
                 </a:solidFill>
@@ -18160,7 +18861,7 @@
               </a:rPr>
               <a:t>Hiệu suất mạnh mẽ của Node.js và sự viết mã dễ dàng bằng Express.js là những tính năng phổ biến nhất được các nhà phát triển ứng dụng web yêu thích. Vì Express.js được viết bằng Javascript nên bạn có thể xây dựng các trang web, ứng dụng web hoặc thậm chí ứng dụng di động bằng cách sử dụng nó.</a:t>
             </a:r>
-            <a:endParaRPr lang="en-US" sz="6400" b="0" strike="noStrike" spc="-1" dirty="0" smtClean="0">
+            <a:endParaRPr lang="en-US" sz="7200" b="0" strike="noStrike" spc="-1" dirty="0" smtClean="0">
               <a:solidFill>
                 <a:srgbClr val="FFFFFF"/>
               </a:solidFill>
@@ -18364,13 +19065,15 @@
             </a:endParaRPr>
           </a:p>
           <a:p>
-            <a:pPr>
+            <a:pPr marL="457200" indent="-396875">
               <a:lnSpc>
                 <a:spcPct val="120000"/>
               </a:lnSpc>
               <a:spcBef>
                 <a:spcPts val="1001"/>
               </a:spcBef>
+              <a:buFont typeface="Wingdings" panose="05000000000000000000" pitchFamily="2" charset="2"/>
+              <a:buChar char="v"/>
               <a:tabLst>
                 <a:tab pos="0" algn="l"/>
               </a:tabLst>
@@ -18387,17 +19090,66 @@
           </a:p>
           <a:p>
             <a:pPr>
+              <a:lnSpc>
+                <a:spcPct val="120000"/>
+              </a:lnSpc>
+              <a:tabLst>
+                <a:tab pos="0" algn="l"/>
+              </a:tabLst>
+            </a:pPr>
+            <a:r>
+              <a:rPr lang="en-US" sz="9600" b="0" strike="noStrike" spc="-1" dirty="0" smtClean="0">
+                <a:solidFill>
+                  <a:srgbClr val="FFFFFF"/>
+                </a:solidFill>
+                <a:latin typeface="+mj-lt"/>
+              </a:rPr>
+              <a:t>		</a:t>
+            </a:r>
+            <a:r>
+              <a:rPr lang="vi-VN" sz="8000" b="0" strike="noStrike" spc="-1" dirty="0" smtClean="0">
+                <a:solidFill>
+                  <a:srgbClr val="FFFFFF"/>
+                </a:solidFill>
+                <a:latin typeface="+mj-lt"/>
+              </a:rPr>
+              <a:t>Express.js cung cấp nhiều tính năng thường được sử dụng của Node.js dưới dạng các hàm có thể dễ dàng sử dụng ở bất kỳ đâu trong chương trình. Điều này loại bỏ nhu cầu viết mã trong vài giờ và do đó tiết kiệm thời gian.</a:t>
+            </a:r>
+          </a:p>
+          <a:p>
+            <a:pPr marL="457200" indent="-396875">
               <a:lnSpc>
                 <a:spcPct val="120000"/>
               </a:lnSpc>
               <a:spcBef>
                 <a:spcPts val="1001"/>
               </a:spcBef>
+              <a:buFont typeface="Wingdings" panose="05000000000000000000" pitchFamily="2" charset="2"/>
+              <a:buChar char="v"/>
               <a:tabLst>
                 <a:tab pos="0" algn="l"/>
               </a:tabLst>
             </a:pPr>
             <a:r>
+              <a:rPr lang="vi-VN" sz="9600" b="0" strike="noStrike" spc="-1" dirty="0" smtClean="0">
+                <a:solidFill>
+                  <a:srgbClr val="FFFFFF"/>
+                </a:solidFill>
+                <a:latin typeface="+mj-lt"/>
+              </a:rPr>
+              <a:t>Phần mềm trung gian – Middleware</a:t>
+            </a:r>
+          </a:p>
+          <a:p>
+            <a:pPr>
+              <a:lnSpc>
+                <a:spcPct val="120000"/>
+              </a:lnSpc>
+              <a:tabLst>
+                <a:tab pos="0" algn="l"/>
+              </a:tabLst>
+            </a:pPr>
+            <a:r>
               <a:rPr lang="en-US" sz="9600" b="0" strike="noStrike" spc="-1" dirty="0" smtClean="0">
                 <a:solidFill>
                   <a:srgbClr val="FFFFFF"/>
@@ -18413,17 +19165,19 @@
                 </a:solidFill>
                 <a:latin typeface="+mj-lt"/>
               </a:rPr>
-              <a:t>Express.js cung cấp nhiều tính năng thường được sử dụng của Node.js dưới dạng các hàm có thể dễ dàng sử dụng ở bất kỳ đâu trong chương trình. Điều này loại bỏ nhu cầu viết mã trong vài giờ và do đó tiết kiệm thời gian.</a:t>
-            </a:r>
-          </a:p>
-          <a:p>
-            <a:pPr>
+              <a:t>Middleware – là một phần của chương trình có quyền truy cập vào cơ sở dữ liệu, yêu cầu của khách hàng và các phần mềm trung gian khác. Nó chịu trách nhiệm chính cho việc tổ chức có hệ thống các chức năng khác nhau của Express.js.</a:t>
+            </a:r>
+          </a:p>
+          <a:p>
+            <a:pPr marL="457200" indent="-396875">
               <a:lnSpc>
                 <a:spcPct val="120000"/>
               </a:lnSpc>
               <a:spcBef>
                 <a:spcPts val="1001"/>
               </a:spcBef>
+              <a:buFont typeface="Wingdings" panose="05000000000000000000" pitchFamily="2" charset="2"/>
+              <a:buChar char="v"/>
               <a:tabLst>
                 <a:tab pos="0" algn="l"/>
               </a:tabLst>
@@ -18435,7 +19189,7 @@
                 </a:solidFill>
                 <a:latin typeface="+mj-lt"/>
               </a:rPr>
-              <a:t>Phần mềm trung gian – Middleware</a:t>
+              <a:t>Định tuyến – Routing</a:t>
             </a:r>
           </a:p>
           <a:p>
@@ -18443,62 +19197,6 @@
               <a:lnSpc>
                 <a:spcPct val="120000"/>
               </a:lnSpc>
-              <a:spcBef>
-                <a:spcPts val="1001"/>
-              </a:spcBef>
-              <a:tabLst>
-                <a:tab pos="0" algn="l"/>
-              </a:tabLst>
-            </a:pPr>
-            <a:r>
-              <a:rPr lang="en-US" sz="9600" b="0" strike="noStrike" spc="-1" dirty="0" smtClean="0">
-                <a:solidFill>
-                  <a:srgbClr val="FFFFFF"/>
-                </a:solidFill>
-                <a:latin typeface="+mj-lt"/>
-              </a:rPr>
-              <a:t>		</a:t>
-            </a:r>
-            <a:r>
-              <a:rPr lang="vi-VN" sz="8000" b="0" strike="noStrike" spc="-1" dirty="0" smtClean="0">
-                <a:solidFill>
-                  <a:srgbClr val="FFFFFF"/>
-                </a:solidFill>
-                <a:latin typeface="+mj-lt"/>
-              </a:rPr>
-              <a:t>Middleware – là một phần của chương trình có quyền truy cập vào cơ sở dữ liệu, yêu cầu của khách hàng và các phần mềm trung gian khác. Nó chịu trách nhiệm chính cho việc tổ chức có hệ thống các chức năng khác nhau của Express.js.</a:t>
-            </a:r>
-          </a:p>
-          <a:p>
-            <a:pPr>
-              <a:lnSpc>
-                <a:spcPct val="120000"/>
-              </a:lnSpc>
-              <a:spcBef>
-                <a:spcPts val="1001"/>
-              </a:spcBef>
-              <a:tabLst>
-                <a:tab pos="0" algn="l"/>
-              </a:tabLst>
-            </a:pPr>
-            <a:r>
-              <a:rPr lang="vi-VN" sz="9600" b="0" strike="noStrike" spc="-1" dirty="0" smtClean="0">
-                <a:solidFill>
-                  <a:srgbClr val="FFFFFF"/>
-                </a:solidFill>
-                <a:latin typeface="+mj-lt"/>
-              </a:rPr>
-              <a:t>Định tuyến – Routing</a:t>
-            </a:r>
-          </a:p>
-          <a:p>
-            <a:pPr>
-              <a:lnSpc>
-                <a:spcPct val="120000"/>
-              </a:lnSpc>
-              <a:spcBef>
-                <a:spcPts val="1001"/>
-              </a:spcBef>
               <a:tabLst>
                 <a:tab pos="0" algn="l"/>
               </a:tabLst>
@@ -18725,6 +19423,30 @@
             </a:endParaRPr>
           </a:p>
           <a:p>
+            <a:pPr marL="517525" indent="-457200">
+              <a:lnSpc>
+                <a:spcPct val="120000"/>
+              </a:lnSpc>
+              <a:spcBef>
+                <a:spcPts val="1001"/>
+              </a:spcBef>
+              <a:buFont typeface="Wingdings" panose="05000000000000000000" pitchFamily="2" charset="2"/>
+              <a:buChar char="v"/>
+              <a:tabLst>
+                <a:tab pos="0" algn="l"/>
+              </a:tabLst>
+            </a:pPr>
+            <a:r>
+              <a:rPr lang="vi-VN" sz="9600" b="0" strike="noStrike" spc="-1" dirty="0" smtClean="0">
+                <a:solidFill>
+                  <a:srgbClr val="FFFFFF"/>
+                </a:solidFill>
+                <a:latin typeface="+mj-lt"/>
+              </a:rPr>
+              <a:t>Tạo mẫu – Templating</a:t>
+            </a:r>
+          </a:p>
+          <a:p>
             <a:pPr>
               <a:lnSpc>
                 <a:spcPct val="120000"/>
@@ -18737,73 +19459,34 @@
               </a:tabLst>
             </a:pPr>
             <a:r>
+              <a:rPr lang="en-US" sz="9600" b="0" strike="noStrike" spc="-1" dirty="0" smtClean="0">
+                <a:solidFill>
+                  <a:srgbClr val="FFFFFF"/>
+                </a:solidFill>
+                <a:latin typeface="+mj-lt"/>
+              </a:rPr>
+              <a:t>		</a:t>
+            </a:r>
+            <a:r>
               <a:rPr lang="vi-VN" sz="9600" b="0" strike="noStrike" spc="-1" dirty="0" smtClean="0">
                 <a:solidFill>
                   <a:srgbClr val="FFFFFF"/>
                 </a:solidFill>
                 <a:latin typeface="+mj-lt"/>
               </a:rPr>
-              <a:t>Tạo mẫu – Templating</a:t>
-            </a:r>
-          </a:p>
-          <a:p>
-            <a:pPr>
+              <a:t>Expressjs cung cấp các công cụ tạo khuôn mẫu cho phép các nhà phát triển xây dựng nội dung động trên các trang web bằng cách xây dựng các mẫu HTML ở phía máy chủ.</a:t>
+            </a:r>
+          </a:p>
+          <a:p>
+            <a:pPr marL="517525" indent="-457200">
               <a:lnSpc>
                 <a:spcPct val="120000"/>
               </a:lnSpc>
               <a:spcBef>
-                <a:spcPts val="1001"/>
+                <a:spcPts val="1800"/>
               </a:spcBef>
-              <a:tabLst>
-                <a:tab pos="0" algn="l"/>
-              </a:tabLst>
-            </a:pPr>
-            <a:r>
-              <a:rPr lang="en-US" sz="9600" b="0" strike="noStrike" spc="-1" dirty="0" smtClean="0">
-                <a:solidFill>
-                  <a:srgbClr val="FFFFFF"/>
-                </a:solidFill>
-                <a:latin typeface="+mj-lt"/>
-              </a:rPr>
-              <a:t>		</a:t>
-            </a:r>
-            <a:r>
-              <a:rPr lang="vi-VN" sz="9600" b="0" strike="noStrike" spc="-1" dirty="0" smtClean="0">
-                <a:solidFill>
-                  <a:srgbClr val="FFFFFF"/>
-                </a:solidFill>
-                <a:latin typeface="+mj-lt"/>
-              </a:rPr>
-              <a:t>Expressjs cung cấp các công cụ tạo khuôn mẫu cho phép các nhà phát triển xây dựng nội dung động trên các trang web bằng cách xây dựng các mẫu HTML ở phía máy chủ.</a:t>
-            </a:r>
-          </a:p>
-          <a:p>
-            <a:pPr>
-              <a:lnSpc>
-                <a:spcPct val="120000"/>
-              </a:lnSpc>
-              <a:spcBef>
-                <a:spcPts val="1001"/>
-              </a:spcBef>
-              <a:tabLst>
-                <a:tab pos="0" algn="l"/>
-              </a:tabLst>
-            </a:pPr>
-            <a:endParaRPr lang="vi-VN" sz="9600" b="0" strike="noStrike" spc="-1" dirty="0" smtClean="0">
-              <a:solidFill>
-                <a:srgbClr val="FFFFFF"/>
-              </a:solidFill>
-              <a:latin typeface="+mj-lt"/>
-            </a:endParaRPr>
-          </a:p>
-          <a:p>
-            <a:pPr>
-              <a:lnSpc>
-                <a:spcPct val="120000"/>
-              </a:lnSpc>
-              <a:spcBef>
-                <a:spcPts val="1001"/>
-              </a:spcBef>
+              <a:buFont typeface="Wingdings" panose="05000000000000000000" pitchFamily="2" charset="2"/>
+              <a:buChar char="v"/>
               <a:tabLst>
                 <a:tab pos="0" algn="l"/>
               </a:tabLst>
